--- a/Image.pptx
+++ b/Image.pptx
@@ -5,11 +5,12 @@
     <p:sldMasterId id="2147483648" r:id="rId1"/>
   </p:sldMasterIdLst>
   <p:notesMasterIdLst>
-    <p:notesMasterId r:id="rId4"/>
+    <p:notesMasterId r:id="rId5"/>
   </p:notesMasterIdLst>
   <p:sldIdLst>
     <p:sldId id="256" r:id="rId2"/>
     <p:sldId id="283" r:id="rId3"/>
+    <p:sldId id="284" r:id="rId4"/>
   </p:sldIdLst>
   <p:sldSz cx="12192000" cy="6858000"/>
   <p:notesSz cx="6858000" cy="9144000"/>
@@ -108,7 +109,3295 @@
       </a:defRPr>
     </a:lvl9pPr>
   </p:defaultTextStyle>
+  <p:extLst>
+    <p:ext uri="{EFAFB233-063F-42B5-8137-9DF3F51BA10A}">
+      <p15:sldGuideLst xmlns:p15="http://schemas.microsoft.com/office/powerpoint/2012/main"/>
+    </p:ext>
+  </p:extLst>
 </p:presentation>
+</file>
+
+<file path=ppt/diagrams/colors1.xml><?xml version="1.0" encoding="utf-8"?>
+<dgm:colorsDef xmlns:dgm="http://schemas.openxmlformats.org/drawingml/2006/diagram" xmlns:a="http://schemas.openxmlformats.org/drawingml/2006/main" uniqueId="urn:microsoft.com/office/officeart/2005/8/colors/accent1_2">
+  <dgm:title val=""/>
+  <dgm:desc val=""/>
+  <dgm:catLst>
+    <dgm:cat type="accent1" pri="11200"/>
+  </dgm:catLst>
+  <dgm:styleLbl name="node0">
+    <dgm:fillClrLst meth="repeat">
+      <a:schemeClr val="accent1"/>
+    </dgm:fillClrLst>
+    <dgm:linClrLst meth="repeat">
+      <a:schemeClr val="lt1"/>
+    </dgm:linClrLst>
+    <dgm:effectClrLst/>
+    <dgm:txLinClrLst/>
+    <dgm:txFillClrLst/>
+    <dgm:txEffectClrLst/>
+  </dgm:styleLbl>
+  <dgm:styleLbl name="alignNode1">
+    <dgm:fillClrLst meth="repeat">
+      <a:schemeClr val="accent1"/>
+    </dgm:fillClrLst>
+    <dgm:linClrLst meth="repeat">
+      <a:schemeClr val="accent1"/>
+    </dgm:linClrLst>
+    <dgm:effectClrLst/>
+    <dgm:txLinClrLst/>
+    <dgm:txFillClrLst/>
+    <dgm:txEffectClrLst/>
+  </dgm:styleLbl>
+  <dgm:styleLbl name="node1">
+    <dgm:fillClrLst meth="repeat">
+      <a:schemeClr val="accent1"/>
+    </dgm:fillClrLst>
+    <dgm:linClrLst meth="repeat">
+      <a:schemeClr val="lt1"/>
+    </dgm:linClrLst>
+    <dgm:effectClrLst/>
+    <dgm:txLinClrLst/>
+    <dgm:txFillClrLst/>
+    <dgm:txEffectClrLst/>
+  </dgm:styleLbl>
+  <dgm:styleLbl name="lnNode1">
+    <dgm:fillClrLst meth="repeat">
+      <a:schemeClr val="accent1"/>
+    </dgm:fillClrLst>
+    <dgm:linClrLst meth="repeat">
+      <a:schemeClr val="lt1"/>
+    </dgm:linClrLst>
+    <dgm:effectClrLst/>
+    <dgm:txLinClrLst/>
+    <dgm:txFillClrLst/>
+    <dgm:txEffectClrLst/>
+  </dgm:styleLbl>
+  <dgm:styleLbl name="vennNode1">
+    <dgm:fillClrLst meth="repeat">
+      <a:schemeClr val="accent1">
+        <a:alpha val="50000"/>
+      </a:schemeClr>
+    </dgm:fillClrLst>
+    <dgm:linClrLst meth="repeat">
+      <a:schemeClr val="lt1"/>
+    </dgm:linClrLst>
+    <dgm:effectClrLst/>
+    <dgm:txLinClrLst/>
+    <dgm:txFillClrLst/>
+    <dgm:txEffectClrLst/>
+  </dgm:styleLbl>
+  <dgm:styleLbl name="node2">
+    <dgm:fillClrLst meth="repeat">
+      <a:schemeClr val="accent1"/>
+    </dgm:fillClrLst>
+    <dgm:linClrLst meth="repeat">
+      <a:schemeClr val="lt1"/>
+    </dgm:linClrLst>
+    <dgm:effectClrLst/>
+    <dgm:txLinClrLst/>
+    <dgm:txFillClrLst/>
+    <dgm:txEffectClrLst/>
+  </dgm:styleLbl>
+  <dgm:styleLbl name="node3">
+    <dgm:fillClrLst meth="repeat">
+      <a:schemeClr val="accent1"/>
+    </dgm:fillClrLst>
+    <dgm:linClrLst meth="repeat">
+      <a:schemeClr val="lt1"/>
+    </dgm:linClrLst>
+    <dgm:effectClrLst/>
+    <dgm:txLinClrLst/>
+    <dgm:txFillClrLst/>
+    <dgm:txEffectClrLst/>
+  </dgm:styleLbl>
+  <dgm:styleLbl name="node4">
+    <dgm:fillClrLst meth="repeat">
+      <a:schemeClr val="accent1"/>
+    </dgm:fillClrLst>
+    <dgm:linClrLst meth="repeat">
+      <a:schemeClr val="lt1"/>
+    </dgm:linClrLst>
+    <dgm:effectClrLst/>
+    <dgm:txLinClrLst/>
+    <dgm:txFillClrLst/>
+    <dgm:txEffectClrLst/>
+  </dgm:styleLbl>
+  <dgm:styleLbl name="fgImgPlace1">
+    <dgm:fillClrLst meth="repeat">
+      <a:schemeClr val="accent1">
+        <a:tint val="50000"/>
+      </a:schemeClr>
+    </dgm:fillClrLst>
+    <dgm:linClrLst meth="repeat">
+      <a:schemeClr val="lt1"/>
+    </dgm:linClrLst>
+    <dgm:effectClrLst/>
+    <dgm:txLinClrLst/>
+    <dgm:txFillClrLst meth="repeat">
+      <a:schemeClr val="lt1"/>
+    </dgm:txFillClrLst>
+    <dgm:txEffectClrLst/>
+  </dgm:styleLbl>
+  <dgm:styleLbl name="alignImgPlace1">
+    <dgm:fillClrLst meth="repeat">
+      <a:schemeClr val="accent1">
+        <a:tint val="50000"/>
+      </a:schemeClr>
+    </dgm:fillClrLst>
+    <dgm:linClrLst meth="repeat">
+      <a:schemeClr val="lt1"/>
+    </dgm:linClrLst>
+    <dgm:effectClrLst/>
+    <dgm:txLinClrLst/>
+    <dgm:txFillClrLst meth="repeat">
+      <a:schemeClr val="lt1"/>
+    </dgm:txFillClrLst>
+    <dgm:txEffectClrLst/>
+  </dgm:styleLbl>
+  <dgm:styleLbl name="bgImgPlace1">
+    <dgm:fillClrLst meth="repeat">
+      <a:schemeClr val="accent1">
+        <a:tint val="50000"/>
+      </a:schemeClr>
+    </dgm:fillClrLst>
+    <dgm:linClrLst meth="repeat">
+      <a:schemeClr val="lt1"/>
+    </dgm:linClrLst>
+    <dgm:effectClrLst/>
+    <dgm:txLinClrLst/>
+    <dgm:txFillClrLst meth="repeat">
+      <a:schemeClr val="lt1"/>
+    </dgm:txFillClrLst>
+    <dgm:txEffectClrLst/>
+  </dgm:styleLbl>
+  <dgm:styleLbl name="sibTrans2D1">
+    <dgm:fillClrLst meth="repeat">
+      <a:schemeClr val="accent1">
+        <a:tint val="60000"/>
+      </a:schemeClr>
+    </dgm:fillClrLst>
+    <dgm:linClrLst meth="repeat">
+      <a:schemeClr val="accent1">
+        <a:tint val="60000"/>
+      </a:schemeClr>
+    </dgm:linClrLst>
+    <dgm:effectClrLst/>
+    <dgm:txLinClrLst/>
+    <dgm:txFillClrLst/>
+    <dgm:txEffectClrLst/>
+  </dgm:styleLbl>
+  <dgm:styleLbl name="fgSibTrans2D1">
+    <dgm:fillClrLst meth="repeat">
+      <a:schemeClr val="accent1">
+        <a:tint val="60000"/>
+      </a:schemeClr>
+    </dgm:fillClrLst>
+    <dgm:linClrLst meth="repeat">
+      <a:schemeClr val="accent1">
+        <a:tint val="60000"/>
+      </a:schemeClr>
+    </dgm:linClrLst>
+    <dgm:effectClrLst/>
+    <dgm:txLinClrLst/>
+    <dgm:txFillClrLst/>
+    <dgm:txEffectClrLst/>
+  </dgm:styleLbl>
+  <dgm:styleLbl name="bgSibTrans2D1">
+    <dgm:fillClrLst meth="repeat">
+      <a:schemeClr val="accent1">
+        <a:tint val="60000"/>
+      </a:schemeClr>
+    </dgm:fillClrLst>
+    <dgm:linClrLst meth="repeat">
+      <a:schemeClr val="accent1">
+        <a:tint val="60000"/>
+      </a:schemeClr>
+    </dgm:linClrLst>
+    <dgm:effectClrLst/>
+    <dgm:txLinClrLst/>
+    <dgm:txFillClrLst/>
+    <dgm:txEffectClrLst/>
+  </dgm:styleLbl>
+  <dgm:styleLbl name="sibTrans1D1">
+    <dgm:fillClrLst meth="repeat">
+      <a:schemeClr val="accent1"/>
+    </dgm:fillClrLst>
+    <dgm:linClrLst meth="repeat">
+      <a:schemeClr val="accent1"/>
+    </dgm:linClrLst>
+    <dgm:effectClrLst/>
+    <dgm:txLinClrLst/>
+    <dgm:txFillClrLst meth="repeat">
+      <a:schemeClr val="tx1"/>
+    </dgm:txFillClrLst>
+    <dgm:txEffectClrLst/>
+  </dgm:styleLbl>
+  <dgm:styleLbl name="callout">
+    <dgm:fillClrLst meth="repeat">
+      <a:schemeClr val="accent1"/>
+    </dgm:fillClrLst>
+    <dgm:linClrLst meth="repeat">
+      <a:schemeClr val="accent1">
+        <a:tint val="50000"/>
+      </a:schemeClr>
+    </dgm:linClrLst>
+    <dgm:effectClrLst/>
+    <dgm:txLinClrLst/>
+    <dgm:txFillClrLst meth="repeat">
+      <a:schemeClr val="tx1"/>
+    </dgm:txFillClrLst>
+    <dgm:txEffectClrLst/>
+  </dgm:styleLbl>
+  <dgm:styleLbl name="asst0">
+    <dgm:fillClrLst meth="repeat">
+      <a:schemeClr val="accent1"/>
+    </dgm:fillClrLst>
+    <dgm:linClrLst meth="repeat">
+      <a:schemeClr val="lt1"/>
+    </dgm:linClrLst>
+    <dgm:effectClrLst/>
+    <dgm:txLinClrLst/>
+    <dgm:txFillClrLst/>
+    <dgm:txEffectClrLst/>
+  </dgm:styleLbl>
+  <dgm:styleLbl name="asst1">
+    <dgm:fillClrLst meth="repeat">
+      <a:schemeClr val="accent1"/>
+    </dgm:fillClrLst>
+    <dgm:linClrLst meth="repeat">
+      <a:schemeClr val="lt1"/>
+    </dgm:linClrLst>
+    <dgm:effectClrLst/>
+    <dgm:txLinClrLst/>
+    <dgm:txFillClrLst/>
+    <dgm:txEffectClrLst/>
+  </dgm:styleLbl>
+  <dgm:styleLbl name="asst2">
+    <dgm:fillClrLst meth="repeat">
+      <a:schemeClr val="accent1"/>
+    </dgm:fillClrLst>
+    <dgm:linClrLst meth="repeat">
+      <a:schemeClr val="lt1"/>
+    </dgm:linClrLst>
+    <dgm:effectClrLst/>
+    <dgm:txLinClrLst/>
+    <dgm:txFillClrLst/>
+    <dgm:txEffectClrLst/>
+  </dgm:styleLbl>
+  <dgm:styleLbl name="asst3">
+    <dgm:fillClrLst meth="repeat">
+      <a:schemeClr val="accent1"/>
+    </dgm:fillClrLst>
+    <dgm:linClrLst meth="repeat">
+      <a:schemeClr val="lt1"/>
+    </dgm:linClrLst>
+    <dgm:effectClrLst/>
+    <dgm:txLinClrLst/>
+    <dgm:txFillClrLst/>
+    <dgm:txEffectClrLst/>
+  </dgm:styleLbl>
+  <dgm:styleLbl name="asst4">
+    <dgm:fillClrLst meth="repeat">
+      <a:schemeClr val="accent1"/>
+    </dgm:fillClrLst>
+    <dgm:linClrLst meth="repeat">
+      <a:schemeClr val="lt1"/>
+    </dgm:linClrLst>
+    <dgm:effectClrLst/>
+    <dgm:txLinClrLst/>
+    <dgm:txFillClrLst/>
+    <dgm:txEffectClrLst/>
+  </dgm:styleLbl>
+  <dgm:styleLbl name="parChTrans2D1">
+    <dgm:fillClrLst meth="repeat">
+      <a:schemeClr val="accent1">
+        <a:tint val="60000"/>
+      </a:schemeClr>
+    </dgm:fillClrLst>
+    <dgm:linClrLst meth="repeat">
+      <a:schemeClr val="accent1">
+        <a:tint val="60000"/>
+      </a:schemeClr>
+    </dgm:linClrLst>
+    <dgm:effectClrLst/>
+    <dgm:txLinClrLst/>
+    <dgm:txFillClrLst meth="repeat">
+      <a:schemeClr val="lt1"/>
+    </dgm:txFillClrLst>
+    <dgm:txEffectClrLst/>
+  </dgm:styleLbl>
+  <dgm:styleLbl name="parChTrans2D2">
+    <dgm:fillClrLst meth="repeat">
+      <a:schemeClr val="accent1"/>
+    </dgm:fillClrLst>
+    <dgm:linClrLst meth="repeat">
+      <a:schemeClr val="accent1"/>
+    </dgm:linClrLst>
+    <dgm:effectClrLst/>
+    <dgm:txLinClrLst/>
+    <dgm:txFillClrLst meth="repeat">
+      <a:schemeClr val="lt1"/>
+    </dgm:txFillClrLst>
+    <dgm:txEffectClrLst/>
+  </dgm:styleLbl>
+  <dgm:styleLbl name="parChTrans2D3">
+    <dgm:fillClrLst meth="repeat">
+      <a:schemeClr val="accent1"/>
+    </dgm:fillClrLst>
+    <dgm:linClrLst meth="repeat">
+      <a:schemeClr val="accent1"/>
+    </dgm:linClrLst>
+    <dgm:effectClrLst/>
+    <dgm:txLinClrLst/>
+    <dgm:txFillClrLst meth="repeat">
+      <a:schemeClr val="lt1"/>
+    </dgm:txFillClrLst>
+    <dgm:txEffectClrLst/>
+  </dgm:styleLbl>
+  <dgm:styleLbl name="parChTrans2D4">
+    <dgm:fillClrLst meth="repeat">
+      <a:schemeClr val="accent1"/>
+    </dgm:fillClrLst>
+    <dgm:linClrLst meth="repeat">
+      <a:schemeClr val="accent1"/>
+    </dgm:linClrLst>
+    <dgm:effectClrLst/>
+    <dgm:txLinClrLst/>
+    <dgm:txFillClrLst meth="repeat">
+      <a:schemeClr val="lt1"/>
+    </dgm:txFillClrLst>
+    <dgm:txEffectClrLst/>
+  </dgm:styleLbl>
+  <dgm:styleLbl name="parChTrans1D1">
+    <dgm:fillClrLst meth="repeat">
+      <a:schemeClr val="accent1"/>
+    </dgm:fillClrLst>
+    <dgm:linClrLst meth="repeat">
+      <a:schemeClr val="accent1">
+        <a:shade val="60000"/>
+      </a:schemeClr>
+    </dgm:linClrLst>
+    <dgm:effectClrLst/>
+    <dgm:txLinClrLst/>
+    <dgm:txFillClrLst meth="repeat">
+      <a:schemeClr val="tx1"/>
+    </dgm:txFillClrLst>
+    <dgm:txEffectClrLst/>
+  </dgm:styleLbl>
+  <dgm:styleLbl name="parChTrans1D2">
+    <dgm:fillClrLst meth="repeat">
+      <a:schemeClr val="accent1"/>
+    </dgm:fillClrLst>
+    <dgm:linClrLst meth="repeat">
+      <a:schemeClr val="accent1">
+        <a:shade val="60000"/>
+      </a:schemeClr>
+    </dgm:linClrLst>
+    <dgm:effectClrLst/>
+    <dgm:txLinClrLst/>
+    <dgm:txFillClrLst meth="repeat">
+      <a:schemeClr val="tx1"/>
+    </dgm:txFillClrLst>
+    <dgm:txEffectClrLst/>
+  </dgm:styleLbl>
+  <dgm:styleLbl name="parChTrans1D3">
+    <dgm:fillClrLst meth="repeat">
+      <a:schemeClr val="accent1"/>
+    </dgm:fillClrLst>
+    <dgm:linClrLst meth="repeat">
+      <a:schemeClr val="accent1">
+        <a:shade val="80000"/>
+      </a:schemeClr>
+    </dgm:linClrLst>
+    <dgm:effectClrLst/>
+    <dgm:txLinClrLst/>
+    <dgm:txFillClrLst meth="repeat">
+      <a:schemeClr val="tx1"/>
+    </dgm:txFillClrLst>
+    <dgm:txEffectClrLst/>
+  </dgm:styleLbl>
+  <dgm:styleLbl name="parChTrans1D4">
+    <dgm:fillClrLst meth="repeat">
+      <a:schemeClr val="accent1"/>
+    </dgm:fillClrLst>
+    <dgm:linClrLst meth="repeat">
+      <a:schemeClr val="accent1">
+        <a:shade val="80000"/>
+      </a:schemeClr>
+    </dgm:linClrLst>
+    <dgm:effectClrLst/>
+    <dgm:txLinClrLst/>
+    <dgm:txFillClrLst meth="repeat">
+      <a:schemeClr val="tx1"/>
+    </dgm:txFillClrLst>
+    <dgm:txEffectClrLst/>
+  </dgm:styleLbl>
+  <dgm:styleLbl name="fgAcc1">
+    <dgm:fillClrLst meth="repeat">
+      <a:schemeClr val="lt1">
+        <a:alpha val="90000"/>
+      </a:schemeClr>
+    </dgm:fillClrLst>
+    <dgm:linClrLst meth="repeat">
+      <a:schemeClr val="accent1"/>
+    </dgm:linClrLst>
+    <dgm:effectClrLst/>
+    <dgm:txLinClrLst/>
+    <dgm:txFillClrLst meth="repeat">
+      <a:schemeClr val="dk1"/>
+    </dgm:txFillClrLst>
+    <dgm:txEffectClrLst/>
+  </dgm:styleLbl>
+  <dgm:styleLbl name="conFgAcc1">
+    <dgm:fillClrLst meth="repeat">
+      <a:schemeClr val="lt1">
+        <a:alpha val="90000"/>
+      </a:schemeClr>
+    </dgm:fillClrLst>
+    <dgm:linClrLst meth="repeat">
+      <a:schemeClr val="accent1"/>
+    </dgm:linClrLst>
+    <dgm:effectClrLst/>
+    <dgm:txLinClrLst/>
+    <dgm:txFillClrLst meth="repeat">
+      <a:schemeClr val="dk1"/>
+    </dgm:txFillClrLst>
+    <dgm:txEffectClrLst/>
+  </dgm:styleLbl>
+  <dgm:styleLbl name="alignAcc1">
+    <dgm:fillClrLst meth="repeat">
+      <a:schemeClr val="lt1">
+        <a:alpha val="90000"/>
+      </a:schemeClr>
+    </dgm:fillClrLst>
+    <dgm:linClrLst meth="repeat">
+      <a:schemeClr val="accent1"/>
+    </dgm:linClrLst>
+    <dgm:effectClrLst/>
+    <dgm:txLinClrLst/>
+    <dgm:txFillClrLst meth="repeat">
+      <a:schemeClr val="dk1"/>
+    </dgm:txFillClrLst>
+    <dgm:txEffectClrLst/>
+  </dgm:styleLbl>
+  <dgm:styleLbl name="trAlignAcc1">
+    <dgm:fillClrLst meth="repeat">
+      <a:schemeClr val="lt1">
+        <a:alpha val="40000"/>
+      </a:schemeClr>
+    </dgm:fillClrLst>
+    <dgm:linClrLst meth="repeat">
+      <a:schemeClr val="accent1"/>
+    </dgm:linClrLst>
+    <dgm:effectClrLst/>
+    <dgm:txLinClrLst/>
+    <dgm:txFillClrLst meth="repeat">
+      <a:schemeClr val="dk1"/>
+    </dgm:txFillClrLst>
+    <dgm:txEffectClrLst/>
+  </dgm:styleLbl>
+  <dgm:styleLbl name="bgAcc1">
+    <dgm:fillClrLst meth="repeat">
+      <a:schemeClr val="lt1">
+        <a:alpha val="90000"/>
+      </a:schemeClr>
+    </dgm:fillClrLst>
+    <dgm:linClrLst meth="repeat">
+      <a:schemeClr val="accent1"/>
+    </dgm:linClrLst>
+    <dgm:effectClrLst/>
+    <dgm:txLinClrLst/>
+    <dgm:txFillClrLst meth="repeat">
+      <a:schemeClr val="dk1"/>
+    </dgm:txFillClrLst>
+    <dgm:txEffectClrLst/>
+  </dgm:styleLbl>
+  <dgm:styleLbl name="solidFgAcc1">
+    <dgm:fillClrLst meth="repeat">
+      <a:schemeClr val="lt1"/>
+    </dgm:fillClrLst>
+    <dgm:linClrLst meth="repeat">
+      <a:schemeClr val="accent1"/>
+    </dgm:linClrLst>
+    <dgm:effectClrLst/>
+    <dgm:txLinClrLst/>
+    <dgm:txFillClrLst meth="repeat">
+      <a:schemeClr val="dk1"/>
+    </dgm:txFillClrLst>
+    <dgm:txEffectClrLst/>
+  </dgm:styleLbl>
+  <dgm:styleLbl name="solidAlignAcc1">
+    <dgm:fillClrLst meth="repeat">
+      <a:schemeClr val="lt1"/>
+    </dgm:fillClrLst>
+    <dgm:linClrLst meth="repeat">
+      <a:schemeClr val="accent1"/>
+    </dgm:linClrLst>
+    <dgm:effectClrLst/>
+    <dgm:txLinClrLst/>
+    <dgm:txFillClrLst meth="repeat">
+      <a:schemeClr val="dk1"/>
+    </dgm:txFillClrLst>
+    <dgm:txEffectClrLst/>
+  </dgm:styleLbl>
+  <dgm:styleLbl name="solidBgAcc1">
+    <dgm:fillClrLst meth="repeat">
+      <a:schemeClr val="lt1"/>
+    </dgm:fillClrLst>
+    <dgm:linClrLst meth="repeat">
+      <a:schemeClr val="accent1"/>
+    </dgm:linClrLst>
+    <dgm:effectClrLst/>
+    <dgm:txLinClrLst/>
+    <dgm:txFillClrLst meth="repeat">
+      <a:schemeClr val="dk1"/>
+    </dgm:txFillClrLst>
+    <dgm:txEffectClrLst/>
+  </dgm:styleLbl>
+  <dgm:styleLbl name="fgAccFollowNode1">
+    <dgm:fillClrLst meth="repeat">
+      <a:schemeClr val="accent1">
+        <a:alpha val="90000"/>
+        <a:tint val="40000"/>
+      </a:schemeClr>
+    </dgm:fillClrLst>
+    <dgm:linClrLst meth="repeat">
+      <a:schemeClr val="accent1">
+        <a:alpha val="90000"/>
+        <a:tint val="40000"/>
+      </a:schemeClr>
+    </dgm:linClrLst>
+    <dgm:effectClrLst/>
+    <dgm:txLinClrLst/>
+    <dgm:txFillClrLst meth="repeat">
+      <a:schemeClr val="dk1"/>
+    </dgm:txFillClrLst>
+    <dgm:txEffectClrLst/>
+  </dgm:styleLbl>
+  <dgm:styleLbl name="alignAccFollowNode1">
+    <dgm:fillClrLst meth="repeat">
+      <a:schemeClr val="accent1">
+        <a:alpha val="90000"/>
+        <a:tint val="40000"/>
+      </a:schemeClr>
+    </dgm:fillClrLst>
+    <dgm:linClrLst meth="repeat">
+      <a:schemeClr val="accent1">
+        <a:alpha val="90000"/>
+        <a:tint val="40000"/>
+      </a:schemeClr>
+    </dgm:linClrLst>
+    <dgm:effectClrLst/>
+    <dgm:txLinClrLst/>
+    <dgm:txFillClrLst meth="repeat">
+      <a:schemeClr val="dk1"/>
+    </dgm:txFillClrLst>
+    <dgm:txEffectClrLst/>
+  </dgm:styleLbl>
+  <dgm:styleLbl name="bgAccFollowNode1">
+    <dgm:fillClrLst meth="repeat">
+      <a:schemeClr val="accent1">
+        <a:alpha val="90000"/>
+        <a:tint val="40000"/>
+      </a:schemeClr>
+    </dgm:fillClrLst>
+    <dgm:linClrLst meth="repeat">
+      <a:schemeClr val="accent1">
+        <a:alpha val="90000"/>
+        <a:tint val="40000"/>
+      </a:schemeClr>
+    </dgm:linClrLst>
+    <dgm:effectClrLst/>
+    <dgm:txLinClrLst/>
+    <dgm:txFillClrLst meth="repeat">
+      <a:schemeClr val="dk1"/>
+    </dgm:txFillClrLst>
+    <dgm:txEffectClrLst/>
+  </dgm:styleLbl>
+  <dgm:styleLbl name="fgAcc0">
+    <dgm:fillClrLst meth="repeat">
+      <a:schemeClr val="lt1">
+        <a:alpha val="90000"/>
+      </a:schemeClr>
+    </dgm:fillClrLst>
+    <dgm:linClrLst meth="repeat">
+      <a:schemeClr val="accent1"/>
+    </dgm:linClrLst>
+    <dgm:effectClrLst/>
+    <dgm:txLinClrLst/>
+    <dgm:txFillClrLst meth="repeat">
+      <a:schemeClr val="dk1"/>
+    </dgm:txFillClrLst>
+    <dgm:txEffectClrLst/>
+  </dgm:styleLbl>
+  <dgm:styleLbl name="fgAcc2">
+    <dgm:fillClrLst meth="repeat">
+      <a:schemeClr val="lt1">
+        <a:alpha val="90000"/>
+      </a:schemeClr>
+    </dgm:fillClrLst>
+    <dgm:linClrLst meth="repeat">
+      <a:schemeClr val="accent1"/>
+    </dgm:linClrLst>
+    <dgm:effectClrLst/>
+    <dgm:txLinClrLst/>
+    <dgm:txFillClrLst meth="repeat">
+      <a:schemeClr val="dk1"/>
+    </dgm:txFillClrLst>
+    <dgm:txEffectClrLst/>
+  </dgm:styleLbl>
+  <dgm:styleLbl name="fgAcc3">
+    <dgm:fillClrLst meth="repeat">
+      <a:schemeClr val="lt1">
+        <a:alpha val="90000"/>
+      </a:schemeClr>
+    </dgm:fillClrLst>
+    <dgm:linClrLst meth="repeat">
+      <a:schemeClr val="accent1"/>
+    </dgm:linClrLst>
+    <dgm:effectClrLst/>
+    <dgm:txLinClrLst/>
+    <dgm:txFillClrLst meth="repeat">
+      <a:schemeClr val="dk1"/>
+    </dgm:txFillClrLst>
+    <dgm:txEffectClrLst/>
+  </dgm:styleLbl>
+  <dgm:styleLbl name="fgAcc4">
+    <dgm:fillClrLst meth="repeat">
+      <a:schemeClr val="lt1">
+        <a:alpha val="90000"/>
+      </a:schemeClr>
+    </dgm:fillClrLst>
+    <dgm:linClrLst meth="repeat">
+      <a:schemeClr val="accent1"/>
+    </dgm:linClrLst>
+    <dgm:effectClrLst/>
+    <dgm:txLinClrLst/>
+    <dgm:txFillClrLst meth="repeat">
+      <a:schemeClr val="dk1"/>
+    </dgm:txFillClrLst>
+    <dgm:txEffectClrLst/>
+  </dgm:styleLbl>
+  <dgm:styleLbl name="bgShp">
+    <dgm:fillClrLst meth="repeat">
+      <a:schemeClr val="accent1">
+        <a:tint val="40000"/>
+      </a:schemeClr>
+    </dgm:fillClrLst>
+    <dgm:linClrLst meth="repeat">
+      <a:schemeClr val="accent1"/>
+    </dgm:linClrLst>
+    <dgm:effectClrLst/>
+    <dgm:txLinClrLst/>
+    <dgm:txFillClrLst meth="repeat">
+      <a:schemeClr val="dk1"/>
+    </dgm:txFillClrLst>
+    <dgm:txEffectClrLst/>
+  </dgm:styleLbl>
+  <dgm:styleLbl name="dkBgShp">
+    <dgm:fillClrLst meth="repeat">
+      <a:schemeClr val="accent1">
+        <a:shade val="80000"/>
+      </a:schemeClr>
+    </dgm:fillClrLst>
+    <dgm:linClrLst meth="repeat">
+      <a:schemeClr val="accent1"/>
+    </dgm:linClrLst>
+    <dgm:effectClrLst/>
+    <dgm:txLinClrLst/>
+    <dgm:txFillClrLst meth="repeat">
+      <a:schemeClr val="lt1"/>
+    </dgm:txFillClrLst>
+    <dgm:txEffectClrLst/>
+  </dgm:styleLbl>
+  <dgm:styleLbl name="trBgShp">
+    <dgm:fillClrLst meth="repeat">
+      <a:schemeClr val="accent1">
+        <a:tint val="50000"/>
+        <a:alpha val="40000"/>
+      </a:schemeClr>
+    </dgm:fillClrLst>
+    <dgm:linClrLst meth="repeat">
+      <a:schemeClr val="accent1"/>
+    </dgm:linClrLst>
+    <dgm:effectClrLst/>
+    <dgm:txLinClrLst/>
+    <dgm:txFillClrLst meth="repeat">
+      <a:schemeClr val="lt1"/>
+    </dgm:txFillClrLst>
+    <dgm:txEffectClrLst/>
+  </dgm:styleLbl>
+  <dgm:styleLbl name="fgShp">
+    <dgm:fillClrLst meth="repeat">
+      <a:schemeClr val="accent1">
+        <a:tint val="60000"/>
+      </a:schemeClr>
+    </dgm:fillClrLst>
+    <dgm:linClrLst meth="repeat">
+      <a:schemeClr val="lt1"/>
+    </dgm:linClrLst>
+    <dgm:effectClrLst/>
+    <dgm:txLinClrLst/>
+    <dgm:txFillClrLst meth="repeat">
+      <a:schemeClr val="dk1"/>
+    </dgm:txFillClrLst>
+    <dgm:txEffectClrLst/>
+  </dgm:styleLbl>
+  <dgm:styleLbl name="revTx">
+    <dgm:fillClrLst meth="repeat">
+      <a:schemeClr val="lt1">
+        <a:alpha val="0"/>
+      </a:schemeClr>
+    </dgm:fillClrLst>
+    <dgm:linClrLst meth="repeat">
+      <a:schemeClr val="dk1">
+        <a:alpha val="0"/>
+      </a:schemeClr>
+    </dgm:linClrLst>
+    <dgm:effectClrLst/>
+    <dgm:txLinClrLst/>
+    <dgm:txFillClrLst meth="repeat">
+      <a:schemeClr val="tx1"/>
+    </dgm:txFillClrLst>
+    <dgm:txEffectClrLst/>
+  </dgm:styleLbl>
+</dgm:colorsDef>
+</file>
+
+<file path=ppt/diagrams/data1.xml><?xml version="1.0" encoding="utf-8"?>
+<dgm:dataModel xmlns:dgm="http://schemas.openxmlformats.org/drawingml/2006/diagram" xmlns:a="http://schemas.openxmlformats.org/drawingml/2006/main">
+  <dgm:ptLst>
+    <dgm:pt modelId="{5C46FC17-483E-6C45-BC85-66D38F6D0980}" type="doc">
+      <dgm:prSet loTypeId="urn:microsoft.com/office/officeart/2005/8/layout/hList7" loCatId="process" qsTypeId="urn:microsoft.com/office/officeart/2005/8/quickstyle/simple1" qsCatId="simple" csTypeId="urn:microsoft.com/office/officeart/2005/8/colors/accent1_2" csCatId="accent1" phldr="1"/>
+      <dgm:spPr/>
+    </dgm:pt>
+    <dgm:pt modelId="{8BD1798F-4BAC-F24D-B532-83D73B541E91}">
+      <dgm:prSet phldrT="[Text]"/>
+      <dgm:spPr/>
+      <dgm:t>
+        <a:bodyPr/>
+        <a:lstStyle/>
+        <a:p>
+          <a:r>
+            <a:rPr lang="en-US" dirty="0"/>
+            <a:t>No comparison groups utilized</a:t>
+          </a:r>
+        </a:p>
+        <a:p>
+          <a:r>
+            <a:rPr lang="en-US" dirty="0"/>
+            <a:t>(Not included in Sample)</a:t>
+          </a:r>
+        </a:p>
+      </dgm:t>
+    </dgm:pt>
+    <dgm:pt modelId="{EF8F7514-318C-7245-9F74-EEDB59E36580}" type="parTrans" cxnId="{2439AA45-4345-304E-97FA-F6F0227CFCA9}">
+      <dgm:prSet/>
+      <dgm:spPr/>
+      <dgm:t>
+        <a:bodyPr/>
+        <a:lstStyle/>
+        <a:p>
+          <a:endParaRPr lang="en-US"/>
+        </a:p>
+      </dgm:t>
+    </dgm:pt>
+    <dgm:pt modelId="{00641FAE-CFEF-E840-9172-79A74FC8D681}" type="sibTrans" cxnId="{2439AA45-4345-304E-97FA-F6F0227CFCA9}">
+      <dgm:prSet/>
+      <dgm:spPr/>
+      <dgm:t>
+        <a:bodyPr/>
+        <a:lstStyle/>
+        <a:p>
+          <a:endParaRPr lang="en-US"/>
+        </a:p>
+      </dgm:t>
+    </dgm:pt>
+    <dgm:pt modelId="{591F1CCC-97BF-3A47-960A-F573D5C1E5BB}">
+      <dgm:prSet phldrT="[Text]"/>
+      <dgm:spPr/>
+      <dgm:t>
+        <a:bodyPr/>
+        <a:lstStyle/>
+        <a:p>
+          <a:r>
+            <a:rPr lang="en-US" dirty="0"/>
+            <a:t>Included program and matched comparison groups but lacked control measures</a:t>
+          </a:r>
+        </a:p>
+        <a:p>
+          <a:r>
+            <a:rPr lang="en-US" dirty="0"/>
+            <a:t>(Not included in sample)</a:t>
+          </a:r>
+        </a:p>
+      </dgm:t>
+    </dgm:pt>
+    <dgm:pt modelId="{6777F893-958B-3B45-8D34-86EE8D1A3963}" type="parTrans" cxnId="{213444D7-56CF-4F48-9135-8ADB2736D45B}">
+      <dgm:prSet/>
+      <dgm:spPr/>
+      <dgm:t>
+        <a:bodyPr/>
+        <a:lstStyle/>
+        <a:p>
+          <a:endParaRPr lang="en-US"/>
+        </a:p>
+      </dgm:t>
+    </dgm:pt>
+    <dgm:pt modelId="{B4AA8544-B7C0-0B43-82AB-A840662DDCE1}" type="sibTrans" cxnId="{213444D7-56CF-4F48-9135-8ADB2736D45B}">
+      <dgm:prSet/>
+      <dgm:spPr/>
+      <dgm:t>
+        <a:bodyPr/>
+        <a:lstStyle/>
+        <a:p>
+          <a:endParaRPr lang="en-US"/>
+        </a:p>
+      </dgm:t>
+    </dgm:pt>
+    <dgm:pt modelId="{3EF865E9-9757-CF41-88CB-E18B2DF0360B}">
+      <dgm:prSet phldrT="[Text]"/>
+      <dgm:spPr/>
+      <dgm:t>
+        <a:bodyPr/>
+        <a:lstStyle/>
+        <a:p>
+          <a:r>
+            <a:rPr lang="en-US" dirty="0"/>
+            <a:t>Non-experimental design with reasonably well-matched comparison groups</a:t>
+          </a:r>
+        </a:p>
+      </dgm:t>
+    </dgm:pt>
+    <dgm:pt modelId="{6F28EDDD-153F-5C48-9732-FA2F324A37E7}" type="parTrans" cxnId="{88E934ED-FD54-F74C-A51D-3EBEB02EA587}">
+      <dgm:prSet/>
+      <dgm:spPr/>
+      <dgm:t>
+        <a:bodyPr/>
+        <a:lstStyle/>
+        <a:p>
+          <a:endParaRPr lang="en-US"/>
+        </a:p>
+      </dgm:t>
+    </dgm:pt>
+    <dgm:pt modelId="{B74F41BB-6CB7-3142-8A7B-750FB4A71E27}" type="sibTrans" cxnId="{88E934ED-FD54-F74C-A51D-3EBEB02EA587}">
+      <dgm:prSet/>
+      <dgm:spPr/>
+      <dgm:t>
+        <a:bodyPr/>
+        <a:lstStyle/>
+        <a:p>
+          <a:endParaRPr lang="en-US"/>
+        </a:p>
+      </dgm:t>
+    </dgm:pt>
+    <dgm:pt modelId="{6D704125-4B78-6448-8BC4-0E93B3AE9076}">
+      <dgm:prSet/>
+      <dgm:spPr/>
+      <dgm:t>
+        <a:bodyPr/>
+        <a:lstStyle/>
+        <a:p>
+          <a:r>
+            <a:rPr lang="en-US" dirty="0"/>
+            <a:t>Rigorous </a:t>
+          </a:r>
+          <a:r>
+            <a:rPr lang="en-US" dirty="0" err="1"/>
+            <a:t>quasiexperimental</a:t>
+          </a:r>
+          <a:r>
+            <a:rPr lang="en-US" dirty="0"/>
+            <a:t> design with matched comparison groups &amp; control measures</a:t>
+          </a:r>
+        </a:p>
+      </dgm:t>
+    </dgm:pt>
+    <dgm:pt modelId="{82BC09F2-A931-0144-826C-2BBA57A5B1DC}" type="parTrans" cxnId="{CCC93042-A2E6-0548-A8C3-DD1AC8C082D5}">
+      <dgm:prSet/>
+      <dgm:spPr/>
+      <dgm:t>
+        <a:bodyPr/>
+        <a:lstStyle/>
+        <a:p>
+          <a:endParaRPr lang="en-US"/>
+        </a:p>
+      </dgm:t>
+    </dgm:pt>
+    <dgm:pt modelId="{136C5AE9-4048-4B46-A7D2-29091AB5D7F7}" type="sibTrans" cxnId="{CCC93042-A2E6-0548-A8C3-DD1AC8C082D5}">
+      <dgm:prSet/>
+      <dgm:spPr/>
+      <dgm:t>
+        <a:bodyPr/>
+        <a:lstStyle/>
+        <a:p>
+          <a:endParaRPr lang="en-US"/>
+        </a:p>
+      </dgm:t>
+    </dgm:pt>
+    <dgm:pt modelId="{0C2217A9-3DCB-9F4C-9DFB-82137FFD8E6B}">
+      <dgm:prSet/>
+      <dgm:spPr/>
+      <dgm:t>
+        <a:bodyPr/>
+        <a:lstStyle/>
+        <a:p>
+          <a:r>
+            <a:rPr lang="en-US" dirty="0"/>
+            <a:t>Well-implemented randomized control comparting treatment and non-treatment groups</a:t>
+          </a:r>
+        </a:p>
+      </dgm:t>
+    </dgm:pt>
+    <dgm:pt modelId="{22516BD5-EE8D-3D46-8726-FBA9834DFCB5}" type="parTrans" cxnId="{9A8B253F-A69A-AE47-8373-E70CEEA9C13E}">
+      <dgm:prSet/>
+      <dgm:spPr/>
+      <dgm:t>
+        <a:bodyPr/>
+        <a:lstStyle/>
+        <a:p>
+          <a:endParaRPr lang="en-US"/>
+        </a:p>
+      </dgm:t>
+    </dgm:pt>
+    <dgm:pt modelId="{C7DA5047-8C55-324E-BDF8-C0BB37AF60B5}" type="sibTrans" cxnId="{9A8B253F-A69A-AE47-8373-E70CEEA9C13E}">
+      <dgm:prSet/>
+      <dgm:spPr/>
+      <dgm:t>
+        <a:bodyPr/>
+        <a:lstStyle/>
+        <a:p>
+          <a:endParaRPr lang="en-US"/>
+        </a:p>
+      </dgm:t>
+    </dgm:pt>
+    <dgm:pt modelId="{E381B99E-9918-FE41-8AEE-2FDA318904E5}" type="pres">
+      <dgm:prSet presAssocID="{5C46FC17-483E-6C45-BC85-66D38F6D0980}" presName="Name0" presStyleCnt="0">
+        <dgm:presLayoutVars>
+          <dgm:dir/>
+          <dgm:resizeHandles val="exact"/>
+        </dgm:presLayoutVars>
+      </dgm:prSet>
+      <dgm:spPr/>
+    </dgm:pt>
+    <dgm:pt modelId="{C6ACD8F7-E8F4-A949-9462-F81280B13F1F}" type="pres">
+      <dgm:prSet presAssocID="{5C46FC17-483E-6C45-BC85-66D38F6D0980}" presName="fgShape" presStyleLbl="fgShp" presStyleIdx="0" presStyleCnt="1"/>
+      <dgm:spPr/>
+    </dgm:pt>
+    <dgm:pt modelId="{7070D8CB-12EC-1F41-B4A0-C7AEC3154634}" type="pres">
+      <dgm:prSet presAssocID="{5C46FC17-483E-6C45-BC85-66D38F6D0980}" presName="linComp" presStyleCnt="0"/>
+      <dgm:spPr/>
+    </dgm:pt>
+    <dgm:pt modelId="{30ED509B-C496-5D45-B2BD-C31C5BB16DB7}" type="pres">
+      <dgm:prSet presAssocID="{8BD1798F-4BAC-F24D-B532-83D73B541E91}" presName="compNode" presStyleCnt="0"/>
+      <dgm:spPr/>
+    </dgm:pt>
+    <dgm:pt modelId="{FD10FEBE-7186-4A46-A2E6-65672E418489}" type="pres">
+      <dgm:prSet presAssocID="{8BD1798F-4BAC-F24D-B532-83D73B541E91}" presName="bkgdShape" presStyleLbl="node1" presStyleIdx="0" presStyleCnt="5"/>
+      <dgm:spPr/>
+    </dgm:pt>
+    <dgm:pt modelId="{C670B60B-4556-E449-A1AF-8BD1D6FBBFC1}" type="pres">
+      <dgm:prSet presAssocID="{8BD1798F-4BAC-F24D-B532-83D73B541E91}" presName="nodeTx" presStyleLbl="node1" presStyleIdx="0" presStyleCnt="5">
+        <dgm:presLayoutVars>
+          <dgm:bulletEnabled val="1"/>
+        </dgm:presLayoutVars>
+      </dgm:prSet>
+      <dgm:spPr/>
+    </dgm:pt>
+    <dgm:pt modelId="{EB85B54A-B5E0-AC4D-8474-9D3D0835F9D8}" type="pres">
+      <dgm:prSet presAssocID="{8BD1798F-4BAC-F24D-B532-83D73B541E91}" presName="invisiNode" presStyleLbl="node1" presStyleIdx="0" presStyleCnt="5"/>
+      <dgm:spPr/>
+    </dgm:pt>
+    <dgm:pt modelId="{A7679103-2037-6B47-A086-AF452AA28732}" type="pres">
+      <dgm:prSet presAssocID="{8BD1798F-4BAC-F24D-B532-83D73B541E91}" presName="imagNode" presStyleLbl="fgImgPlace1" presStyleIdx="0" presStyleCnt="5"/>
+      <dgm:spPr>
+        <a:blipFill>
+          <a:blip xmlns:r="http://schemas.openxmlformats.org/officeDocument/2006/relationships" r:embed="rId1">
+            <a:extLst>
+              <a:ext uri="{28A0092B-C50C-407E-A947-70E740481C1C}">
+                <a14:useLocalDpi xmlns:a14="http://schemas.microsoft.com/office/drawing/2010/main" val="0"/>
+              </a:ext>
+              <a:ext uri="{96DAC541-7B7A-43D3-8B79-37D633B846F1}">
+                <asvg:svgBlip xmlns:asvg="http://schemas.microsoft.com/office/drawing/2016/SVG/main" r:embed="rId2"/>
+              </a:ext>
+            </a:extLst>
+          </a:blip>
+          <a:srcRect/>
+          <a:stretch>
+            <a:fillRect/>
+          </a:stretch>
+        </a:blipFill>
+      </dgm:spPr>
+      <dgm:extLst>
+        <a:ext uri="{E40237B7-FDA0-4F09-8148-C483321AD2D9}">
+          <dgm14:cNvPr xmlns:dgm14="http://schemas.microsoft.com/office/drawing/2010/diagram" id="0" name="" descr="Badge 1 with solid fill"/>
+        </a:ext>
+      </dgm:extLst>
+    </dgm:pt>
+    <dgm:pt modelId="{6C5F5448-EE60-6E47-9334-B7090754B999}" type="pres">
+      <dgm:prSet presAssocID="{00641FAE-CFEF-E840-9172-79A74FC8D681}" presName="sibTrans" presStyleLbl="sibTrans2D1" presStyleIdx="0" presStyleCnt="0"/>
+      <dgm:spPr/>
+    </dgm:pt>
+    <dgm:pt modelId="{DDD0B757-6DFF-CB45-937C-8F48539A9460}" type="pres">
+      <dgm:prSet presAssocID="{591F1CCC-97BF-3A47-960A-F573D5C1E5BB}" presName="compNode" presStyleCnt="0"/>
+      <dgm:spPr/>
+    </dgm:pt>
+    <dgm:pt modelId="{4356582E-0B66-CA40-9E60-05E8F1230BFC}" type="pres">
+      <dgm:prSet presAssocID="{591F1CCC-97BF-3A47-960A-F573D5C1E5BB}" presName="bkgdShape" presStyleLbl="node1" presStyleIdx="1" presStyleCnt="5"/>
+      <dgm:spPr/>
+    </dgm:pt>
+    <dgm:pt modelId="{0AE0B172-2ED2-EA49-80C7-C80DFCE6E7B9}" type="pres">
+      <dgm:prSet presAssocID="{591F1CCC-97BF-3A47-960A-F573D5C1E5BB}" presName="nodeTx" presStyleLbl="node1" presStyleIdx="1" presStyleCnt="5">
+        <dgm:presLayoutVars>
+          <dgm:bulletEnabled val="1"/>
+        </dgm:presLayoutVars>
+      </dgm:prSet>
+      <dgm:spPr/>
+    </dgm:pt>
+    <dgm:pt modelId="{BD733F1D-53A4-C145-BF91-3DEC1E5069DF}" type="pres">
+      <dgm:prSet presAssocID="{591F1CCC-97BF-3A47-960A-F573D5C1E5BB}" presName="invisiNode" presStyleLbl="node1" presStyleIdx="1" presStyleCnt="5"/>
+      <dgm:spPr/>
+    </dgm:pt>
+    <dgm:pt modelId="{1E3D1D45-E0A0-1444-BB2F-45593AE8196D}" type="pres">
+      <dgm:prSet presAssocID="{591F1CCC-97BF-3A47-960A-F573D5C1E5BB}" presName="imagNode" presStyleLbl="fgImgPlace1" presStyleIdx="1" presStyleCnt="5"/>
+      <dgm:spPr>
+        <a:blipFill>
+          <a:blip xmlns:r="http://schemas.openxmlformats.org/officeDocument/2006/relationships" r:embed="rId3">
+            <a:extLst>
+              <a:ext uri="{96DAC541-7B7A-43D3-8B79-37D633B846F1}">
+                <asvg:svgBlip xmlns:asvg="http://schemas.microsoft.com/office/drawing/2016/SVG/main" r:embed="rId4"/>
+              </a:ext>
+            </a:extLst>
+          </a:blip>
+          <a:srcRect/>
+          <a:stretch>
+            <a:fillRect/>
+          </a:stretch>
+        </a:blipFill>
+      </dgm:spPr>
+      <dgm:extLst>
+        <a:ext uri="{E40237B7-FDA0-4F09-8148-C483321AD2D9}">
+          <dgm14:cNvPr xmlns:dgm14="http://schemas.microsoft.com/office/drawing/2010/diagram" id="0" name="" descr="Badge with solid fill"/>
+        </a:ext>
+      </dgm:extLst>
+    </dgm:pt>
+    <dgm:pt modelId="{959A458A-75B2-FC4A-BE6B-4F70B95B5451}" type="pres">
+      <dgm:prSet presAssocID="{B4AA8544-B7C0-0B43-82AB-A840662DDCE1}" presName="sibTrans" presStyleLbl="sibTrans2D1" presStyleIdx="0" presStyleCnt="0"/>
+      <dgm:spPr/>
+    </dgm:pt>
+    <dgm:pt modelId="{C890742E-B884-CA4F-961F-64C1BB3AD208}" type="pres">
+      <dgm:prSet presAssocID="{3EF865E9-9757-CF41-88CB-E18B2DF0360B}" presName="compNode" presStyleCnt="0"/>
+      <dgm:spPr/>
+    </dgm:pt>
+    <dgm:pt modelId="{3052F656-9BD5-6041-BC07-16254054870D}" type="pres">
+      <dgm:prSet presAssocID="{3EF865E9-9757-CF41-88CB-E18B2DF0360B}" presName="bkgdShape" presStyleLbl="node1" presStyleIdx="2" presStyleCnt="5"/>
+      <dgm:spPr/>
+    </dgm:pt>
+    <dgm:pt modelId="{F6856374-B3C3-3C4F-93E3-90D736EB4257}" type="pres">
+      <dgm:prSet presAssocID="{3EF865E9-9757-CF41-88CB-E18B2DF0360B}" presName="nodeTx" presStyleLbl="node1" presStyleIdx="2" presStyleCnt="5">
+        <dgm:presLayoutVars>
+          <dgm:bulletEnabled val="1"/>
+        </dgm:presLayoutVars>
+      </dgm:prSet>
+      <dgm:spPr/>
+    </dgm:pt>
+    <dgm:pt modelId="{D7D6073A-8F8F-0D4F-B772-9F30A73FE34D}" type="pres">
+      <dgm:prSet presAssocID="{3EF865E9-9757-CF41-88CB-E18B2DF0360B}" presName="invisiNode" presStyleLbl="node1" presStyleIdx="2" presStyleCnt="5"/>
+      <dgm:spPr/>
+    </dgm:pt>
+    <dgm:pt modelId="{F31E5FE0-C568-AF44-BD35-D290F2F86A83}" type="pres">
+      <dgm:prSet presAssocID="{3EF865E9-9757-CF41-88CB-E18B2DF0360B}" presName="imagNode" presStyleLbl="fgImgPlace1" presStyleIdx="2" presStyleCnt="5"/>
+      <dgm:spPr>
+        <a:blipFill>
+          <a:blip xmlns:r="http://schemas.openxmlformats.org/officeDocument/2006/relationships" r:embed="rId5">
+            <a:extLst>
+              <a:ext uri="{96DAC541-7B7A-43D3-8B79-37D633B846F1}">
+                <asvg:svgBlip xmlns:asvg="http://schemas.microsoft.com/office/drawing/2016/SVG/main" r:embed="rId6"/>
+              </a:ext>
+            </a:extLst>
+          </a:blip>
+          <a:srcRect/>
+          <a:stretch>
+            <a:fillRect/>
+          </a:stretch>
+        </a:blipFill>
+      </dgm:spPr>
+      <dgm:extLst>
+        <a:ext uri="{E40237B7-FDA0-4F09-8148-C483321AD2D9}">
+          <dgm14:cNvPr xmlns:dgm14="http://schemas.microsoft.com/office/drawing/2010/diagram" id="0" name="" descr="Badge 3 with solid fill"/>
+        </a:ext>
+      </dgm:extLst>
+    </dgm:pt>
+    <dgm:pt modelId="{37BD3836-FFE8-0C46-BF71-12F1E0394CC6}" type="pres">
+      <dgm:prSet presAssocID="{B74F41BB-6CB7-3142-8A7B-750FB4A71E27}" presName="sibTrans" presStyleLbl="sibTrans2D1" presStyleIdx="0" presStyleCnt="0"/>
+      <dgm:spPr/>
+    </dgm:pt>
+    <dgm:pt modelId="{76A85660-DCC2-DE41-9BE2-068AE3E00DF4}" type="pres">
+      <dgm:prSet presAssocID="{6D704125-4B78-6448-8BC4-0E93B3AE9076}" presName="compNode" presStyleCnt="0"/>
+      <dgm:spPr/>
+    </dgm:pt>
+    <dgm:pt modelId="{13421588-4373-C846-A167-54B5DCFFD2F6}" type="pres">
+      <dgm:prSet presAssocID="{6D704125-4B78-6448-8BC4-0E93B3AE9076}" presName="bkgdShape" presStyleLbl="node1" presStyleIdx="3" presStyleCnt="5"/>
+      <dgm:spPr/>
+    </dgm:pt>
+    <dgm:pt modelId="{9932DAAA-7615-584A-8B5D-B7B9085019AC}" type="pres">
+      <dgm:prSet presAssocID="{6D704125-4B78-6448-8BC4-0E93B3AE9076}" presName="nodeTx" presStyleLbl="node1" presStyleIdx="3" presStyleCnt="5">
+        <dgm:presLayoutVars>
+          <dgm:bulletEnabled val="1"/>
+        </dgm:presLayoutVars>
+      </dgm:prSet>
+      <dgm:spPr/>
+    </dgm:pt>
+    <dgm:pt modelId="{DDAF8B3F-3C26-104D-85E2-5364CEC6D4BD}" type="pres">
+      <dgm:prSet presAssocID="{6D704125-4B78-6448-8BC4-0E93B3AE9076}" presName="invisiNode" presStyleLbl="node1" presStyleIdx="3" presStyleCnt="5"/>
+      <dgm:spPr/>
+    </dgm:pt>
+    <dgm:pt modelId="{CCF7EF6D-2B83-BC47-8B7F-EB6551A9B77F}" type="pres">
+      <dgm:prSet presAssocID="{6D704125-4B78-6448-8BC4-0E93B3AE9076}" presName="imagNode" presStyleLbl="fgImgPlace1" presStyleIdx="3" presStyleCnt="5"/>
+      <dgm:spPr>
+        <a:blipFill>
+          <a:blip xmlns:r="http://schemas.openxmlformats.org/officeDocument/2006/relationships" r:embed="rId7">
+            <a:extLst>
+              <a:ext uri="{28A0092B-C50C-407E-A947-70E740481C1C}">
+                <a14:useLocalDpi xmlns:a14="http://schemas.microsoft.com/office/drawing/2010/main" val="0"/>
+              </a:ext>
+              <a:ext uri="{96DAC541-7B7A-43D3-8B79-37D633B846F1}">
+                <asvg:svgBlip xmlns:asvg="http://schemas.microsoft.com/office/drawing/2016/SVG/main" r:embed="rId8"/>
+              </a:ext>
+            </a:extLst>
+          </a:blip>
+          <a:srcRect/>
+          <a:stretch>
+            <a:fillRect/>
+          </a:stretch>
+        </a:blipFill>
+      </dgm:spPr>
+      <dgm:extLst>
+        <a:ext uri="{E40237B7-FDA0-4F09-8148-C483321AD2D9}">
+          <dgm14:cNvPr xmlns:dgm14="http://schemas.microsoft.com/office/drawing/2010/diagram" id="0" name="" descr="Badge 4 with solid fill"/>
+        </a:ext>
+      </dgm:extLst>
+    </dgm:pt>
+    <dgm:pt modelId="{757CBABF-A7D2-E043-B284-B34665601DAF}" type="pres">
+      <dgm:prSet presAssocID="{136C5AE9-4048-4B46-A7D2-29091AB5D7F7}" presName="sibTrans" presStyleLbl="sibTrans2D1" presStyleIdx="0" presStyleCnt="0"/>
+      <dgm:spPr/>
+    </dgm:pt>
+    <dgm:pt modelId="{BC745118-8C20-204A-B073-DAA1F3575DBB}" type="pres">
+      <dgm:prSet presAssocID="{0C2217A9-3DCB-9F4C-9DFB-82137FFD8E6B}" presName="compNode" presStyleCnt="0"/>
+      <dgm:spPr/>
+    </dgm:pt>
+    <dgm:pt modelId="{4D0B7D1B-57F1-BF43-905D-CF63A30E5395}" type="pres">
+      <dgm:prSet presAssocID="{0C2217A9-3DCB-9F4C-9DFB-82137FFD8E6B}" presName="bkgdShape" presStyleLbl="node1" presStyleIdx="4" presStyleCnt="5"/>
+      <dgm:spPr/>
+    </dgm:pt>
+    <dgm:pt modelId="{B5C4C121-56AB-DB4F-82C4-B463563C8F53}" type="pres">
+      <dgm:prSet presAssocID="{0C2217A9-3DCB-9F4C-9DFB-82137FFD8E6B}" presName="nodeTx" presStyleLbl="node1" presStyleIdx="4" presStyleCnt="5">
+        <dgm:presLayoutVars>
+          <dgm:bulletEnabled val="1"/>
+        </dgm:presLayoutVars>
+      </dgm:prSet>
+      <dgm:spPr/>
+    </dgm:pt>
+    <dgm:pt modelId="{0860332B-9667-FF4E-A855-C16C9FBDBC10}" type="pres">
+      <dgm:prSet presAssocID="{0C2217A9-3DCB-9F4C-9DFB-82137FFD8E6B}" presName="invisiNode" presStyleLbl="node1" presStyleIdx="4" presStyleCnt="5"/>
+      <dgm:spPr/>
+    </dgm:pt>
+    <dgm:pt modelId="{6923EBA8-43A4-A545-8CFD-C3B97814B142}" type="pres">
+      <dgm:prSet presAssocID="{0C2217A9-3DCB-9F4C-9DFB-82137FFD8E6B}" presName="imagNode" presStyleLbl="fgImgPlace1" presStyleIdx="4" presStyleCnt="5"/>
+      <dgm:spPr>
+        <a:blipFill>
+          <a:blip xmlns:r="http://schemas.openxmlformats.org/officeDocument/2006/relationships" r:embed="rId9">
+            <a:extLst>
+              <a:ext uri="{28A0092B-C50C-407E-A947-70E740481C1C}">
+                <a14:useLocalDpi xmlns:a14="http://schemas.microsoft.com/office/drawing/2010/main" val="0"/>
+              </a:ext>
+              <a:ext uri="{96DAC541-7B7A-43D3-8B79-37D633B846F1}">
+                <asvg:svgBlip xmlns:asvg="http://schemas.microsoft.com/office/drawing/2016/SVG/main" r:embed="rId10"/>
+              </a:ext>
+            </a:extLst>
+          </a:blip>
+          <a:srcRect/>
+          <a:stretch>
+            <a:fillRect/>
+          </a:stretch>
+        </a:blipFill>
+      </dgm:spPr>
+      <dgm:extLst>
+        <a:ext uri="{E40237B7-FDA0-4F09-8148-C483321AD2D9}">
+          <dgm14:cNvPr xmlns:dgm14="http://schemas.microsoft.com/office/drawing/2010/diagram" id="0" name="" descr="Badge 5 with solid fill"/>
+        </a:ext>
+      </dgm:extLst>
+    </dgm:pt>
+  </dgm:ptLst>
+  <dgm:cxnLst>
+    <dgm:cxn modelId="{406F9611-A230-6845-8D8B-177EDD67E6EE}" type="presOf" srcId="{0C2217A9-3DCB-9F4C-9DFB-82137FFD8E6B}" destId="{B5C4C121-56AB-DB4F-82C4-B463563C8F53}" srcOrd="1" destOrd="0" presId="urn:microsoft.com/office/officeart/2005/8/layout/hList7"/>
+    <dgm:cxn modelId="{6C87D311-347D-494E-9C75-D0C34B2CB5DB}" type="presOf" srcId="{0C2217A9-3DCB-9F4C-9DFB-82137FFD8E6B}" destId="{4D0B7D1B-57F1-BF43-905D-CF63A30E5395}" srcOrd="0" destOrd="0" presId="urn:microsoft.com/office/officeart/2005/8/layout/hList7"/>
+    <dgm:cxn modelId="{8EFEE520-1807-044A-AFBC-64D3501EB428}" type="presOf" srcId="{B4AA8544-B7C0-0B43-82AB-A840662DDCE1}" destId="{959A458A-75B2-FC4A-BE6B-4F70B95B5451}" srcOrd="0" destOrd="0" presId="urn:microsoft.com/office/officeart/2005/8/layout/hList7"/>
+    <dgm:cxn modelId="{2CD28121-83A0-2446-883A-160642D6D436}" type="presOf" srcId="{6D704125-4B78-6448-8BC4-0E93B3AE9076}" destId="{9932DAAA-7615-584A-8B5D-B7B9085019AC}" srcOrd="1" destOrd="0" presId="urn:microsoft.com/office/officeart/2005/8/layout/hList7"/>
+    <dgm:cxn modelId="{2438083D-A3AE-3C40-8A09-88436829310B}" type="presOf" srcId="{8BD1798F-4BAC-F24D-B532-83D73B541E91}" destId="{FD10FEBE-7186-4A46-A2E6-65672E418489}" srcOrd="0" destOrd="0" presId="urn:microsoft.com/office/officeart/2005/8/layout/hList7"/>
+    <dgm:cxn modelId="{9A8B253F-A69A-AE47-8373-E70CEEA9C13E}" srcId="{5C46FC17-483E-6C45-BC85-66D38F6D0980}" destId="{0C2217A9-3DCB-9F4C-9DFB-82137FFD8E6B}" srcOrd="4" destOrd="0" parTransId="{22516BD5-EE8D-3D46-8726-FBA9834DFCB5}" sibTransId="{C7DA5047-8C55-324E-BDF8-C0BB37AF60B5}"/>
+    <dgm:cxn modelId="{CCC93042-A2E6-0548-A8C3-DD1AC8C082D5}" srcId="{5C46FC17-483E-6C45-BC85-66D38F6D0980}" destId="{6D704125-4B78-6448-8BC4-0E93B3AE9076}" srcOrd="3" destOrd="0" parTransId="{82BC09F2-A931-0144-826C-2BBA57A5B1DC}" sibTransId="{136C5AE9-4048-4B46-A7D2-29091AB5D7F7}"/>
+    <dgm:cxn modelId="{6E07CC43-4E55-C449-A260-AD6433B5C912}" type="presOf" srcId="{136C5AE9-4048-4B46-A7D2-29091AB5D7F7}" destId="{757CBABF-A7D2-E043-B284-B34665601DAF}" srcOrd="0" destOrd="0" presId="urn:microsoft.com/office/officeart/2005/8/layout/hList7"/>
+    <dgm:cxn modelId="{2439AA45-4345-304E-97FA-F6F0227CFCA9}" srcId="{5C46FC17-483E-6C45-BC85-66D38F6D0980}" destId="{8BD1798F-4BAC-F24D-B532-83D73B541E91}" srcOrd="0" destOrd="0" parTransId="{EF8F7514-318C-7245-9F74-EEDB59E36580}" sibTransId="{00641FAE-CFEF-E840-9172-79A74FC8D681}"/>
+    <dgm:cxn modelId="{251E1C71-0AD1-D34E-AB1E-523BB0DA30BB}" type="presOf" srcId="{6D704125-4B78-6448-8BC4-0E93B3AE9076}" destId="{13421588-4373-C846-A167-54B5DCFFD2F6}" srcOrd="0" destOrd="0" presId="urn:microsoft.com/office/officeart/2005/8/layout/hList7"/>
+    <dgm:cxn modelId="{C0C5399F-AEA7-A94D-86BD-C1EDCF5D7DEB}" type="presOf" srcId="{B74F41BB-6CB7-3142-8A7B-750FB4A71E27}" destId="{37BD3836-FFE8-0C46-BF71-12F1E0394CC6}" srcOrd="0" destOrd="0" presId="urn:microsoft.com/office/officeart/2005/8/layout/hList7"/>
+    <dgm:cxn modelId="{B6D35CA2-E531-1943-8C38-976C664A8231}" type="presOf" srcId="{591F1CCC-97BF-3A47-960A-F573D5C1E5BB}" destId="{4356582E-0B66-CA40-9E60-05E8F1230BFC}" srcOrd="0" destOrd="0" presId="urn:microsoft.com/office/officeart/2005/8/layout/hList7"/>
+    <dgm:cxn modelId="{A4CED5A3-4105-BD40-A78E-8C07A1E1284B}" type="presOf" srcId="{591F1CCC-97BF-3A47-960A-F573D5C1E5BB}" destId="{0AE0B172-2ED2-EA49-80C7-C80DFCE6E7B9}" srcOrd="1" destOrd="0" presId="urn:microsoft.com/office/officeart/2005/8/layout/hList7"/>
+    <dgm:cxn modelId="{19A9CAC6-AD53-DB4A-88E3-FE7E60D2AC22}" type="presOf" srcId="{5C46FC17-483E-6C45-BC85-66D38F6D0980}" destId="{E381B99E-9918-FE41-8AEE-2FDA318904E5}" srcOrd="0" destOrd="0" presId="urn:microsoft.com/office/officeart/2005/8/layout/hList7"/>
+    <dgm:cxn modelId="{C00680C8-0D10-A14F-A8C9-10AB9D757BC5}" type="presOf" srcId="{3EF865E9-9757-CF41-88CB-E18B2DF0360B}" destId="{3052F656-9BD5-6041-BC07-16254054870D}" srcOrd="0" destOrd="0" presId="urn:microsoft.com/office/officeart/2005/8/layout/hList7"/>
+    <dgm:cxn modelId="{48AF4FD1-8DED-3649-A339-0D40F731598D}" type="presOf" srcId="{3EF865E9-9757-CF41-88CB-E18B2DF0360B}" destId="{F6856374-B3C3-3C4F-93E3-90D736EB4257}" srcOrd="1" destOrd="0" presId="urn:microsoft.com/office/officeart/2005/8/layout/hList7"/>
+    <dgm:cxn modelId="{213444D7-56CF-4F48-9135-8ADB2736D45B}" srcId="{5C46FC17-483E-6C45-BC85-66D38F6D0980}" destId="{591F1CCC-97BF-3A47-960A-F573D5C1E5BB}" srcOrd="1" destOrd="0" parTransId="{6777F893-958B-3B45-8D34-86EE8D1A3963}" sibTransId="{B4AA8544-B7C0-0B43-82AB-A840662DDCE1}"/>
+    <dgm:cxn modelId="{70CCE7D8-9764-8848-AAFD-74C2B5E2A306}" type="presOf" srcId="{00641FAE-CFEF-E840-9172-79A74FC8D681}" destId="{6C5F5448-EE60-6E47-9334-B7090754B999}" srcOrd="0" destOrd="0" presId="urn:microsoft.com/office/officeart/2005/8/layout/hList7"/>
+    <dgm:cxn modelId="{88E934ED-FD54-F74C-A51D-3EBEB02EA587}" srcId="{5C46FC17-483E-6C45-BC85-66D38F6D0980}" destId="{3EF865E9-9757-CF41-88CB-E18B2DF0360B}" srcOrd="2" destOrd="0" parTransId="{6F28EDDD-153F-5C48-9732-FA2F324A37E7}" sibTransId="{B74F41BB-6CB7-3142-8A7B-750FB4A71E27}"/>
+    <dgm:cxn modelId="{F46BAEF7-9208-204E-94B5-1889BEB1C7C0}" type="presOf" srcId="{8BD1798F-4BAC-F24D-B532-83D73B541E91}" destId="{C670B60B-4556-E449-A1AF-8BD1D6FBBFC1}" srcOrd="1" destOrd="0" presId="urn:microsoft.com/office/officeart/2005/8/layout/hList7"/>
+    <dgm:cxn modelId="{9403A8FE-9479-104F-9E85-329FE6B3BABA}" type="presParOf" srcId="{E381B99E-9918-FE41-8AEE-2FDA318904E5}" destId="{C6ACD8F7-E8F4-A949-9462-F81280B13F1F}" srcOrd="0" destOrd="0" presId="urn:microsoft.com/office/officeart/2005/8/layout/hList7"/>
+    <dgm:cxn modelId="{248C9867-E159-274E-8DBA-1DB9BFE1BC76}" type="presParOf" srcId="{E381B99E-9918-FE41-8AEE-2FDA318904E5}" destId="{7070D8CB-12EC-1F41-B4A0-C7AEC3154634}" srcOrd="1" destOrd="0" presId="urn:microsoft.com/office/officeart/2005/8/layout/hList7"/>
+    <dgm:cxn modelId="{623B8B50-58D2-1D4D-9B71-B4D15A9A6EEC}" type="presParOf" srcId="{7070D8CB-12EC-1F41-B4A0-C7AEC3154634}" destId="{30ED509B-C496-5D45-B2BD-C31C5BB16DB7}" srcOrd="0" destOrd="0" presId="urn:microsoft.com/office/officeart/2005/8/layout/hList7"/>
+    <dgm:cxn modelId="{55216B1B-F584-4841-8B9D-37A9357FB875}" type="presParOf" srcId="{30ED509B-C496-5D45-B2BD-C31C5BB16DB7}" destId="{FD10FEBE-7186-4A46-A2E6-65672E418489}" srcOrd="0" destOrd="0" presId="urn:microsoft.com/office/officeart/2005/8/layout/hList7"/>
+    <dgm:cxn modelId="{4BDB52D2-1659-644A-BB32-617FC727075F}" type="presParOf" srcId="{30ED509B-C496-5D45-B2BD-C31C5BB16DB7}" destId="{C670B60B-4556-E449-A1AF-8BD1D6FBBFC1}" srcOrd="1" destOrd="0" presId="urn:microsoft.com/office/officeart/2005/8/layout/hList7"/>
+    <dgm:cxn modelId="{BD1F76BB-F9C7-5D4E-87C2-389EE8648342}" type="presParOf" srcId="{30ED509B-C496-5D45-B2BD-C31C5BB16DB7}" destId="{EB85B54A-B5E0-AC4D-8474-9D3D0835F9D8}" srcOrd="2" destOrd="0" presId="urn:microsoft.com/office/officeart/2005/8/layout/hList7"/>
+    <dgm:cxn modelId="{DD59169D-0CAA-9647-84ED-E379CCBBBFCC}" type="presParOf" srcId="{30ED509B-C496-5D45-B2BD-C31C5BB16DB7}" destId="{A7679103-2037-6B47-A086-AF452AA28732}" srcOrd="3" destOrd="0" presId="urn:microsoft.com/office/officeart/2005/8/layout/hList7"/>
+    <dgm:cxn modelId="{8C75512B-A3B0-EB44-9C04-7ADBFA0A0522}" type="presParOf" srcId="{7070D8CB-12EC-1F41-B4A0-C7AEC3154634}" destId="{6C5F5448-EE60-6E47-9334-B7090754B999}" srcOrd="1" destOrd="0" presId="urn:microsoft.com/office/officeart/2005/8/layout/hList7"/>
+    <dgm:cxn modelId="{2452BC98-4E8F-9145-9266-FE1823599032}" type="presParOf" srcId="{7070D8CB-12EC-1F41-B4A0-C7AEC3154634}" destId="{DDD0B757-6DFF-CB45-937C-8F48539A9460}" srcOrd="2" destOrd="0" presId="urn:microsoft.com/office/officeart/2005/8/layout/hList7"/>
+    <dgm:cxn modelId="{3E74490A-C1B5-F24C-AFF0-7E9016013AC0}" type="presParOf" srcId="{DDD0B757-6DFF-CB45-937C-8F48539A9460}" destId="{4356582E-0B66-CA40-9E60-05E8F1230BFC}" srcOrd="0" destOrd="0" presId="urn:microsoft.com/office/officeart/2005/8/layout/hList7"/>
+    <dgm:cxn modelId="{C0E04138-799E-1E44-AB0E-CFD852AA22CF}" type="presParOf" srcId="{DDD0B757-6DFF-CB45-937C-8F48539A9460}" destId="{0AE0B172-2ED2-EA49-80C7-C80DFCE6E7B9}" srcOrd="1" destOrd="0" presId="urn:microsoft.com/office/officeart/2005/8/layout/hList7"/>
+    <dgm:cxn modelId="{1660DA4B-8BE6-0C4E-B1CA-E9D2D3190723}" type="presParOf" srcId="{DDD0B757-6DFF-CB45-937C-8F48539A9460}" destId="{BD733F1D-53A4-C145-BF91-3DEC1E5069DF}" srcOrd="2" destOrd="0" presId="urn:microsoft.com/office/officeart/2005/8/layout/hList7"/>
+    <dgm:cxn modelId="{91A13A65-9F58-454C-B83D-B0A33C789B24}" type="presParOf" srcId="{DDD0B757-6DFF-CB45-937C-8F48539A9460}" destId="{1E3D1D45-E0A0-1444-BB2F-45593AE8196D}" srcOrd="3" destOrd="0" presId="urn:microsoft.com/office/officeart/2005/8/layout/hList7"/>
+    <dgm:cxn modelId="{61DF0F40-AC7E-5F48-B847-E27D5602BB7A}" type="presParOf" srcId="{7070D8CB-12EC-1F41-B4A0-C7AEC3154634}" destId="{959A458A-75B2-FC4A-BE6B-4F70B95B5451}" srcOrd="3" destOrd="0" presId="urn:microsoft.com/office/officeart/2005/8/layout/hList7"/>
+    <dgm:cxn modelId="{284CA102-B74D-B244-AACD-DFEE585DC890}" type="presParOf" srcId="{7070D8CB-12EC-1F41-B4A0-C7AEC3154634}" destId="{C890742E-B884-CA4F-961F-64C1BB3AD208}" srcOrd="4" destOrd="0" presId="urn:microsoft.com/office/officeart/2005/8/layout/hList7"/>
+    <dgm:cxn modelId="{896902D1-31AE-464E-B4A4-2CD9C4627674}" type="presParOf" srcId="{C890742E-B884-CA4F-961F-64C1BB3AD208}" destId="{3052F656-9BD5-6041-BC07-16254054870D}" srcOrd="0" destOrd="0" presId="urn:microsoft.com/office/officeart/2005/8/layout/hList7"/>
+    <dgm:cxn modelId="{900FC68A-B8E6-4B40-8A23-1EFCD41A00B2}" type="presParOf" srcId="{C890742E-B884-CA4F-961F-64C1BB3AD208}" destId="{F6856374-B3C3-3C4F-93E3-90D736EB4257}" srcOrd="1" destOrd="0" presId="urn:microsoft.com/office/officeart/2005/8/layout/hList7"/>
+    <dgm:cxn modelId="{87B652D1-B61F-1146-A2A8-042DC70504D3}" type="presParOf" srcId="{C890742E-B884-CA4F-961F-64C1BB3AD208}" destId="{D7D6073A-8F8F-0D4F-B772-9F30A73FE34D}" srcOrd="2" destOrd="0" presId="urn:microsoft.com/office/officeart/2005/8/layout/hList7"/>
+    <dgm:cxn modelId="{22EE8B9E-6BF8-1A4C-BC5A-5FA672697CC3}" type="presParOf" srcId="{C890742E-B884-CA4F-961F-64C1BB3AD208}" destId="{F31E5FE0-C568-AF44-BD35-D290F2F86A83}" srcOrd="3" destOrd="0" presId="urn:microsoft.com/office/officeart/2005/8/layout/hList7"/>
+    <dgm:cxn modelId="{7E678483-88C9-9C46-B0EB-DF4674EB770C}" type="presParOf" srcId="{7070D8CB-12EC-1F41-B4A0-C7AEC3154634}" destId="{37BD3836-FFE8-0C46-BF71-12F1E0394CC6}" srcOrd="5" destOrd="0" presId="urn:microsoft.com/office/officeart/2005/8/layout/hList7"/>
+    <dgm:cxn modelId="{2D385D6F-9F03-7345-A973-847F4990F44E}" type="presParOf" srcId="{7070D8CB-12EC-1F41-B4A0-C7AEC3154634}" destId="{76A85660-DCC2-DE41-9BE2-068AE3E00DF4}" srcOrd="6" destOrd="0" presId="urn:microsoft.com/office/officeart/2005/8/layout/hList7"/>
+    <dgm:cxn modelId="{9C25C286-D0F3-3C46-A829-5C2510C6D525}" type="presParOf" srcId="{76A85660-DCC2-DE41-9BE2-068AE3E00DF4}" destId="{13421588-4373-C846-A167-54B5DCFFD2F6}" srcOrd="0" destOrd="0" presId="urn:microsoft.com/office/officeart/2005/8/layout/hList7"/>
+    <dgm:cxn modelId="{83216DA6-3F39-DA4A-9F1E-55F96D61D17F}" type="presParOf" srcId="{76A85660-DCC2-DE41-9BE2-068AE3E00DF4}" destId="{9932DAAA-7615-584A-8B5D-B7B9085019AC}" srcOrd="1" destOrd="0" presId="urn:microsoft.com/office/officeart/2005/8/layout/hList7"/>
+    <dgm:cxn modelId="{7FB2A9C7-E8A1-F946-A369-27D67598CF1A}" type="presParOf" srcId="{76A85660-DCC2-DE41-9BE2-068AE3E00DF4}" destId="{DDAF8B3F-3C26-104D-85E2-5364CEC6D4BD}" srcOrd="2" destOrd="0" presId="urn:microsoft.com/office/officeart/2005/8/layout/hList7"/>
+    <dgm:cxn modelId="{98438731-AAB7-3146-8E76-0789DB6AA51E}" type="presParOf" srcId="{76A85660-DCC2-DE41-9BE2-068AE3E00DF4}" destId="{CCF7EF6D-2B83-BC47-8B7F-EB6551A9B77F}" srcOrd="3" destOrd="0" presId="urn:microsoft.com/office/officeart/2005/8/layout/hList7"/>
+    <dgm:cxn modelId="{CCE667DF-626E-8A48-B4D6-E4F1E0361016}" type="presParOf" srcId="{7070D8CB-12EC-1F41-B4A0-C7AEC3154634}" destId="{757CBABF-A7D2-E043-B284-B34665601DAF}" srcOrd="7" destOrd="0" presId="urn:microsoft.com/office/officeart/2005/8/layout/hList7"/>
+    <dgm:cxn modelId="{63DA779C-47F8-5646-B7E5-ACCFDB172EA2}" type="presParOf" srcId="{7070D8CB-12EC-1F41-B4A0-C7AEC3154634}" destId="{BC745118-8C20-204A-B073-DAA1F3575DBB}" srcOrd="8" destOrd="0" presId="urn:microsoft.com/office/officeart/2005/8/layout/hList7"/>
+    <dgm:cxn modelId="{CB1A0445-2C4B-9B47-813D-8D69851212E1}" type="presParOf" srcId="{BC745118-8C20-204A-B073-DAA1F3575DBB}" destId="{4D0B7D1B-57F1-BF43-905D-CF63A30E5395}" srcOrd="0" destOrd="0" presId="urn:microsoft.com/office/officeart/2005/8/layout/hList7"/>
+    <dgm:cxn modelId="{D0654C5D-E208-FC44-8D04-96AAC89A5EC2}" type="presParOf" srcId="{BC745118-8C20-204A-B073-DAA1F3575DBB}" destId="{B5C4C121-56AB-DB4F-82C4-B463563C8F53}" srcOrd="1" destOrd="0" presId="urn:microsoft.com/office/officeart/2005/8/layout/hList7"/>
+    <dgm:cxn modelId="{86379841-875B-1A40-BDB7-76370B0B370C}" type="presParOf" srcId="{BC745118-8C20-204A-B073-DAA1F3575DBB}" destId="{0860332B-9667-FF4E-A855-C16C9FBDBC10}" srcOrd="2" destOrd="0" presId="urn:microsoft.com/office/officeart/2005/8/layout/hList7"/>
+    <dgm:cxn modelId="{D39244E9-EECE-B341-B86F-70164BEA7F9C}" type="presParOf" srcId="{BC745118-8C20-204A-B073-DAA1F3575DBB}" destId="{6923EBA8-43A4-A545-8CFD-C3B97814B142}" srcOrd="3" destOrd="0" presId="urn:microsoft.com/office/officeart/2005/8/layout/hList7"/>
+  </dgm:cxnLst>
+  <dgm:bg/>
+  <dgm:whole/>
+  <dgm:extLst>
+    <a:ext uri="http://schemas.microsoft.com/office/drawing/2008/diagram">
+      <dsp:dataModelExt xmlns:dsp="http://schemas.microsoft.com/office/drawing/2008/diagram" relId="rId6" minVer="http://schemas.openxmlformats.org/drawingml/2006/diagram"/>
+    </a:ext>
+  </dgm:extLst>
+</dgm:dataModel>
+</file>
+
+<file path=ppt/diagrams/drawing1.xml><?xml version="1.0" encoding="utf-8"?>
+<dsp:drawing xmlns:dgm="http://schemas.openxmlformats.org/drawingml/2006/diagram" xmlns:dsp="http://schemas.microsoft.com/office/drawing/2008/diagram" xmlns:a="http://schemas.openxmlformats.org/drawingml/2006/main">
+  <dsp:spTree>
+    <dsp:nvGrpSpPr>
+      <dsp:cNvPr id="0" name=""/>
+      <dsp:cNvGrpSpPr/>
+    </dsp:nvGrpSpPr>
+    <dsp:grpSpPr/>
+    <dsp:sp modelId="{FD10FEBE-7186-4A46-A2E6-65672E418489}">
+      <dsp:nvSpPr>
+        <dsp:cNvPr id="0" name=""/>
+        <dsp:cNvSpPr/>
+      </dsp:nvSpPr>
+      <dsp:spPr>
+        <a:xfrm>
+          <a:off x="0" y="0"/>
+          <a:ext cx="2196145" cy="5700712"/>
+        </a:xfrm>
+        <a:prstGeom prst="roundRect">
+          <a:avLst>
+            <a:gd name="adj" fmla="val 10000"/>
+          </a:avLst>
+        </a:prstGeom>
+        <a:solidFill>
+          <a:schemeClr val="accent1">
+            <a:hueOff val="0"/>
+            <a:satOff val="0"/>
+            <a:lumOff val="0"/>
+            <a:alphaOff val="0"/>
+          </a:schemeClr>
+        </a:solidFill>
+        <a:ln w="12700" cap="flat" cmpd="sng" algn="ctr">
+          <a:solidFill>
+            <a:schemeClr val="lt1">
+              <a:hueOff val="0"/>
+              <a:satOff val="0"/>
+              <a:lumOff val="0"/>
+              <a:alphaOff val="0"/>
+            </a:schemeClr>
+          </a:solidFill>
+          <a:prstDash val="solid"/>
+          <a:miter lim="800000"/>
+        </a:ln>
+        <a:effectLst/>
+      </dsp:spPr>
+      <dsp:style>
+        <a:lnRef idx="2">
+          <a:scrgbClr r="0" g="0" b="0"/>
+        </a:lnRef>
+        <a:fillRef idx="1">
+          <a:scrgbClr r="0" g="0" b="0"/>
+        </a:fillRef>
+        <a:effectRef idx="0">
+          <a:scrgbClr r="0" g="0" b="0"/>
+        </a:effectRef>
+        <a:fontRef idx="minor">
+          <a:schemeClr val="lt1"/>
+        </a:fontRef>
+      </dsp:style>
+      <dsp:txBody>
+        <a:bodyPr spcFirstLastPara="0" vert="horz" wrap="square" lIns="135128" tIns="135128" rIns="135128" bIns="135128" numCol="1" spcCol="1270" anchor="ctr" anchorCtr="0">
+          <a:noAutofit/>
+        </a:bodyPr>
+        <a:lstStyle/>
+        <a:p>
+          <a:pPr marL="0" lvl="0" indent="0" algn="ctr" defTabSz="844550">
+            <a:lnSpc>
+              <a:spcPct val="90000"/>
+            </a:lnSpc>
+            <a:spcBef>
+              <a:spcPct val="0"/>
+            </a:spcBef>
+            <a:spcAft>
+              <a:spcPct val="35000"/>
+            </a:spcAft>
+            <a:buNone/>
+          </a:pPr>
+          <a:r>
+            <a:rPr lang="en-US" sz="1900" kern="1200" dirty="0"/>
+            <a:t>No comparison groups utilized</a:t>
+          </a:r>
+        </a:p>
+        <a:p>
+          <a:pPr marL="0" lvl="0" indent="0" algn="ctr" defTabSz="844550">
+            <a:lnSpc>
+              <a:spcPct val="90000"/>
+            </a:lnSpc>
+            <a:spcBef>
+              <a:spcPct val="0"/>
+            </a:spcBef>
+            <a:spcAft>
+              <a:spcPct val="35000"/>
+            </a:spcAft>
+            <a:buNone/>
+          </a:pPr>
+          <a:r>
+            <a:rPr lang="en-US" sz="1900" kern="1200" dirty="0"/>
+            <a:t>(Not included in Sample)</a:t>
+          </a:r>
+        </a:p>
+      </dsp:txBody>
+      <dsp:txXfrm>
+        <a:off x="0" y="2280284"/>
+        <a:ext cx="2196145" cy="2280284"/>
+      </dsp:txXfrm>
+    </dsp:sp>
+    <dsp:sp modelId="{A7679103-2037-6B47-A086-AF452AA28732}">
+      <dsp:nvSpPr>
+        <dsp:cNvPr id="0" name=""/>
+        <dsp:cNvSpPr/>
+      </dsp:nvSpPr>
+      <dsp:spPr>
+        <a:xfrm>
+          <a:off x="148904" y="342042"/>
+          <a:ext cx="1898337" cy="1898337"/>
+        </a:xfrm>
+        <a:prstGeom prst="ellipse">
+          <a:avLst/>
+        </a:prstGeom>
+        <a:blipFill>
+          <a:blip xmlns:r="http://schemas.openxmlformats.org/officeDocument/2006/relationships" r:embed="rId1">
+            <a:extLst>
+              <a:ext uri="{28A0092B-C50C-407E-A947-70E740481C1C}">
+                <a14:useLocalDpi xmlns:a14="http://schemas.microsoft.com/office/drawing/2010/main" val="0"/>
+              </a:ext>
+              <a:ext uri="{96DAC541-7B7A-43D3-8B79-37D633B846F1}">
+                <asvg:svgBlip xmlns:asvg="http://schemas.microsoft.com/office/drawing/2016/SVG/main" r:embed="rId2"/>
+              </a:ext>
+            </a:extLst>
+          </a:blip>
+          <a:srcRect/>
+          <a:stretch>
+            <a:fillRect/>
+          </a:stretch>
+        </a:blipFill>
+        <a:ln w="12700" cap="flat" cmpd="sng" algn="ctr">
+          <a:solidFill>
+            <a:schemeClr val="lt1">
+              <a:hueOff val="0"/>
+              <a:satOff val="0"/>
+              <a:lumOff val="0"/>
+              <a:alphaOff val="0"/>
+            </a:schemeClr>
+          </a:solidFill>
+          <a:prstDash val="solid"/>
+          <a:miter lim="800000"/>
+        </a:ln>
+        <a:effectLst/>
+      </dsp:spPr>
+      <dsp:style>
+        <a:lnRef idx="2">
+          <a:scrgbClr r="0" g="0" b="0"/>
+        </a:lnRef>
+        <a:fillRef idx="1">
+          <a:scrgbClr r="0" g="0" b="0"/>
+        </a:fillRef>
+        <a:effectRef idx="0">
+          <a:scrgbClr r="0" g="0" b="0"/>
+        </a:effectRef>
+        <a:fontRef idx="minor"/>
+      </dsp:style>
+    </dsp:sp>
+    <dsp:sp modelId="{4356582E-0B66-CA40-9E60-05E8F1230BFC}">
+      <dsp:nvSpPr>
+        <dsp:cNvPr id="0" name=""/>
+        <dsp:cNvSpPr/>
+      </dsp:nvSpPr>
+      <dsp:spPr>
+        <a:xfrm>
+          <a:off x="2262029" y="0"/>
+          <a:ext cx="2196145" cy="5700712"/>
+        </a:xfrm>
+        <a:prstGeom prst="roundRect">
+          <a:avLst>
+            <a:gd name="adj" fmla="val 10000"/>
+          </a:avLst>
+        </a:prstGeom>
+        <a:solidFill>
+          <a:schemeClr val="accent1">
+            <a:hueOff val="0"/>
+            <a:satOff val="0"/>
+            <a:lumOff val="0"/>
+            <a:alphaOff val="0"/>
+          </a:schemeClr>
+        </a:solidFill>
+        <a:ln w="12700" cap="flat" cmpd="sng" algn="ctr">
+          <a:solidFill>
+            <a:schemeClr val="lt1">
+              <a:hueOff val="0"/>
+              <a:satOff val="0"/>
+              <a:lumOff val="0"/>
+              <a:alphaOff val="0"/>
+            </a:schemeClr>
+          </a:solidFill>
+          <a:prstDash val="solid"/>
+          <a:miter lim="800000"/>
+        </a:ln>
+        <a:effectLst/>
+      </dsp:spPr>
+      <dsp:style>
+        <a:lnRef idx="2">
+          <a:scrgbClr r="0" g="0" b="0"/>
+        </a:lnRef>
+        <a:fillRef idx="1">
+          <a:scrgbClr r="0" g="0" b="0"/>
+        </a:fillRef>
+        <a:effectRef idx="0">
+          <a:scrgbClr r="0" g="0" b="0"/>
+        </a:effectRef>
+        <a:fontRef idx="minor">
+          <a:schemeClr val="lt1"/>
+        </a:fontRef>
+      </dsp:style>
+      <dsp:txBody>
+        <a:bodyPr spcFirstLastPara="0" vert="horz" wrap="square" lIns="135128" tIns="135128" rIns="135128" bIns="135128" numCol="1" spcCol="1270" anchor="ctr" anchorCtr="0">
+          <a:noAutofit/>
+        </a:bodyPr>
+        <a:lstStyle/>
+        <a:p>
+          <a:pPr marL="0" lvl="0" indent="0" algn="ctr" defTabSz="844550">
+            <a:lnSpc>
+              <a:spcPct val="90000"/>
+            </a:lnSpc>
+            <a:spcBef>
+              <a:spcPct val="0"/>
+            </a:spcBef>
+            <a:spcAft>
+              <a:spcPct val="35000"/>
+            </a:spcAft>
+            <a:buNone/>
+          </a:pPr>
+          <a:r>
+            <a:rPr lang="en-US" sz="1900" kern="1200" dirty="0"/>
+            <a:t>Included program and matched comparison groups but lacked control measures</a:t>
+          </a:r>
+        </a:p>
+        <a:p>
+          <a:pPr marL="0" lvl="0" indent="0" algn="ctr" defTabSz="844550">
+            <a:lnSpc>
+              <a:spcPct val="90000"/>
+            </a:lnSpc>
+            <a:spcBef>
+              <a:spcPct val="0"/>
+            </a:spcBef>
+            <a:spcAft>
+              <a:spcPct val="35000"/>
+            </a:spcAft>
+            <a:buNone/>
+          </a:pPr>
+          <a:r>
+            <a:rPr lang="en-US" sz="1900" kern="1200" dirty="0"/>
+            <a:t>(Not included in sample)</a:t>
+          </a:r>
+        </a:p>
+      </dsp:txBody>
+      <dsp:txXfrm>
+        <a:off x="2262029" y="2280284"/>
+        <a:ext cx="2196145" cy="2280284"/>
+      </dsp:txXfrm>
+    </dsp:sp>
+    <dsp:sp modelId="{1E3D1D45-E0A0-1444-BB2F-45593AE8196D}">
+      <dsp:nvSpPr>
+        <dsp:cNvPr id="0" name=""/>
+        <dsp:cNvSpPr/>
+      </dsp:nvSpPr>
+      <dsp:spPr>
+        <a:xfrm>
+          <a:off x="2410933" y="342042"/>
+          <a:ext cx="1898337" cy="1898337"/>
+        </a:xfrm>
+        <a:prstGeom prst="ellipse">
+          <a:avLst/>
+        </a:prstGeom>
+        <a:blipFill>
+          <a:blip xmlns:r="http://schemas.openxmlformats.org/officeDocument/2006/relationships" r:embed="rId3">
+            <a:extLst>
+              <a:ext uri="{96DAC541-7B7A-43D3-8B79-37D633B846F1}">
+                <asvg:svgBlip xmlns:asvg="http://schemas.microsoft.com/office/drawing/2016/SVG/main" r:embed="rId4"/>
+              </a:ext>
+            </a:extLst>
+          </a:blip>
+          <a:srcRect/>
+          <a:stretch>
+            <a:fillRect/>
+          </a:stretch>
+        </a:blipFill>
+        <a:ln w="12700" cap="flat" cmpd="sng" algn="ctr">
+          <a:solidFill>
+            <a:schemeClr val="lt1">
+              <a:hueOff val="0"/>
+              <a:satOff val="0"/>
+              <a:lumOff val="0"/>
+              <a:alphaOff val="0"/>
+            </a:schemeClr>
+          </a:solidFill>
+          <a:prstDash val="solid"/>
+          <a:miter lim="800000"/>
+        </a:ln>
+        <a:effectLst/>
+      </dsp:spPr>
+      <dsp:style>
+        <a:lnRef idx="2">
+          <a:scrgbClr r="0" g="0" b="0"/>
+        </a:lnRef>
+        <a:fillRef idx="1">
+          <a:scrgbClr r="0" g="0" b="0"/>
+        </a:fillRef>
+        <a:effectRef idx="0">
+          <a:scrgbClr r="0" g="0" b="0"/>
+        </a:effectRef>
+        <a:fontRef idx="minor"/>
+      </dsp:style>
+    </dsp:sp>
+    <dsp:sp modelId="{3052F656-9BD5-6041-BC07-16254054870D}">
+      <dsp:nvSpPr>
+        <dsp:cNvPr id="0" name=""/>
+        <dsp:cNvSpPr/>
+      </dsp:nvSpPr>
+      <dsp:spPr>
+        <a:xfrm>
+          <a:off x="4524058" y="0"/>
+          <a:ext cx="2196145" cy="5700712"/>
+        </a:xfrm>
+        <a:prstGeom prst="roundRect">
+          <a:avLst>
+            <a:gd name="adj" fmla="val 10000"/>
+          </a:avLst>
+        </a:prstGeom>
+        <a:solidFill>
+          <a:schemeClr val="accent1">
+            <a:hueOff val="0"/>
+            <a:satOff val="0"/>
+            <a:lumOff val="0"/>
+            <a:alphaOff val="0"/>
+          </a:schemeClr>
+        </a:solidFill>
+        <a:ln w="12700" cap="flat" cmpd="sng" algn="ctr">
+          <a:solidFill>
+            <a:schemeClr val="lt1">
+              <a:hueOff val="0"/>
+              <a:satOff val="0"/>
+              <a:lumOff val="0"/>
+              <a:alphaOff val="0"/>
+            </a:schemeClr>
+          </a:solidFill>
+          <a:prstDash val="solid"/>
+          <a:miter lim="800000"/>
+        </a:ln>
+        <a:effectLst/>
+      </dsp:spPr>
+      <dsp:style>
+        <a:lnRef idx="2">
+          <a:scrgbClr r="0" g="0" b="0"/>
+        </a:lnRef>
+        <a:fillRef idx="1">
+          <a:scrgbClr r="0" g="0" b="0"/>
+        </a:fillRef>
+        <a:effectRef idx="0">
+          <a:scrgbClr r="0" g="0" b="0"/>
+        </a:effectRef>
+        <a:fontRef idx="minor">
+          <a:schemeClr val="lt1"/>
+        </a:fontRef>
+      </dsp:style>
+      <dsp:txBody>
+        <a:bodyPr spcFirstLastPara="0" vert="horz" wrap="square" lIns="135128" tIns="135128" rIns="135128" bIns="135128" numCol="1" spcCol="1270" anchor="ctr" anchorCtr="0">
+          <a:noAutofit/>
+        </a:bodyPr>
+        <a:lstStyle/>
+        <a:p>
+          <a:pPr marL="0" lvl="0" indent="0" algn="ctr" defTabSz="844550">
+            <a:lnSpc>
+              <a:spcPct val="90000"/>
+            </a:lnSpc>
+            <a:spcBef>
+              <a:spcPct val="0"/>
+            </a:spcBef>
+            <a:spcAft>
+              <a:spcPct val="35000"/>
+            </a:spcAft>
+            <a:buNone/>
+          </a:pPr>
+          <a:r>
+            <a:rPr lang="en-US" sz="1900" kern="1200" dirty="0"/>
+            <a:t>Non-experimental design with reasonably well-matched comparison groups</a:t>
+          </a:r>
+        </a:p>
+      </dsp:txBody>
+      <dsp:txXfrm>
+        <a:off x="4524058" y="2280284"/>
+        <a:ext cx="2196145" cy="2280284"/>
+      </dsp:txXfrm>
+    </dsp:sp>
+    <dsp:sp modelId="{F31E5FE0-C568-AF44-BD35-D290F2F86A83}">
+      <dsp:nvSpPr>
+        <dsp:cNvPr id="0" name=""/>
+        <dsp:cNvSpPr/>
+      </dsp:nvSpPr>
+      <dsp:spPr>
+        <a:xfrm>
+          <a:off x="4672962" y="342042"/>
+          <a:ext cx="1898337" cy="1898337"/>
+        </a:xfrm>
+        <a:prstGeom prst="ellipse">
+          <a:avLst/>
+        </a:prstGeom>
+        <a:blipFill>
+          <a:blip xmlns:r="http://schemas.openxmlformats.org/officeDocument/2006/relationships" r:embed="rId5">
+            <a:extLst>
+              <a:ext uri="{96DAC541-7B7A-43D3-8B79-37D633B846F1}">
+                <asvg:svgBlip xmlns:asvg="http://schemas.microsoft.com/office/drawing/2016/SVG/main" r:embed="rId6"/>
+              </a:ext>
+            </a:extLst>
+          </a:blip>
+          <a:srcRect/>
+          <a:stretch>
+            <a:fillRect/>
+          </a:stretch>
+        </a:blipFill>
+        <a:ln w="12700" cap="flat" cmpd="sng" algn="ctr">
+          <a:solidFill>
+            <a:schemeClr val="lt1">
+              <a:hueOff val="0"/>
+              <a:satOff val="0"/>
+              <a:lumOff val="0"/>
+              <a:alphaOff val="0"/>
+            </a:schemeClr>
+          </a:solidFill>
+          <a:prstDash val="solid"/>
+          <a:miter lim="800000"/>
+        </a:ln>
+        <a:effectLst/>
+      </dsp:spPr>
+      <dsp:style>
+        <a:lnRef idx="2">
+          <a:scrgbClr r="0" g="0" b="0"/>
+        </a:lnRef>
+        <a:fillRef idx="1">
+          <a:scrgbClr r="0" g="0" b="0"/>
+        </a:fillRef>
+        <a:effectRef idx="0">
+          <a:scrgbClr r="0" g="0" b="0"/>
+        </a:effectRef>
+        <a:fontRef idx="minor"/>
+      </dsp:style>
+    </dsp:sp>
+    <dsp:sp modelId="{13421588-4373-C846-A167-54B5DCFFD2F6}">
+      <dsp:nvSpPr>
+        <dsp:cNvPr id="0" name=""/>
+        <dsp:cNvSpPr/>
+      </dsp:nvSpPr>
+      <dsp:spPr>
+        <a:xfrm>
+          <a:off x="6786088" y="0"/>
+          <a:ext cx="2196145" cy="5700712"/>
+        </a:xfrm>
+        <a:prstGeom prst="roundRect">
+          <a:avLst>
+            <a:gd name="adj" fmla="val 10000"/>
+          </a:avLst>
+        </a:prstGeom>
+        <a:solidFill>
+          <a:schemeClr val="accent1">
+            <a:hueOff val="0"/>
+            <a:satOff val="0"/>
+            <a:lumOff val="0"/>
+            <a:alphaOff val="0"/>
+          </a:schemeClr>
+        </a:solidFill>
+        <a:ln w="12700" cap="flat" cmpd="sng" algn="ctr">
+          <a:solidFill>
+            <a:schemeClr val="lt1">
+              <a:hueOff val="0"/>
+              <a:satOff val="0"/>
+              <a:lumOff val="0"/>
+              <a:alphaOff val="0"/>
+            </a:schemeClr>
+          </a:solidFill>
+          <a:prstDash val="solid"/>
+          <a:miter lim="800000"/>
+        </a:ln>
+        <a:effectLst/>
+      </dsp:spPr>
+      <dsp:style>
+        <a:lnRef idx="2">
+          <a:scrgbClr r="0" g="0" b="0"/>
+        </a:lnRef>
+        <a:fillRef idx="1">
+          <a:scrgbClr r="0" g="0" b="0"/>
+        </a:fillRef>
+        <a:effectRef idx="0">
+          <a:scrgbClr r="0" g="0" b="0"/>
+        </a:effectRef>
+        <a:fontRef idx="minor">
+          <a:schemeClr val="lt1"/>
+        </a:fontRef>
+      </dsp:style>
+      <dsp:txBody>
+        <a:bodyPr spcFirstLastPara="0" vert="horz" wrap="square" lIns="135128" tIns="135128" rIns="135128" bIns="135128" numCol="1" spcCol="1270" anchor="ctr" anchorCtr="0">
+          <a:noAutofit/>
+        </a:bodyPr>
+        <a:lstStyle/>
+        <a:p>
+          <a:pPr marL="0" lvl="0" indent="0" algn="ctr" defTabSz="844550">
+            <a:lnSpc>
+              <a:spcPct val="90000"/>
+            </a:lnSpc>
+            <a:spcBef>
+              <a:spcPct val="0"/>
+            </a:spcBef>
+            <a:spcAft>
+              <a:spcPct val="35000"/>
+            </a:spcAft>
+            <a:buNone/>
+          </a:pPr>
+          <a:r>
+            <a:rPr lang="en-US" sz="1900" kern="1200" dirty="0"/>
+            <a:t>Rigorous </a:t>
+          </a:r>
+          <a:r>
+            <a:rPr lang="en-US" sz="1900" kern="1200" dirty="0" err="1"/>
+            <a:t>quasiexperimental</a:t>
+          </a:r>
+          <a:r>
+            <a:rPr lang="en-US" sz="1900" kern="1200" dirty="0"/>
+            <a:t> design with matched comparison groups &amp; control measures</a:t>
+          </a:r>
+        </a:p>
+      </dsp:txBody>
+      <dsp:txXfrm>
+        <a:off x="6786088" y="2280284"/>
+        <a:ext cx="2196145" cy="2280284"/>
+      </dsp:txXfrm>
+    </dsp:sp>
+    <dsp:sp modelId="{CCF7EF6D-2B83-BC47-8B7F-EB6551A9B77F}">
+      <dsp:nvSpPr>
+        <dsp:cNvPr id="0" name=""/>
+        <dsp:cNvSpPr/>
+      </dsp:nvSpPr>
+      <dsp:spPr>
+        <a:xfrm>
+          <a:off x="6934992" y="342042"/>
+          <a:ext cx="1898337" cy="1898337"/>
+        </a:xfrm>
+        <a:prstGeom prst="ellipse">
+          <a:avLst/>
+        </a:prstGeom>
+        <a:blipFill>
+          <a:blip xmlns:r="http://schemas.openxmlformats.org/officeDocument/2006/relationships" r:embed="rId7">
+            <a:extLst>
+              <a:ext uri="{28A0092B-C50C-407E-A947-70E740481C1C}">
+                <a14:useLocalDpi xmlns:a14="http://schemas.microsoft.com/office/drawing/2010/main" val="0"/>
+              </a:ext>
+              <a:ext uri="{96DAC541-7B7A-43D3-8B79-37D633B846F1}">
+                <asvg:svgBlip xmlns:asvg="http://schemas.microsoft.com/office/drawing/2016/SVG/main" r:embed="rId8"/>
+              </a:ext>
+            </a:extLst>
+          </a:blip>
+          <a:srcRect/>
+          <a:stretch>
+            <a:fillRect/>
+          </a:stretch>
+        </a:blipFill>
+        <a:ln w="12700" cap="flat" cmpd="sng" algn="ctr">
+          <a:solidFill>
+            <a:schemeClr val="lt1">
+              <a:hueOff val="0"/>
+              <a:satOff val="0"/>
+              <a:lumOff val="0"/>
+              <a:alphaOff val="0"/>
+            </a:schemeClr>
+          </a:solidFill>
+          <a:prstDash val="solid"/>
+          <a:miter lim="800000"/>
+        </a:ln>
+        <a:effectLst/>
+      </dsp:spPr>
+      <dsp:style>
+        <a:lnRef idx="2">
+          <a:scrgbClr r="0" g="0" b="0"/>
+        </a:lnRef>
+        <a:fillRef idx="1">
+          <a:scrgbClr r="0" g="0" b="0"/>
+        </a:fillRef>
+        <a:effectRef idx="0">
+          <a:scrgbClr r="0" g="0" b="0"/>
+        </a:effectRef>
+        <a:fontRef idx="minor"/>
+      </dsp:style>
+    </dsp:sp>
+    <dsp:sp modelId="{4D0B7D1B-57F1-BF43-905D-CF63A30E5395}">
+      <dsp:nvSpPr>
+        <dsp:cNvPr id="0" name=""/>
+        <dsp:cNvSpPr/>
+      </dsp:nvSpPr>
+      <dsp:spPr>
+        <a:xfrm>
+          <a:off x="9048117" y="0"/>
+          <a:ext cx="2196145" cy="5700712"/>
+        </a:xfrm>
+        <a:prstGeom prst="roundRect">
+          <a:avLst>
+            <a:gd name="adj" fmla="val 10000"/>
+          </a:avLst>
+        </a:prstGeom>
+        <a:solidFill>
+          <a:schemeClr val="accent1">
+            <a:hueOff val="0"/>
+            <a:satOff val="0"/>
+            <a:lumOff val="0"/>
+            <a:alphaOff val="0"/>
+          </a:schemeClr>
+        </a:solidFill>
+        <a:ln w="12700" cap="flat" cmpd="sng" algn="ctr">
+          <a:solidFill>
+            <a:schemeClr val="lt1">
+              <a:hueOff val="0"/>
+              <a:satOff val="0"/>
+              <a:lumOff val="0"/>
+              <a:alphaOff val="0"/>
+            </a:schemeClr>
+          </a:solidFill>
+          <a:prstDash val="solid"/>
+          <a:miter lim="800000"/>
+        </a:ln>
+        <a:effectLst/>
+      </dsp:spPr>
+      <dsp:style>
+        <a:lnRef idx="2">
+          <a:scrgbClr r="0" g="0" b="0"/>
+        </a:lnRef>
+        <a:fillRef idx="1">
+          <a:scrgbClr r="0" g="0" b="0"/>
+        </a:fillRef>
+        <a:effectRef idx="0">
+          <a:scrgbClr r="0" g="0" b="0"/>
+        </a:effectRef>
+        <a:fontRef idx="minor">
+          <a:schemeClr val="lt1"/>
+        </a:fontRef>
+      </dsp:style>
+      <dsp:txBody>
+        <a:bodyPr spcFirstLastPara="0" vert="horz" wrap="square" lIns="135128" tIns="135128" rIns="135128" bIns="135128" numCol="1" spcCol="1270" anchor="ctr" anchorCtr="0">
+          <a:noAutofit/>
+        </a:bodyPr>
+        <a:lstStyle/>
+        <a:p>
+          <a:pPr marL="0" lvl="0" indent="0" algn="ctr" defTabSz="844550">
+            <a:lnSpc>
+              <a:spcPct val="90000"/>
+            </a:lnSpc>
+            <a:spcBef>
+              <a:spcPct val="0"/>
+            </a:spcBef>
+            <a:spcAft>
+              <a:spcPct val="35000"/>
+            </a:spcAft>
+            <a:buNone/>
+          </a:pPr>
+          <a:r>
+            <a:rPr lang="en-US" sz="1900" kern="1200" dirty="0"/>
+            <a:t>Well-implemented randomized control comparting treatment and non-treatment groups</a:t>
+          </a:r>
+        </a:p>
+      </dsp:txBody>
+      <dsp:txXfrm>
+        <a:off x="9048117" y="2280284"/>
+        <a:ext cx="2196145" cy="2280284"/>
+      </dsp:txXfrm>
+    </dsp:sp>
+    <dsp:sp modelId="{6923EBA8-43A4-A545-8CFD-C3B97814B142}">
+      <dsp:nvSpPr>
+        <dsp:cNvPr id="0" name=""/>
+        <dsp:cNvSpPr/>
+      </dsp:nvSpPr>
+      <dsp:spPr>
+        <a:xfrm>
+          <a:off x="9197021" y="342042"/>
+          <a:ext cx="1898337" cy="1898337"/>
+        </a:xfrm>
+        <a:prstGeom prst="ellipse">
+          <a:avLst/>
+        </a:prstGeom>
+        <a:blipFill>
+          <a:blip xmlns:r="http://schemas.openxmlformats.org/officeDocument/2006/relationships" r:embed="rId9">
+            <a:extLst>
+              <a:ext uri="{28A0092B-C50C-407E-A947-70E740481C1C}">
+                <a14:useLocalDpi xmlns:a14="http://schemas.microsoft.com/office/drawing/2010/main" val="0"/>
+              </a:ext>
+              <a:ext uri="{96DAC541-7B7A-43D3-8B79-37D633B846F1}">
+                <asvg:svgBlip xmlns:asvg="http://schemas.microsoft.com/office/drawing/2016/SVG/main" r:embed="rId10"/>
+              </a:ext>
+            </a:extLst>
+          </a:blip>
+          <a:srcRect/>
+          <a:stretch>
+            <a:fillRect/>
+          </a:stretch>
+        </a:blipFill>
+        <a:ln w="12700" cap="flat" cmpd="sng" algn="ctr">
+          <a:solidFill>
+            <a:schemeClr val="lt1">
+              <a:hueOff val="0"/>
+              <a:satOff val="0"/>
+              <a:lumOff val="0"/>
+              <a:alphaOff val="0"/>
+            </a:schemeClr>
+          </a:solidFill>
+          <a:prstDash val="solid"/>
+          <a:miter lim="800000"/>
+        </a:ln>
+        <a:effectLst/>
+      </dsp:spPr>
+      <dsp:style>
+        <a:lnRef idx="2">
+          <a:scrgbClr r="0" g="0" b="0"/>
+        </a:lnRef>
+        <a:fillRef idx="1">
+          <a:scrgbClr r="0" g="0" b="0"/>
+        </a:fillRef>
+        <a:effectRef idx="0">
+          <a:scrgbClr r="0" g="0" b="0"/>
+        </a:effectRef>
+        <a:fontRef idx="minor"/>
+      </dsp:style>
+    </dsp:sp>
+    <dsp:sp modelId="{C6ACD8F7-E8F4-A949-9462-F81280B13F1F}">
+      <dsp:nvSpPr>
+        <dsp:cNvPr id="0" name=""/>
+        <dsp:cNvSpPr/>
+      </dsp:nvSpPr>
+      <dsp:spPr>
+        <a:xfrm>
+          <a:off x="449770" y="4560569"/>
+          <a:ext cx="10344721" cy="855106"/>
+        </a:xfrm>
+        <a:prstGeom prst="leftRightArrow">
+          <a:avLst/>
+        </a:prstGeom>
+        <a:solidFill>
+          <a:schemeClr val="accent1">
+            <a:tint val="60000"/>
+            <a:hueOff val="0"/>
+            <a:satOff val="0"/>
+            <a:lumOff val="0"/>
+            <a:alphaOff val="0"/>
+          </a:schemeClr>
+        </a:solidFill>
+        <a:ln w="12700" cap="flat" cmpd="sng" algn="ctr">
+          <a:solidFill>
+            <a:schemeClr val="lt1">
+              <a:hueOff val="0"/>
+              <a:satOff val="0"/>
+              <a:lumOff val="0"/>
+              <a:alphaOff val="0"/>
+            </a:schemeClr>
+          </a:solidFill>
+          <a:prstDash val="solid"/>
+          <a:miter lim="800000"/>
+        </a:ln>
+        <a:effectLst/>
+      </dsp:spPr>
+      <dsp:style>
+        <a:lnRef idx="2">
+          <a:scrgbClr r="0" g="0" b="0"/>
+        </a:lnRef>
+        <a:fillRef idx="1">
+          <a:scrgbClr r="0" g="0" b="0"/>
+        </a:fillRef>
+        <a:effectRef idx="0">
+          <a:scrgbClr r="0" g="0" b="0"/>
+        </a:effectRef>
+        <a:fontRef idx="minor"/>
+      </dsp:style>
+    </dsp:sp>
+  </dsp:spTree>
+</dsp:drawing>
+</file>
+
+<file path=ppt/diagrams/layout1.xml><?xml version="1.0" encoding="utf-8"?>
+<dgm:layoutDef xmlns:dgm="http://schemas.openxmlformats.org/drawingml/2006/diagram" xmlns:a="http://schemas.openxmlformats.org/drawingml/2006/main" uniqueId="urn:microsoft.com/office/officeart/2005/8/layout/hList7">
+  <dgm:title val=""/>
+  <dgm:desc val=""/>
+  <dgm:catLst>
+    <dgm:cat type="list" pri="12000"/>
+    <dgm:cat type="process" pri="20000"/>
+    <dgm:cat type="relationship" pri="14000"/>
+    <dgm:cat type="convert" pri="8000"/>
+    <dgm:cat type="picture" pri="25000"/>
+    <dgm:cat type="pictureconvert" pri="25000"/>
+  </dgm:catLst>
+  <dgm:sampData useDef="1">
+    <dgm:dataModel>
+      <dgm:ptLst/>
+      <dgm:bg/>
+      <dgm:whole/>
+    </dgm:dataModel>
+  </dgm:sampData>
+  <dgm:styleData>
+    <dgm:dataModel>
+      <dgm:ptLst>
+        <dgm:pt modelId="0" type="doc"/>
+        <dgm:pt modelId="1"/>
+        <dgm:pt modelId="2"/>
+      </dgm:ptLst>
+      <dgm:cxnLst>
+        <dgm:cxn modelId="3" srcId="0" destId="1" srcOrd="0" destOrd="0"/>
+        <dgm:cxn modelId="4" srcId="0" destId="2" srcOrd="1" destOrd="0"/>
+      </dgm:cxnLst>
+      <dgm:bg/>
+      <dgm:whole/>
+    </dgm:dataModel>
+  </dgm:styleData>
+  <dgm:clrData>
+    <dgm:dataModel>
+      <dgm:ptLst>
+        <dgm:pt modelId="0" type="doc"/>
+        <dgm:pt modelId="1"/>
+        <dgm:pt modelId="2"/>
+        <dgm:pt modelId="3"/>
+        <dgm:pt modelId="4"/>
+      </dgm:ptLst>
+      <dgm:cxnLst>
+        <dgm:cxn modelId="5" srcId="0" destId="1" srcOrd="0" destOrd="0"/>
+        <dgm:cxn modelId="6" srcId="0" destId="2" srcOrd="1" destOrd="0"/>
+        <dgm:cxn modelId="7" srcId="0" destId="3" srcOrd="2" destOrd="0"/>
+        <dgm:cxn modelId="8" srcId="0" destId="4" srcOrd="3" destOrd="0"/>
+      </dgm:cxnLst>
+      <dgm:bg/>
+      <dgm:whole/>
+    </dgm:dataModel>
+  </dgm:clrData>
+  <dgm:layoutNode name="Name0">
+    <dgm:varLst>
+      <dgm:dir/>
+      <dgm:resizeHandles val="exact"/>
+    </dgm:varLst>
+    <dgm:alg type="composite"/>
+    <dgm:shape xmlns:r="http://schemas.openxmlformats.org/officeDocument/2006/relationships" r:blip="">
+      <dgm:adjLst/>
+    </dgm:shape>
+    <dgm:presOf/>
+    <dgm:constrLst>
+      <dgm:constr type="w" for="ch" forName="fgShape" refType="w" fact="0.92"/>
+      <dgm:constr type="h" for="ch" forName="fgShape" refType="h" fact="0.15"/>
+      <dgm:constr type="b" for="ch" forName="fgShape" refType="h" fact="0.95"/>
+      <dgm:constr type="ctrX" for="ch" forName="fgShape" refType="w" fact="0.5"/>
+      <dgm:constr type="w" for="ch" forName="linComp" refType="w"/>
+      <dgm:constr type="h" for="ch" forName="linComp" refType="h"/>
+      <dgm:constr type="ctrX" for="ch" forName="linComp" refType="w" fact="0.5"/>
+    </dgm:constrLst>
+    <dgm:ruleLst/>
+    <dgm:layoutNode name="fgShape" styleLbl="fgShp">
+      <dgm:alg type="sp"/>
+      <dgm:shape xmlns:r="http://schemas.openxmlformats.org/officeDocument/2006/relationships" type="leftRightArrow" r:blip="" zOrderOff="99999">
+        <dgm:adjLst/>
+      </dgm:shape>
+      <dgm:presOf/>
+      <dgm:constrLst/>
+      <dgm:ruleLst/>
+    </dgm:layoutNode>
+    <dgm:layoutNode name="linComp">
+      <dgm:choose name="Name1">
+        <dgm:if name="Name2" func="var" arg="dir" op="equ" val="norm">
+          <dgm:alg type="lin"/>
+        </dgm:if>
+        <dgm:else name="Name3">
+          <dgm:alg type="lin">
+            <dgm:param type="linDir" val="fromR"/>
+          </dgm:alg>
+        </dgm:else>
+      </dgm:choose>
+      <dgm:shape xmlns:r="http://schemas.openxmlformats.org/officeDocument/2006/relationships" r:blip="">
+        <dgm:adjLst/>
+      </dgm:shape>
+      <dgm:presOf/>
+      <dgm:constrLst>
+        <dgm:constr type="w" for="ch" forName="compNode" refType="w"/>
+        <dgm:constr type="h" for="ch" forName="compNode" refType="h"/>
+        <dgm:constr type="w" for="ch" ptType="sibTrans" refType="w" refFor="ch" refForName="compNode" fact="0.03"/>
+        <dgm:constr type="primFontSz" for="des" ptType="node" op="equ" val="65"/>
+      </dgm:constrLst>
+      <dgm:ruleLst/>
+      <dgm:forEach name="nodesForEach" axis="ch" ptType="node">
+        <dgm:layoutNode name="compNode">
+          <dgm:alg type="composite"/>
+          <dgm:shape xmlns:r="http://schemas.openxmlformats.org/officeDocument/2006/relationships" r:blip="">
+            <dgm:adjLst/>
+          </dgm:shape>
+          <dgm:presOf/>
+          <dgm:constrLst>
+            <dgm:constr type="w" for="ch" forName="bkgdShape" refType="w"/>
+            <dgm:constr type="h" for="ch" forName="bkgdShape" refType="h"/>
+            <dgm:constr type="w" for="ch" forName="nodeTx" refType="w"/>
+            <dgm:constr type="h" for="ch" forName="nodeTx" refType="h" fact="0.4"/>
+            <dgm:constr type="b" for="ch" forName="nodeTx" refType="h" fact="0.8"/>
+            <dgm:constr type="w" for="ch" forName="invisiNode" refType="w" fact="0.01"/>
+            <dgm:constr type="h" for="ch" forName="invisiNode" refType="h" fact="0.06"/>
+            <dgm:constr type="t" for="ch" forName="invisiNode"/>
+            <dgm:constr type="ctrX" for="ch" forName="invisiNode" refType="w" fact="0.5"/>
+            <dgm:constr type="h" for="ch" forName="imagNode" refType="h" fact="0.333"/>
+            <dgm:constr type="w" for="ch" forName="imagNode" refType="h" refFor="ch" refForName="imagNode"/>
+            <dgm:constr type="ctrX" for="ch" forName="imagNode" refType="w" fact="0.5"/>
+            <dgm:constr type="t" for="ch" forName="imagNode" refType="h" fact="0.06"/>
+            <dgm:constr type="w" for="ch" forName="imagNode" refType="w" op="lte" fact="0.94"/>
+          </dgm:constrLst>
+          <dgm:ruleLst/>
+          <dgm:layoutNode name="bkgdShape">
+            <dgm:alg type="sp"/>
+            <dgm:shape xmlns:r="http://schemas.openxmlformats.org/officeDocument/2006/relationships" type="roundRect" r:blip="">
+              <dgm:adjLst>
+                <dgm:adj idx="1" val="0.1"/>
+              </dgm:adjLst>
+            </dgm:shape>
+            <dgm:presOf axis="desOrSelf" ptType="node"/>
+            <dgm:constrLst/>
+            <dgm:ruleLst/>
+          </dgm:layoutNode>
+          <dgm:layoutNode name="nodeTx">
+            <dgm:varLst>
+              <dgm:bulletEnabled val="1"/>
+            </dgm:varLst>
+            <dgm:alg type="tx">
+              <dgm:param type="txAnchorVert" val="mid"/>
+              <dgm:param type="txAnchorHorzCh" val="ctr"/>
+              <dgm:param type="stBulletLvl" val="2"/>
+            </dgm:alg>
+            <dgm:shape xmlns:r="http://schemas.openxmlformats.org/officeDocument/2006/relationships" type="rect" r:blip="" hideGeom="1">
+              <dgm:adjLst/>
+            </dgm:shape>
+            <dgm:presOf axis="desOrSelf" ptType="node"/>
+            <dgm:constrLst/>
+            <dgm:ruleLst>
+              <dgm:rule type="primFontSz" val="5" fact="NaN" max="NaN"/>
+            </dgm:ruleLst>
+          </dgm:layoutNode>
+          <dgm:layoutNode name="invisiNode">
+            <dgm:alg type="sp"/>
+            <dgm:shape xmlns:r="http://schemas.openxmlformats.org/officeDocument/2006/relationships" type="roundRect" r:blip="" hideGeom="1">
+              <dgm:adjLst>
+                <dgm:adj idx="1" val="0.1"/>
+              </dgm:adjLst>
+            </dgm:shape>
+            <dgm:presOf/>
+            <dgm:constrLst/>
+            <dgm:ruleLst/>
+          </dgm:layoutNode>
+          <dgm:layoutNode name="imagNode" styleLbl="fgImgPlace1">
+            <dgm:alg type="sp"/>
+            <dgm:shape xmlns:r="http://schemas.openxmlformats.org/officeDocument/2006/relationships" type="ellipse" r:blip="" blipPhldr="1">
+              <dgm:adjLst/>
+            </dgm:shape>
+            <dgm:presOf/>
+            <dgm:constrLst/>
+            <dgm:ruleLst/>
+          </dgm:layoutNode>
+        </dgm:layoutNode>
+        <dgm:forEach name="sibTransForEach" axis="followSib" ptType="sibTrans" cnt="1">
+          <dgm:layoutNode name="sibTrans">
+            <dgm:alg type="sp"/>
+            <dgm:shape xmlns:r="http://schemas.openxmlformats.org/officeDocument/2006/relationships" type="rect" r:blip="" hideGeom="1">
+              <dgm:adjLst/>
+            </dgm:shape>
+            <dgm:presOf axis="self"/>
+            <dgm:constrLst/>
+            <dgm:ruleLst/>
+          </dgm:layoutNode>
+        </dgm:forEach>
+      </dgm:forEach>
+    </dgm:layoutNode>
+  </dgm:layoutNode>
+</dgm:layoutDef>
+</file>
+
+<file path=ppt/diagrams/quickStyle1.xml><?xml version="1.0" encoding="utf-8"?>
+<dgm:styleDef xmlns:dgm="http://schemas.openxmlformats.org/drawingml/2006/diagram" xmlns:a="http://schemas.openxmlformats.org/drawingml/2006/main" uniqueId="urn:microsoft.com/office/officeart/2005/8/quickstyle/simple1">
+  <dgm:title val=""/>
+  <dgm:desc val=""/>
+  <dgm:catLst>
+    <dgm:cat type="simple" pri="10100"/>
+  </dgm:catLst>
+  <dgm:scene3d>
+    <a:camera prst="orthographicFront"/>
+    <a:lightRig rig="threePt" dir="t"/>
+  </dgm:scene3d>
+  <dgm:styleLbl name="node0">
+    <dgm:scene3d>
+      <a:camera prst="orthographicFront"/>
+      <a:lightRig rig="threePt" dir="t"/>
+    </dgm:scene3d>
+    <dgm:sp3d/>
+    <dgm:txPr/>
+    <dgm:style>
+      <a:lnRef idx="2">
+        <a:scrgbClr r="0" g="0" b="0"/>
+      </a:lnRef>
+      <a:fillRef idx="1">
+        <a:scrgbClr r="0" g="0" b="0"/>
+      </a:fillRef>
+      <a:effectRef idx="0">
+        <a:scrgbClr r="0" g="0" b="0"/>
+      </a:effectRef>
+      <a:fontRef idx="minor">
+        <a:schemeClr val="lt1"/>
+      </a:fontRef>
+    </dgm:style>
+  </dgm:styleLbl>
+  <dgm:styleLbl name="lnNode1">
+    <dgm:scene3d>
+      <a:camera prst="orthographicFront"/>
+      <a:lightRig rig="threePt" dir="t"/>
+    </dgm:scene3d>
+    <dgm:sp3d/>
+    <dgm:txPr/>
+    <dgm:style>
+      <a:lnRef idx="2">
+        <a:scrgbClr r="0" g="0" b="0"/>
+      </a:lnRef>
+      <a:fillRef idx="1">
+        <a:scrgbClr r="0" g="0" b="0"/>
+      </a:fillRef>
+      <a:effectRef idx="0">
+        <a:scrgbClr r="0" g="0" b="0"/>
+      </a:effectRef>
+      <a:fontRef idx="minor">
+        <a:schemeClr val="lt1"/>
+      </a:fontRef>
+    </dgm:style>
+  </dgm:styleLbl>
+  <dgm:styleLbl name="vennNode1">
+    <dgm:scene3d>
+      <a:camera prst="orthographicFront"/>
+      <a:lightRig rig="threePt" dir="t"/>
+    </dgm:scene3d>
+    <dgm:sp3d/>
+    <dgm:txPr/>
+    <dgm:style>
+      <a:lnRef idx="2">
+        <a:scrgbClr r="0" g="0" b="0"/>
+      </a:lnRef>
+      <a:fillRef idx="1">
+        <a:scrgbClr r="0" g="0" b="0"/>
+      </a:fillRef>
+      <a:effectRef idx="0">
+        <a:scrgbClr r="0" g="0" b="0"/>
+      </a:effectRef>
+      <a:fontRef idx="minor">
+        <a:schemeClr val="tx1"/>
+      </a:fontRef>
+    </dgm:style>
+  </dgm:styleLbl>
+  <dgm:styleLbl name="alignNode1">
+    <dgm:scene3d>
+      <a:camera prst="orthographicFront"/>
+      <a:lightRig rig="threePt" dir="t"/>
+    </dgm:scene3d>
+    <dgm:sp3d/>
+    <dgm:txPr/>
+    <dgm:style>
+      <a:lnRef idx="2">
+        <a:scrgbClr r="0" g="0" b="0"/>
+      </a:lnRef>
+      <a:fillRef idx="1">
+        <a:scrgbClr r="0" g="0" b="0"/>
+      </a:fillRef>
+      <a:effectRef idx="0">
+        <a:scrgbClr r="0" g="0" b="0"/>
+      </a:effectRef>
+      <a:fontRef idx="minor">
+        <a:schemeClr val="lt1"/>
+      </a:fontRef>
+    </dgm:style>
+  </dgm:styleLbl>
+  <dgm:styleLbl name="node1">
+    <dgm:scene3d>
+      <a:camera prst="orthographicFront"/>
+      <a:lightRig rig="threePt" dir="t"/>
+    </dgm:scene3d>
+    <dgm:sp3d/>
+    <dgm:txPr/>
+    <dgm:style>
+      <a:lnRef idx="2">
+        <a:scrgbClr r="0" g="0" b="0"/>
+      </a:lnRef>
+      <a:fillRef idx="1">
+        <a:scrgbClr r="0" g="0" b="0"/>
+      </a:fillRef>
+      <a:effectRef idx="0">
+        <a:scrgbClr r="0" g="0" b="0"/>
+      </a:effectRef>
+      <a:fontRef idx="minor">
+        <a:schemeClr val="lt1"/>
+      </a:fontRef>
+    </dgm:style>
+  </dgm:styleLbl>
+  <dgm:styleLbl name="node2">
+    <dgm:scene3d>
+      <a:camera prst="orthographicFront"/>
+      <a:lightRig rig="threePt" dir="t"/>
+    </dgm:scene3d>
+    <dgm:sp3d/>
+    <dgm:txPr/>
+    <dgm:style>
+      <a:lnRef idx="2">
+        <a:scrgbClr r="0" g="0" b="0"/>
+      </a:lnRef>
+      <a:fillRef idx="1">
+        <a:scrgbClr r="0" g="0" b="0"/>
+      </a:fillRef>
+      <a:effectRef idx="0">
+        <a:scrgbClr r="0" g="0" b="0"/>
+      </a:effectRef>
+      <a:fontRef idx="minor">
+        <a:schemeClr val="lt1"/>
+      </a:fontRef>
+    </dgm:style>
+  </dgm:styleLbl>
+  <dgm:styleLbl name="node3">
+    <dgm:scene3d>
+      <a:camera prst="orthographicFront"/>
+      <a:lightRig rig="threePt" dir="t"/>
+    </dgm:scene3d>
+    <dgm:sp3d/>
+    <dgm:txPr/>
+    <dgm:style>
+      <a:lnRef idx="2">
+        <a:scrgbClr r="0" g="0" b="0"/>
+      </a:lnRef>
+      <a:fillRef idx="1">
+        <a:scrgbClr r="0" g="0" b="0"/>
+      </a:fillRef>
+      <a:effectRef idx="0">
+        <a:scrgbClr r="0" g="0" b="0"/>
+      </a:effectRef>
+      <a:fontRef idx="minor">
+        <a:schemeClr val="lt1"/>
+      </a:fontRef>
+    </dgm:style>
+  </dgm:styleLbl>
+  <dgm:styleLbl name="node4">
+    <dgm:scene3d>
+      <a:camera prst="orthographicFront"/>
+      <a:lightRig rig="threePt" dir="t"/>
+    </dgm:scene3d>
+    <dgm:sp3d/>
+    <dgm:txPr/>
+    <dgm:style>
+      <a:lnRef idx="2">
+        <a:scrgbClr r="0" g="0" b="0"/>
+      </a:lnRef>
+      <a:fillRef idx="1">
+        <a:scrgbClr r="0" g="0" b="0"/>
+      </a:fillRef>
+      <a:effectRef idx="0">
+        <a:scrgbClr r="0" g="0" b="0"/>
+      </a:effectRef>
+      <a:fontRef idx="minor">
+        <a:schemeClr val="lt1"/>
+      </a:fontRef>
+    </dgm:style>
+  </dgm:styleLbl>
+  <dgm:styleLbl name="fgImgPlace1">
+    <dgm:scene3d>
+      <a:camera prst="orthographicFront"/>
+      <a:lightRig rig="threePt" dir="t"/>
+    </dgm:scene3d>
+    <dgm:sp3d/>
+    <dgm:txPr/>
+    <dgm:style>
+      <a:lnRef idx="2">
+        <a:scrgbClr r="0" g="0" b="0"/>
+      </a:lnRef>
+      <a:fillRef idx="1">
+        <a:scrgbClr r="0" g="0" b="0"/>
+      </a:fillRef>
+      <a:effectRef idx="0">
+        <a:scrgbClr r="0" g="0" b="0"/>
+      </a:effectRef>
+      <a:fontRef idx="minor"/>
+    </dgm:style>
+  </dgm:styleLbl>
+  <dgm:styleLbl name="alignImgPlace1">
+    <dgm:scene3d>
+      <a:camera prst="orthographicFront"/>
+      <a:lightRig rig="threePt" dir="t"/>
+    </dgm:scene3d>
+    <dgm:sp3d/>
+    <dgm:txPr/>
+    <dgm:style>
+      <a:lnRef idx="2">
+        <a:scrgbClr r="0" g="0" b="0"/>
+      </a:lnRef>
+      <a:fillRef idx="1">
+        <a:scrgbClr r="0" g="0" b="0"/>
+      </a:fillRef>
+      <a:effectRef idx="0">
+        <a:scrgbClr r="0" g="0" b="0"/>
+      </a:effectRef>
+      <a:fontRef idx="minor"/>
+    </dgm:style>
+  </dgm:styleLbl>
+  <dgm:styleLbl name="bgImgPlace1">
+    <dgm:scene3d>
+      <a:camera prst="orthographicFront"/>
+      <a:lightRig rig="threePt" dir="t"/>
+    </dgm:scene3d>
+    <dgm:sp3d/>
+    <dgm:txPr/>
+    <dgm:style>
+      <a:lnRef idx="2">
+        <a:scrgbClr r="0" g="0" b="0"/>
+      </a:lnRef>
+      <a:fillRef idx="1">
+        <a:scrgbClr r="0" g="0" b="0"/>
+      </a:fillRef>
+      <a:effectRef idx="0">
+        <a:scrgbClr r="0" g="0" b="0"/>
+      </a:effectRef>
+      <a:fontRef idx="minor"/>
+    </dgm:style>
+  </dgm:styleLbl>
+  <dgm:styleLbl name="sibTrans2D1">
+    <dgm:scene3d>
+      <a:camera prst="orthographicFront"/>
+      <a:lightRig rig="threePt" dir="t"/>
+    </dgm:scene3d>
+    <dgm:sp3d/>
+    <dgm:txPr/>
+    <dgm:style>
+      <a:lnRef idx="0">
+        <a:scrgbClr r="0" g="0" b="0"/>
+      </a:lnRef>
+      <a:fillRef idx="1">
+        <a:scrgbClr r="0" g="0" b="0"/>
+      </a:fillRef>
+      <a:effectRef idx="0">
+        <a:scrgbClr r="0" g="0" b="0"/>
+      </a:effectRef>
+      <a:fontRef idx="minor">
+        <a:schemeClr val="lt1"/>
+      </a:fontRef>
+    </dgm:style>
+  </dgm:styleLbl>
+  <dgm:styleLbl name="fgSibTrans2D1">
+    <dgm:scene3d>
+      <a:camera prst="orthographicFront"/>
+      <a:lightRig rig="threePt" dir="t"/>
+    </dgm:scene3d>
+    <dgm:sp3d/>
+    <dgm:txPr/>
+    <dgm:style>
+      <a:lnRef idx="0">
+        <a:scrgbClr r="0" g="0" b="0"/>
+      </a:lnRef>
+      <a:fillRef idx="1">
+        <a:scrgbClr r="0" g="0" b="0"/>
+      </a:fillRef>
+      <a:effectRef idx="0">
+        <a:scrgbClr r="0" g="0" b="0"/>
+      </a:effectRef>
+      <a:fontRef idx="minor">
+        <a:schemeClr val="lt1"/>
+      </a:fontRef>
+    </dgm:style>
+  </dgm:styleLbl>
+  <dgm:styleLbl name="bgSibTrans2D1">
+    <dgm:scene3d>
+      <a:camera prst="orthographicFront"/>
+      <a:lightRig rig="threePt" dir="t"/>
+    </dgm:scene3d>
+    <dgm:sp3d/>
+    <dgm:txPr/>
+    <dgm:style>
+      <a:lnRef idx="0">
+        <a:scrgbClr r="0" g="0" b="0"/>
+      </a:lnRef>
+      <a:fillRef idx="1">
+        <a:scrgbClr r="0" g="0" b="0"/>
+      </a:fillRef>
+      <a:effectRef idx="0">
+        <a:scrgbClr r="0" g="0" b="0"/>
+      </a:effectRef>
+      <a:fontRef idx="minor">
+        <a:schemeClr val="lt1"/>
+      </a:fontRef>
+    </dgm:style>
+  </dgm:styleLbl>
+  <dgm:styleLbl name="sibTrans1D1">
+    <dgm:scene3d>
+      <a:camera prst="orthographicFront"/>
+      <a:lightRig rig="threePt" dir="t"/>
+    </dgm:scene3d>
+    <dgm:sp3d/>
+    <dgm:txPr/>
+    <dgm:style>
+      <a:lnRef idx="1">
+        <a:scrgbClr r="0" g="0" b="0"/>
+      </a:lnRef>
+      <a:fillRef idx="0">
+        <a:scrgbClr r="0" g="0" b="0"/>
+      </a:fillRef>
+      <a:effectRef idx="0">
+        <a:scrgbClr r="0" g="0" b="0"/>
+      </a:effectRef>
+      <a:fontRef idx="minor"/>
+    </dgm:style>
+  </dgm:styleLbl>
+  <dgm:styleLbl name="callout">
+    <dgm:scene3d>
+      <a:camera prst="orthographicFront"/>
+      <a:lightRig rig="threePt" dir="t"/>
+    </dgm:scene3d>
+    <dgm:sp3d/>
+    <dgm:txPr/>
+    <dgm:style>
+      <a:lnRef idx="2">
+        <a:scrgbClr r="0" g="0" b="0"/>
+      </a:lnRef>
+      <a:fillRef idx="1">
+        <a:scrgbClr r="0" g="0" b="0"/>
+      </a:fillRef>
+      <a:effectRef idx="0">
+        <a:scrgbClr r="0" g="0" b="0"/>
+      </a:effectRef>
+      <a:fontRef idx="minor"/>
+    </dgm:style>
+  </dgm:styleLbl>
+  <dgm:styleLbl name="asst0">
+    <dgm:scene3d>
+      <a:camera prst="orthographicFront"/>
+      <a:lightRig rig="threePt" dir="t"/>
+    </dgm:scene3d>
+    <dgm:sp3d/>
+    <dgm:txPr/>
+    <dgm:style>
+      <a:lnRef idx="2">
+        <a:scrgbClr r="0" g="0" b="0"/>
+      </a:lnRef>
+      <a:fillRef idx="1">
+        <a:scrgbClr r="0" g="0" b="0"/>
+      </a:fillRef>
+      <a:effectRef idx="0">
+        <a:scrgbClr r="0" g="0" b="0"/>
+      </a:effectRef>
+      <a:fontRef idx="minor">
+        <a:schemeClr val="lt1"/>
+      </a:fontRef>
+    </dgm:style>
+  </dgm:styleLbl>
+  <dgm:styleLbl name="asst1">
+    <dgm:scene3d>
+      <a:camera prst="orthographicFront"/>
+      <a:lightRig rig="threePt" dir="t"/>
+    </dgm:scene3d>
+    <dgm:sp3d/>
+    <dgm:txPr/>
+    <dgm:style>
+      <a:lnRef idx="2">
+        <a:scrgbClr r="0" g="0" b="0"/>
+      </a:lnRef>
+      <a:fillRef idx="1">
+        <a:scrgbClr r="0" g="0" b="0"/>
+      </a:fillRef>
+      <a:effectRef idx="0">
+        <a:scrgbClr r="0" g="0" b="0"/>
+      </a:effectRef>
+      <a:fontRef idx="minor">
+        <a:schemeClr val="lt1"/>
+      </a:fontRef>
+    </dgm:style>
+  </dgm:styleLbl>
+  <dgm:styleLbl name="asst2">
+    <dgm:scene3d>
+      <a:camera prst="orthographicFront"/>
+      <a:lightRig rig="threePt" dir="t"/>
+    </dgm:scene3d>
+    <dgm:sp3d/>
+    <dgm:txPr/>
+    <dgm:style>
+      <a:lnRef idx="2">
+        <a:scrgbClr r="0" g="0" b="0"/>
+      </a:lnRef>
+      <a:fillRef idx="1">
+        <a:scrgbClr r="0" g="0" b="0"/>
+      </a:fillRef>
+      <a:effectRef idx="0">
+        <a:scrgbClr r="0" g="0" b="0"/>
+      </a:effectRef>
+      <a:fontRef idx="minor">
+        <a:schemeClr val="lt1"/>
+      </a:fontRef>
+    </dgm:style>
+  </dgm:styleLbl>
+  <dgm:styleLbl name="asst3">
+    <dgm:scene3d>
+      <a:camera prst="orthographicFront"/>
+      <a:lightRig rig="threePt" dir="t"/>
+    </dgm:scene3d>
+    <dgm:sp3d/>
+    <dgm:txPr/>
+    <dgm:style>
+      <a:lnRef idx="2">
+        <a:scrgbClr r="0" g="0" b="0"/>
+      </a:lnRef>
+      <a:fillRef idx="1">
+        <a:scrgbClr r="0" g="0" b="0"/>
+      </a:fillRef>
+      <a:effectRef idx="0">
+        <a:scrgbClr r="0" g="0" b="0"/>
+      </a:effectRef>
+      <a:fontRef idx="minor">
+        <a:schemeClr val="lt1"/>
+      </a:fontRef>
+    </dgm:style>
+  </dgm:styleLbl>
+  <dgm:styleLbl name="asst4">
+    <dgm:scene3d>
+      <a:camera prst="orthographicFront"/>
+      <a:lightRig rig="threePt" dir="t"/>
+    </dgm:scene3d>
+    <dgm:sp3d/>
+    <dgm:txPr/>
+    <dgm:style>
+      <a:lnRef idx="2">
+        <a:scrgbClr r="0" g="0" b="0"/>
+      </a:lnRef>
+      <a:fillRef idx="1">
+        <a:scrgbClr r="0" g="0" b="0"/>
+      </a:fillRef>
+      <a:effectRef idx="0">
+        <a:scrgbClr r="0" g="0" b="0"/>
+      </a:effectRef>
+      <a:fontRef idx="minor">
+        <a:schemeClr val="lt1"/>
+      </a:fontRef>
+    </dgm:style>
+  </dgm:styleLbl>
+  <dgm:styleLbl name="parChTrans2D1">
+    <dgm:scene3d>
+      <a:camera prst="orthographicFront"/>
+      <a:lightRig rig="threePt" dir="t"/>
+    </dgm:scene3d>
+    <dgm:sp3d/>
+    <dgm:txPr/>
+    <dgm:style>
+      <a:lnRef idx="2">
+        <a:scrgbClr r="0" g="0" b="0"/>
+      </a:lnRef>
+      <a:fillRef idx="1">
+        <a:scrgbClr r="0" g="0" b="0"/>
+      </a:fillRef>
+      <a:effectRef idx="0">
+        <a:scrgbClr r="0" g="0" b="0"/>
+      </a:effectRef>
+      <a:fontRef idx="minor">
+        <a:schemeClr val="lt1"/>
+      </a:fontRef>
+    </dgm:style>
+  </dgm:styleLbl>
+  <dgm:styleLbl name="parChTrans2D2">
+    <dgm:scene3d>
+      <a:camera prst="orthographicFront"/>
+      <a:lightRig rig="threePt" dir="t"/>
+    </dgm:scene3d>
+    <dgm:sp3d/>
+    <dgm:txPr/>
+    <dgm:style>
+      <a:lnRef idx="2">
+        <a:scrgbClr r="0" g="0" b="0"/>
+      </a:lnRef>
+      <a:fillRef idx="1">
+        <a:scrgbClr r="0" g="0" b="0"/>
+      </a:fillRef>
+      <a:effectRef idx="0">
+        <a:scrgbClr r="0" g="0" b="0"/>
+      </a:effectRef>
+      <a:fontRef idx="minor">
+        <a:schemeClr val="lt1"/>
+      </a:fontRef>
+    </dgm:style>
+  </dgm:styleLbl>
+  <dgm:styleLbl name="parChTrans2D3">
+    <dgm:scene3d>
+      <a:camera prst="orthographicFront"/>
+      <a:lightRig rig="threePt" dir="t"/>
+    </dgm:scene3d>
+    <dgm:sp3d/>
+    <dgm:txPr/>
+    <dgm:style>
+      <a:lnRef idx="2">
+        <a:scrgbClr r="0" g="0" b="0"/>
+      </a:lnRef>
+      <a:fillRef idx="1">
+        <a:scrgbClr r="0" g="0" b="0"/>
+      </a:fillRef>
+      <a:effectRef idx="0">
+        <a:scrgbClr r="0" g="0" b="0"/>
+      </a:effectRef>
+      <a:fontRef idx="minor">
+        <a:schemeClr val="lt1"/>
+      </a:fontRef>
+    </dgm:style>
+  </dgm:styleLbl>
+  <dgm:styleLbl name="parChTrans2D4">
+    <dgm:scene3d>
+      <a:camera prst="orthographicFront"/>
+      <a:lightRig rig="threePt" dir="t"/>
+    </dgm:scene3d>
+    <dgm:sp3d/>
+    <dgm:txPr/>
+    <dgm:style>
+      <a:lnRef idx="2">
+        <a:scrgbClr r="0" g="0" b="0"/>
+      </a:lnRef>
+      <a:fillRef idx="1">
+        <a:scrgbClr r="0" g="0" b="0"/>
+      </a:fillRef>
+      <a:effectRef idx="0">
+        <a:scrgbClr r="0" g="0" b="0"/>
+      </a:effectRef>
+      <a:fontRef idx="minor">
+        <a:schemeClr val="lt1"/>
+      </a:fontRef>
+    </dgm:style>
+  </dgm:styleLbl>
+  <dgm:styleLbl name="parChTrans1D1">
+    <dgm:scene3d>
+      <a:camera prst="orthographicFront"/>
+      <a:lightRig rig="threePt" dir="t"/>
+    </dgm:scene3d>
+    <dgm:sp3d/>
+    <dgm:txPr/>
+    <dgm:style>
+      <a:lnRef idx="2">
+        <a:scrgbClr r="0" g="0" b="0"/>
+      </a:lnRef>
+      <a:fillRef idx="0">
+        <a:scrgbClr r="0" g="0" b="0"/>
+      </a:fillRef>
+      <a:effectRef idx="0">
+        <a:scrgbClr r="0" g="0" b="0"/>
+      </a:effectRef>
+      <a:fontRef idx="minor"/>
+    </dgm:style>
+  </dgm:styleLbl>
+  <dgm:styleLbl name="parChTrans1D2">
+    <dgm:scene3d>
+      <a:camera prst="orthographicFront"/>
+      <a:lightRig rig="threePt" dir="t"/>
+    </dgm:scene3d>
+    <dgm:sp3d/>
+    <dgm:txPr/>
+    <dgm:style>
+      <a:lnRef idx="2">
+        <a:scrgbClr r="0" g="0" b="0"/>
+      </a:lnRef>
+      <a:fillRef idx="0">
+        <a:scrgbClr r="0" g="0" b="0"/>
+      </a:fillRef>
+      <a:effectRef idx="0">
+        <a:scrgbClr r="0" g="0" b="0"/>
+      </a:effectRef>
+      <a:fontRef idx="minor"/>
+    </dgm:style>
+  </dgm:styleLbl>
+  <dgm:styleLbl name="parChTrans1D3">
+    <dgm:scene3d>
+      <a:camera prst="orthographicFront"/>
+      <a:lightRig rig="threePt" dir="t"/>
+    </dgm:scene3d>
+    <dgm:sp3d/>
+    <dgm:txPr/>
+    <dgm:style>
+      <a:lnRef idx="2">
+        <a:scrgbClr r="0" g="0" b="0"/>
+      </a:lnRef>
+      <a:fillRef idx="0">
+        <a:scrgbClr r="0" g="0" b="0"/>
+      </a:fillRef>
+      <a:effectRef idx="0">
+        <a:scrgbClr r="0" g="0" b="0"/>
+      </a:effectRef>
+      <a:fontRef idx="minor"/>
+    </dgm:style>
+  </dgm:styleLbl>
+  <dgm:styleLbl name="parChTrans1D4">
+    <dgm:scene3d>
+      <a:camera prst="orthographicFront"/>
+      <a:lightRig rig="threePt" dir="t"/>
+    </dgm:scene3d>
+    <dgm:sp3d/>
+    <dgm:txPr/>
+    <dgm:style>
+      <a:lnRef idx="2">
+        <a:scrgbClr r="0" g="0" b="0"/>
+      </a:lnRef>
+      <a:fillRef idx="0">
+        <a:scrgbClr r="0" g="0" b="0"/>
+      </a:fillRef>
+      <a:effectRef idx="0">
+        <a:scrgbClr r="0" g="0" b="0"/>
+      </a:effectRef>
+      <a:fontRef idx="minor"/>
+    </dgm:style>
+  </dgm:styleLbl>
+  <dgm:styleLbl name="fgAcc1">
+    <dgm:scene3d>
+      <a:camera prst="orthographicFront"/>
+      <a:lightRig rig="threePt" dir="t"/>
+    </dgm:scene3d>
+    <dgm:sp3d/>
+    <dgm:txPr/>
+    <dgm:style>
+      <a:lnRef idx="2">
+        <a:scrgbClr r="0" g="0" b="0"/>
+      </a:lnRef>
+      <a:fillRef idx="1">
+        <a:scrgbClr r="0" g="0" b="0"/>
+      </a:fillRef>
+      <a:effectRef idx="0">
+        <a:scrgbClr r="0" g="0" b="0"/>
+      </a:effectRef>
+      <a:fontRef idx="minor"/>
+    </dgm:style>
+  </dgm:styleLbl>
+  <dgm:styleLbl name="conFgAcc1">
+    <dgm:scene3d>
+      <a:camera prst="orthographicFront"/>
+      <a:lightRig rig="threePt" dir="t"/>
+    </dgm:scene3d>
+    <dgm:sp3d/>
+    <dgm:txPr/>
+    <dgm:style>
+      <a:lnRef idx="2">
+        <a:scrgbClr r="0" g="0" b="0"/>
+      </a:lnRef>
+      <a:fillRef idx="1">
+        <a:scrgbClr r="0" g="0" b="0"/>
+      </a:fillRef>
+      <a:effectRef idx="0">
+        <a:scrgbClr r="0" g="0" b="0"/>
+      </a:effectRef>
+      <a:fontRef idx="minor"/>
+    </dgm:style>
+  </dgm:styleLbl>
+  <dgm:styleLbl name="alignAcc1">
+    <dgm:scene3d>
+      <a:camera prst="orthographicFront"/>
+      <a:lightRig rig="threePt" dir="t"/>
+    </dgm:scene3d>
+    <dgm:sp3d/>
+    <dgm:txPr/>
+    <dgm:style>
+      <a:lnRef idx="2">
+        <a:scrgbClr r="0" g="0" b="0"/>
+      </a:lnRef>
+      <a:fillRef idx="1">
+        <a:scrgbClr r="0" g="0" b="0"/>
+      </a:fillRef>
+      <a:effectRef idx="0">
+        <a:scrgbClr r="0" g="0" b="0"/>
+      </a:effectRef>
+      <a:fontRef idx="minor"/>
+    </dgm:style>
+  </dgm:styleLbl>
+  <dgm:styleLbl name="trAlignAcc1">
+    <dgm:scene3d>
+      <a:camera prst="orthographicFront"/>
+      <a:lightRig rig="threePt" dir="t"/>
+    </dgm:scene3d>
+    <dgm:sp3d/>
+    <dgm:txPr/>
+    <dgm:style>
+      <a:lnRef idx="1">
+        <a:scrgbClr r="0" g="0" b="0"/>
+      </a:lnRef>
+      <a:fillRef idx="1">
+        <a:scrgbClr r="0" g="0" b="0"/>
+      </a:fillRef>
+      <a:effectRef idx="0">
+        <a:scrgbClr r="0" g="0" b="0"/>
+      </a:effectRef>
+      <a:fontRef idx="minor"/>
+    </dgm:style>
+  </dgm:styleLbl>
+  <dgm:styleLbl name="bgAcc1">
+    <dgm:scene3d>
+      <a:camera prst="orthographicFront"/>
+      <a:lightRig rig="threePt" dir="t"/>
+    </dgm:scene3d>
+    <dgm:sp3d/>
+    <dgm:txPr/>
+    <dgm:style>
+      <a:lnRef idx="2">
+        <a:scrgbClr r="0" g="0" b="0"/>
+      </a:lnRef>
+      <a:fillRef idx="1">
+        <a:scrgbClr r="0" g="0" b="0"/>
+      </a:fillRef>
+      <a:effectRef idx="0">
+        <a:scrgbClr r="0" g="0" b="0"/>
+      </a:effectRef>
+      <a:fontRef idx="minor"/>
+    </dgm:style>
+  </dgm:styleLbl>
+  <dgm:styleLbl name="solidFgAcc1">
+    <dgm:scene3d>
+      <a:camera prst="orthographicFront"/>
+      <a:lightRig rig="threePt" dir="t"/>
+    </dgm:scene3d>
+    <dgm:sp3d/>
+    <dgm:txPr/>
+    <dgm:style>
+      <a:lnRef idx="2">
+        <a:scrgbClr r="0" g="0" b="0"/>
+      </a:lnRef>
+      <a:fillRef idx="1">
+        <a:scrgbClr r="0" g="0" b="0"/>
+      </a:fillRef>
+      <a:effectRef idx="0">
+        <a:scrgbClr r="0" g="0" b="0"/>
+      </a:effectRef>
+      <a:fontRef idx="minor"/>
+    </dgm:style>
+  </dgm:styleLbl>
+  <dgm:styleLbl name="solidAlignAcc1">
+    <dgm:scene3d>
+      <a:camera prst="orthographicFront"/>
+      <a:lightRig rig="threePt" dir="t"/>
+    </dgm:scene3d>
+    <dgm:sp3d/>
+    <dgm:txPr/>
+    <dgm:style>
+      <a:lnRef idx="2">
+        <a:scrgbClr r="0" g="0" b="0"/>
+      </a:lnRef>
+      <a:fillRef idx="1">
+        <a:scrgbClr r="0" g="0" b="0"/>
+      </a:fillRef>
+      <a:effectRef idx="0">
+        <a:scrgbClr r="0" g="0" b="0"/>
+      </a:effectRef>
+      <a:fontRef idx="minor"/>
+    </dgm:style>
+  </dgm:styleLbl>
+  <dgm:styleLbl name="solidBgAcc1">
+    <dgm:scene3d>
+      <a:camera prst="orthographicFront"/>
+      <a:lightRig rig="threePt" dir="t"/>
+    </dgm:scene3d>
+    <dgm:sp3d/>
+    <dgm:txPr/>
+    <dgm:style>
+      <a:lnRef idx="2">
+        <a:scrgbClr r="0" g="0" b="0"/>
+      </a:lnRef>
+      <a:fillRef idx="1">
+        <a:scrgbClr r="0" g="0" b="0"/>
+      </a:fillRef>
+      <a:effectRef idx="0">
+        <a:scrgbClr r="0" g="0" b="0"/>
+      </a:effectRef>
+      <a:fontRef idx="minor"/>
+    </dgm:style>
+  </dgm:styleLbl>
+  <dgm:styleLbl name="fgAccFollowNode1">
+    <dgm:scene3d>
+      <a:camera prst="orthographicFront"/>
+      <a:lightRig rig="threePt" dir="t"/>
+    </dgm:scene3d>
+    <dgm:sp3d/>
+    <dgm:txPr/>
+    <dgm:style>
+      <a:lnRef idx="2">
+        <a:scrgbClr r="0" g="0" b="0"/>
+      </a:lnRef>
+      <a:fillRef idx="1">
+        <a:scrgbClr r="0" g="0" b="0"/>
+      </a:fillRef>
+      <a:effectRef idx="0">
+        <a:scrgbClr r="0" g="0" b="0"/>
+      </a:effectRef>
+      <a:fontRef idx="minor"/>
+    </dgm:style>
+  </dgm:styleLbl>
+  <dgm:styleLbl name="alignAccFollowNode1">
+    <dgm:scene3d>
+      <a:camera prst="orthographicFront"/>
+      <a:lightRig rig="threePt" dir="t"/>
+    </dgm:scene3d>
+    <dgm:sp3d/>
+    <dgm:txPr/>
+    <dgm:style>
+      <a:lnRef idx="2">
+        <a:scrgbClr r="0" g="0" b="0"/>
+      </a:lnRef>
+      <a:fillRef idx="1">
+        <a:scrgbClr r="0" g="0" b="0"/>
+      </a:fillRef>
+      <a:effectRef idx="0">
+        <a:scrgbClr r="0" g="0" b="0"/>
+      </a:effectRef>
+      <a:fontRef idx="minor"/>
+    </dgm:style>
+  </dgm:styleLbl>
+  <dgm:styleLbl name="bgAccFollowNode1">
+    <dgm:scene3d>
+      <a:camera prst="orthographicFront"/>
+      <a:lightRig rig="threePt" dir="t"/>
+    </dgm:scene3d>
+    <dgm:sp3d/>
+    <dgm:txPr/>
+    <dgm:style>
+      <a:lnRef idx="2">
+        <a:scrgbClr r="0" g="0" b="0"/>
+      </a:lnRef>
+      <a:fillRef idx="1">
+        <a:scrgbClr r="0" g="0" b="0"/>
+      </a:fillRef>
+      <a:effectRef idx="0">
+        <a:scrgbClr r="0" g="0" b="0"/>
+      </a:effectRef>
+      <a:fontRef idx="minor"/>
+    </dgm:style>
+  </dgm:styleLbl>
+  <dgm:styleLbl name="fgAcc0">
+    <dgm:scene3d>
+      <a:camera prst="orthographicFront"/>
+      <a:lightRig rig="threePt" dir="t"/>
+    </dgm:scene3d>
+    <dgm:sp3d/>
+    <dgm:txPr/>
+    <dgm:style>
+      <a:lnRef idx="2">
+        <a:scrgbClr r="0" g="0" b="0"/>
+      </a:lnRef>
+      <a:fillRef idx="1">
+        <a:scrgbClr r="0" g="0" b="0"/>
+      </a:fillRef>
+      <a:effectRef idx="0">
+        <a:scrgbClr r="0" g="0" b="0"/>
+      </a:effectRef>
+      <a:fontRef idx="minor"/>
+    </dgm:style>
+  </dgm:styleLbl>
+  <dgm:styleLbl name="fgAcc2">
+    <dgm:scene3d>
+      <a:camera prst="orthographicFront"/>
+      <a:lightRig rig="threePt" dir="t"/>
+    </dgm:scene3d>
+    <dgm:sp3d/>
+    <dgm:txPr/>
+    <dgm:style>
+      <a:lnRef idx="2">
+        <a:scrgbClr r="0" g="0" b="0"/>
+      </a:lnRef>
+      <a:fillRef idx="1">
+        <a:scrgbClr r="0" g="0" b="0"/>
+      </a:fillRef>
+      <a:effectRef idx="0">
+        <a:scrgbClr r="0" g="0" b="0"/>
+      </a:effectRef>
+      <a:fontRef idx="minor"/>
+    </dgm:style>
+  </dgm:styleLbl>
+  <dgm:styleLbl name="fgAcc3">
+    <dgm:scene3d>
+      <a:camera prst="orthographicFront"/>
+      <a:lightRig rig="threePt" dir="t"/>
+    </dgm:scene3d>
+    <dgm:sp3d/>
+    <dgm:txPr/>
+    <dgm:style>
+      <a:lnRef idx="2">
+        <a:scrgbClr r="0" g="0" b="0"/>
+      </a:lnRef>
+      <a:fillRef idx="1">
+        <a:scrgbClr r="0" g="0" b="0"/>
+      </a:fillRef>
+      <a:effectRef idx="0">
+        <a:scrgbClr r="0" g="0" b="0"/>
+      </a:effectRef>
+      <a:fontRef idx="minor"/>
+    </dgm:style>
+  </dgm:styleLbl>
+  <dgm:styleLbl name="fgAcc4">
+    <dgm:scene3d>
+      <a:camera prst="orthographicFront"/>
+      <a:lightRig rig="threePt" dir="t"/>
+    </dgm:scene3d>
+    <dgm:sp3d/>
+    <dgm:txPr/>
+    <dgm:style>
+      <a:lnRef idx="2">
+        <a:scrgbClr r="0" g="0" b="0"/>
+      </a:lnRef>
+      <a:fillRef idx="1">
+        <a:scrgbClr r="0" g="0" b="0"/>
+      </a:fillRef>
+      <a:effectRef idx="0">
+        <a:scrgbClr r="0" g="0" b="0"/>
+      </a:effectRef>
+      <a:fontRef idx="minor"/>
+    </dgm:style>
+  </dgm:styleLbl>
+  <dgm:styleLbl name="bgShp">
+    <dgm:scene3d>
+      <a:camera prst="orthographicFront"/>
+      <a:lightRig rig="threePt" dir="t"/>
+    </dgm:scene3d>
+    <dgm:sp3d/>
+    <dgm:txPr/>
+    <dgm:style>
+      <a:lnRef idx="0">
+        <a:scrgbClr r="0" g="0" b="0"/>
+      </a:lnRef>
+      <a:fillRef idx="1">
+        <a:scrgbClr r="0" g="0" b="0"/>
+      </a:fillRef>
+      <a:effectRef idx="0">
+        <a:scrgbClr r="0" g="0" b="0"/>
+      </a:effectRef>
+      <a:fontRef idx="minor"/>
+    </dgm:style>
+  </dgm:styleLbl>
+  <dgm:styleLbl name="dkBgShp">
+    <dgm:scene3d>
+      <a:camera prst="orthographicFront"/>
+      <a:lightRig rig="threePt" dir="t"/>
+    </dgm:scene3d>
+    <dgm:sp3d/>
+    <dgm:txPr/>
+    <dgm:style>
+      <a:lnRef idx="0">
+        <a:scrgbClr r="0" g="0" b="0"/>
+      </a:lnRef>
+      <a:fillRef idx="1">
+        <a:scrgbClr r="0" g="0" b="0"/>
+      </a:fillRef>
+      <a:effectRef idx="0">
+        <a:scrgbClr r="0" g="0" b="0"/>
+      </a:effectRef>
+      <a:fontRef idx="minor"/>
+    </dgm:style>
+  </dgm:styleLbl>
+  <dgm:styleLbl name="trBgShp">
+    <dgm:scene3d>
+      <a:camera prst="orthographicFront"/>
+      <a:lightRig rig="threePt" dir="t"/>
+    </dgm:scene3d>
+    <dgm:sp3d/>
+    <dgm:txPr/>
+    <dgm:style>
+      <a:lnRef idx="0">
+        <a:scrgbClr r="0" g="0" b="0"/>
+      </a:lnRef>
+      <a:fillRef idx="1">
+        <a:scrgbClr r="0" g="0" b="0"/>
+      </a:fillRef>
+      <a:effectRef idx="0">
+        <a:scrgbClr r="0" g="0" b="0"/>
+      </a:effectRef>
+      <a:fontRef idx="minor"/>
+    </dgm:style>
+  </dgm:styleLbl>
+  <dgm:styleLbl name="fgShp">
+    <dgm:scene3d>
+      <a:camera prst="orthographicFront"/>
+      <a:lightRig rig="threePt" dir="t"/>
+    </dgm:scene3d>
+    <dgm:sp3d/>
+    <dgm:txPr/>
+    <dgm:style>
+      <a:lnRef idx="2">
+        <a:scrgbClr r="0" g="0" b="0"/>
+      </a:lnRef>
+      <a:fillRef idx="1">
+        <a:scrgbClr r="0" g="0" b="0"/>
+      </a:fillRef>
+      <a:effectRef idx="0">
+        <a:scrgbClr r="0" g="0" b="0"/>
+      </a:effectRef>
+      <a:fontRef idx="minor"/>
+    </dgm:style>
+  </dgm:styleLbl>
+  <dgm:styleLbl name="revTx">
+    <dgm:scene3d>
+      <a:camera prst="orthographicFront"/>
+      <a:lightRig rig="threePt" dir="t"/>
+    </dgm:scene3d>
+    <dgm:sp3d/>
+    <dgm:txPr/>
+    <dgm:style>
+      <a:lnRef idx="0">
+        <a:scrgbClr r="0" g="0" b="0"/>
+      </a:lnRef>
+      <a:fillRef idx="0">
+        <a:scrgbClr r="0" g="0" b="0"/>
+      </a:fillRef>
+      <a:effectRef idx="0">
+        <a:scrgbClr r="0" g="0" b="0"/>
+      </a:effectRef>
+      <a:fontRef idx="minor"/>
+    </dgm:style>
+  </dgm:styleLbl>
+</dgm:styleDef>
 </file>
 
 <file path=ppt/notesMasters/notesMaster1.xml><?xml version="1.0" encoding="utf-8"?>
@@ -5577,6 +8866,14 @@
 <file path=ppt/slides/slide1.xml><?xml version="1.0" encoding="utf-8"?>
 <p:sld xmlns:a="http://schemas.openxmlformats.org/drawingml/2006/main" xmlns:r="http://schemas.openxmlformats.org/officeDocument/2006/relationships" xmlns:p="http://schemas.openxmlformats.org/presentationml/2006/main">
   <p:cSld>
+    <p:bg>
+      <p:bgPr>
+        <a:solidFill>
+          <a:schemeClr val="bg1"/>
+        </a:solidFill>
+        <a:effectLst/>
+      </p:bgPr>
+    </p:bg>
     <p:spTree>
       <p:nvGrpSpPr>
         <p:cNvPr id="1" name=""/>
@@ -5593,23 +8890,101 @@
       </p:grpSpPr>
       <p:sp>
         <p:nvSpPr>
-          <p:cNvPr id="2" name="Title 1">
+          <p:cNvPr id="10" name="Freeform 6">
             <a:extLst>
               <a:ext uri="{FF2B5EF4-FFF2-40B4-BE49-F238E27FC236}">
-                <a16:creationId xmlns:a16="http://schemas.microsoft.com/office/drawing/2014/main" id="{F22D5049-868D-BD4F-826C-2B4325BD2FE5}"/>
+                <a16:creationId xmlns:a16="http://schemas.microsoft.com/office/drawing/2014/main" id="{69D184B2-2226-4E31-BCCB-444330767440}"/>
+              </a:ext>
+              <a:ext uri="{C183D7F6-B498-43B3-948B-1728B52AA6E4}">
+                <adec:decorative xmlns:adec="http://schemas.microsoft.com/office/drawing/2017/decorative" val="1"/>
               </a:ext>
             </a:extLst>
           </p:cNvPr>
           <p:cNvSpPr>
-            <a:spLocks noGrp="1"/>
+            <a:spLocks noGrp="1" noRot="1" noChangeAspect="1" noMove="1" noResize="1" noEditPoints="1" noAdjustHandles="1" noChangeArrowheads="1" noChangeShapeType="1" noTextEdit="1"/>
           </p:cNvSpPr>
           <p:nvPr>
-            <p:ph type="ctrTitle"/>
+            <p:extLst>
+              <p:ext uri="{386F3935-93C4-4BCD-93E2-E3B085C9AB24}">
+                <p16:designElem xmlns:p16="http://schemas.microsoft.com/office/powerpoint/2015/main" val="1"/>
+              </p:ext>
+            </p:extLst>
           </p:nvPr>
         </p:nvSpPr>
-        <p:spPr/>
+        <p:spPr bwMode="auto">
+          <a:xfrm>
+            <a:off x="11118533" y="918266"/>
+            <a:ext cx="706127" cy="5863534"/>
+          </a:xfrm>
+          <a:custGeom>
+            <a:avLst/>
+            <a:gdLst>
+              <a:gd name="T0" fmla="*/ 414 w 414"/>
+              <a:gd name="T1" fmla="*/ 2447 h 2447"/>
+              <a:gd name="T2" fmla="*/ 0 w 414"/>
+              <a:gd name="T3" fmla="*/ 2247 h 2447"/>
+              <a:gd name="T4" fmla="*/ 0 w 414"/>
+              <a:gd name="T5" fmla="*/ 0 h 2447"/>
+              <a:gd name="T6" fmla="*/ 414 w 414"/>
+              <a:gd name="T7" fmla="*/ 200 h 2447"/>
+              <a:gd name="T8" fmla="*/ 414 w 414"/>
+              <a:gd name="T9" fmla="*/ 2447 h 2447"/>
+            </a:gdLst>
+            <a:ahLst/>
+            <a:cxnLst>
+              <a:cxn ang="0">
+                <a:pos x="T0" y="T1"/>
+              </a:cxn>
+              <a:cxn ang="0">
+                <a:pos x="T2" y="T3"/>
+              </a:cxn>
+              <a:cxn ang="0">
+                <a:pos x="T4" y="T5"/>
+              </a:cxn>
+              <a:cxn ang="0">
+                <a:pos x="T6" y="T7"/>
+              </a:cxn>
+              <a:cxn ang="0">
+                <a:pos x="T8" y="T9"/>
+              </a:cxn>
+            </a:cxnLst>
+            <a:rect l="0" t="0" r="r" b="b"/>
+            <a:pathLst>
+              <a:path w="414" h="2447">
+                <a:moveTo>
+                  <a:pt x="414" y="2447"/>
+                </a:moveTo>
+                <a:lnTo>
+                  <a:pt x="0" y="2247"/>
+                </a:lnTo>
+                <a:lnTo>
+                  <a:pt x="0" y="0"/>
+                </a:lnTo>
+                <a:lnTo>
+                  <a:pt x="414" y="200"/>
+                </a:lnTo>
+                <a:lnTo>
+                  <a:pt x="414" y="2447"/>
+                </a:lnTo>
+                <a:close/>
+              </a:path>
+            </a:pathLst>
+          </a:custGeom>
+          <a:solidFill>
+            <a:schemeClr val="accent1">
+              <a:lumMod val="75000"/>
+            </a:schemeClr>
+          </a:solidFill>
+          <a:ln>
+            <a:noFill/>
+          </a:ln>
+        </p:spPr>
         <p:txBody>
-          <a:bodyPr/>
+          <a:bodyPr vert="horz" wrap="square" lIns="91440" tIns="45720" rIns="91440" bIns="45720" numCol="1" anchor="t" anchorCtr="0" compatLnSpc="1">
+            <a:prstTxWarp prst="textNoShape">
+              <a:avLst/>
+            </a:prstTxWarp>
+          </a:bodyPr>
           <a:lstStyle/>
           <a:p>
             <a:endParaRPr lang="en-US"/>
@@ -5618,29 +8993,697 @@
       </p:sp>
       <p:sp>
         <p:nvSpPr>
-          <p:cNvPr id="3" name="Subtitle 2">
+          <p:cNvPr id="12" name="Freeform 7">
             <a:extLst>
               <a:ext uri="{FF2B5EF4-FFF2-40B4-BE49-F238E27FC236}">
-                <a16:creationId xmlns:a16="http://schemas.microsoft.com/office/drawing/2014/main" id="{E45B2B63-6741-F941-B9DE-6AAC6C4FCD77}"/>
+                <a16:creationId xmlns:a16="http://schemas.microsoft.com/office/drawing/2014/main" id="{1AC4D4E3-486A-464A-8EC8-D44881097267}"/>
+              </a:ext>
+              <a:ext uri="{C183D7F6-B498-43B3-948B-1728B52AA6E4}">
+                <adec:decorative xmlns:adec="http://schemas.microsoft.com/office/drawing/2017/decorative" val="1"/>
               </a:ext>
             </a:extLst>
           </p:cNvPr>
           <p:cNvSpPr>
-            <a:spLocks noGrp="1"/>
+            <a:spLocks noGrp="1" noRot="1" noChangeAspect="1" noMove="1" noResize="1" noEditPoints="1" noAdjustHandles="1" noChangeArrowheads="1" noChangeShapeType="1" noTextEdit="1"/>
           </p:cNvSpPr>
           <p:nvPr>
-            <p:ph type="subTitle" idx="1"/>
+            <p:extLst>
+              <p:ext uri="{386F3935-93C4-4BCD-93E2-E3B085C9AB24}">
+                <p16:designElem xmlns:p16="http://schemas.microsoft.com/office/powerpoint/2015/main" val="1"/>
+              </p:ext>
+            </p:extLst>
           </p:nvPr>
         </p:nvSpPr>
-        <p:spPr/>
+        <p:spPr bwMode="auto">
+          <a:xfrm>
+            <a:off x="11117879" y="643467"/>
+            <a:ext cx="420307" cy="5668919"/>
+          </a:xfrm>
+          <a:custGeom>
+            <a:avLst/>
+            <a:gdLst>
+              <a:gd name="T0" fmla="*/ 209 w 209"/>
+              <a:gd name="T1" fmla="*/ 2246 h 2358"/>
+              <a:gd name="T2" fmla="*/ 0 w 209"/>
+              <a:gd name="T3" fmla="*/ 2358 h 2358"/>
+              <a:gd name="T4" fmla="*/ 0 w 209"/>
+              <a:gd name="T5" fmla="*/ 111 h 2358"/>
+              <a:gd name="T6" fmla="*/ 209 w 209"/>
+              <a:gd name="T7" fmla="*/ 0 h 2358"/>
+              <a:gd name="T8" fmla="*/ 209 w 209"/>
+              <a:gd name="T9" fmla="*/ 2246 h 2358"/>
+            </a:gdLst>
+            <a:ahLst/>
+            <a:cxnLst>
+              <a:cxn ang="0">
+                <a:pos x="T0" y="T1"/>
+              </a:cxn>
+              <a:cxn ang="0">
+                <a:pos x="T2" y="T3"/>
+              </a:cxn>
+              <a:cxn ang="0">
+                <a:pos x="T4" y="T5"/>
+              </a:cxn>
+              <a:cxn ang="0">
+                <a:pos x="T6" y="T7"/>
+              </a:cxn>
+              <a:cxn ang="0">
+                <a:pos x="T8" y="T9"/>
+              </a:cxn>
+            </a:cxnLst>
+            <a:rect l="0" t="0" r="r" b="b"/>
+            <a:pathLst>
+              <a:path w="209" h="2358">
+                <a:moveTo>
+                  <a:pt x="209" y="2246"/>
+                </a:moveTo>
+                <a:lnTo>
+                  <a:pt x="0" y="2358"/>
+                </a:lnTo>
+                <a:lnTo>
+                  <a:pt x="0" y="111"/>
+                </a:lnTo>
+                <a:lnTo>
+                  <a:pt x="209" y="0"/>
+                </a:lnTo>
+                <a:lnTo>
+                  <a:pt x="209" y="2246"/>
+                </a:lnTo>
+                <a:close/>
+              </a:path>
+            </a:pathLst>
+          </a:custGeom>
+          <a:solidFill>
+            <a:schemeClr val="accent1">
+              <a:lumMod val="50000"/>
+            </a:schemeClr>
+          </a:solidFill>
+          <a:ln>
+            <a:noFill/>
+          </a:ln>
+        </p:spPr>
         <p:txBody>
-          <a:bodyPr/>
+          <a:bodyPr vert="horz" wrap="square" lIns="91440" tIns="45720" rIns="91440" bIns="45720" numCol="1" anchor="t" anchorCtr="0" compatLnSpc="1">
+            <a:prstTxWarp prst="textNoShape">
+              <a:avLst/>
+            </a:prstTxWarp>
+          </a:bodyPr>
           <a:lstStyle/>
           <a:p>
             <a:endParaRPr lang="en-US"/>
           </a:p>
         </p:txBody>
       </p:sp>
+      <p:sp>
+        <p:nvSpPr>
+          <p:cNvPr id="14" name="Rectangle 13">
+            <a:extLst>
+              <a:ext uri="{FF2B5EF4-FFF2-40B4-BE49-F238E27FC236}">
+                <a16:creationId xmlns:a16="http://schemas.microsoft.com/office/drawing/2014/main" id="{864DE13E-58EB-4475-B79C-0D4FC651239B}"/>
+              </a:ext>
+              <a:ext uri="{C183D7F6-B498-43B3-948B-1728B52AA6E4}">
+                <adec:decorative xmlns:adec="http://schemas.microsoft.com/office/drawing/2017/decorative" val="1"/>
+              </a:ext>
+            </a:extLst>
+          </p:cNvPr>
+          <p:cNvSpPr>
+            <a:spLocks noGrp="1" noRot="1" noChangeAspect="1" noMove="1" noResize="1" noEditPoints="1" noAdjustHandles="1" noChangeArrowheads="1" noChangeShapeType="1" noTextEdit="1"/>
+          </p:cNvSpPr>
+          <p:nvPr>
+            <p:extLst>
+              <p:ext uri="{386F3935-93C4-4BCD-93E2-E3B085C9AB24}">
+                <p16:designElem xmlns:p16="http://schemas.microsoft.com/office/powerpoint/2015/main" val="1"/>
+              </p:ext>
+            </p:extLst>
+          </p:nvPr>
+        </p:nvSpPr>
+        <p:spPr bwMode="auto">
+          <a:xfrm>
+            <a:off x="638387" y="643467"/>
+            <a:ext cx="10933503" cy="5391944"/>
+          </a:xfrm>
+          <a:prstGeom prst="rect">
+            <a:avLst/>
+          </a:prstGeom>
+          <a:solidFill>
+            <a:srgbClr val="FFFFFF"/>
+          </a:solidFill>
+          <a:ln w="12700">
+            <a:solidFill>
+              <a:schemeClr val="accent1"/>
+            </a:solidFill>
+            <a:miter lim="800000"/>
+          </a:ln>
+        </p:spPr>
+        <p:txBody>
+          <a:bodyPr vert="horz" wrap="square" lIns="91440" tIns="45720" rIns="91440" bIns="45720" numCol="1" anchor="t" anchorCtr="0" compatLnSpc="1">
+            <a:prstTxWarp prst="textNoShape">
+              <a:avLst/>
+            </a:prstTxWarp>
+          </a:bodyPr>
+          <a:lstStyle/>
+          <a:p>
+            <a:endParaRPr lang="en-US"/>
+          </a:p>
+        </p:txBody>
+      </p:sp>
+      <p:graphicFrame>
+        <p:nvGraphicFramePr>
+          <p:cNvPr id="5" name="Table 4">
+            <a:extLst>
+              <a:ext uri="{FF2B5EF4-FFF2-40B4-BE49-F238E27FC236}">
+                <a16:creationId xmlns:a16="http://schemas.microsoft.com/office/drawing/2014/main" id="{2075CC9A-30DD-9A48-8D83-4BCC61CC62A8}"/>
+              </a:ext>
+            </a:extLst>
+          </p:cNvPr>
+          <p:cNvGraphicFramePr>
+            <a:graphicFrameLocks noGrp="1"/>
+          </p:cNvGraphicFramePr>
+          <p:nvPr>
+            <p:extLst>
+              <p:ext uri="{D42A27DB-BD31-4B8C-83A1-F6EECF244321}">
+                <p14:modId xmlns:p14="http://schemas.microsoft.com/office/powerpoint/2010/main" val="630034782"/>
+              </p:ext>
+            </p:extLst>
+          </p:nvPr>
+        </p:nvGraphicFramePr>
+        <p:xfrm>
+          <a:off x="1263578" y="1668344"/>
+          <a:ext cx="9664847" cy="3343131"/>
+        </p:xfrm>
+        <a:graphic>
+          <a:graphicData uri="http://schemas.openxmlformats.org/drawingml/2006/table">
+            <a:tbl>
+              <a:tblPr>
+                <a:solidFill>
+                  <a:schemeClr val="bg1"/>
+                </a:solidFill>
+              </a:tblPr>
+              <a:tblGrid>
+                <a:gridCol w="5038405">
+                  <a:extLst>
+                    <a:ext uri="{9D8B030D-6E8A-4147-A177-3AD203B41FA5}">
+                      <a16:colId xmlns:a16="http://schemas.microsoft.com/office/drawing/2014/main" val="1524000626"/>
+                    </a:ext>
+                  </a:extLst>
+                </a:gridCol>
+                <a:gridCol w="4626442">
+                  <a:extLst>
+                    <a:ext uri="{9D8B030D-6E8A-4147-A177-3AD203B41FA5}">
+                      <a16:colId xmlns:a16="http://schemas.microsoft.com/office/drawing/2014/main" val="3635137685"/>
+                    </a:ext>
+                  </a:extLst>
+                </a:gridCol>
+              </a:tblGrid>
+              <a:tr h="837759">
+                <a:tc gridSpan="2">
+                  <a:txBody>
+                    <a:bodyPr/>
+                    <a:lstStyle/>
+                    <a:p>
+                      <a:pPr algn="ctr" rtl="0" fontAlgn="base"/>
+                      <a:r>
+                        <a:rPr lang="en-US" sz="1800" b="0" i="1" cap="none" spc="0">
+                          <a:solidFill>
+                            <a:schemeClr val="tx1"/>
+                          </a:solidFill>
+                          <a:effectLst/>
+                          <a:latin typeface="Calibri" panose="020F0502020204030204" pitchFamily="34" charset="0"/>
+                        </a:rPr>
+                        <a:t>Table 1: Selection Criteria</a:t>
+                      </a:r>
+                      <a:r>
+                        <a:rPr lang="en-US" sz="1800" b="0" i="0" cap="none" spc="0">
+                          <a:solidFill>
+                            <a:schemeClr val="tx1"/>
+                          </a:solidFill>
+                          <a:effectLst/>
+                          <a:latin typeface="Calibri" panose="020F0502020204030204" pitchFamily="34" charset="0"/>
+                        </a:rPr>
+                        <a:t> </a:t>
+                      </a:r>
+                      <a:endParaRPr lang="en-US" sz="1800" b="0" i="0" cap="none" spc="0">
+                        <a:solidFill>
+                          <a:schemeClr val="tx1"/>
+                        </a:solidFill>
+                        <a:effectLst/>
+                      </a:endParaRPr>
+                    </a:p>
+                    <a:p>
+                      <a:pPr algn="ctr" rtl="0" fontAlgn="base"/>
+                      <a:r>
+                        <a:rPr lang="en-US" sz="1800" b="0" i="0" cap="none" spc="0">
+                          <a:solidFill>
+                            <a:schemeClr val="tx1"/>
+                          </a:solidFill>
+                          <a:effectLst/>
+                          <a:latin typeface="Calibri" panose="020F0502020204030204" pitchFamily="34" charset="0"/>
+                        </a:rPr>
+                        <a:t> </a:t>
+                      </a:r>
+                      <a:endParaRPr lang="en-US" sz="1800" b="0" i="0" cap="none" spc="0">
+                        <a:solidFill>
+                          <a:schemeClr val="tx1"/>
+                        </a:solidFill>
+                        <a:effectLst/>
+                      </a:endParaRPr>
+                    </a:p>
+                  </a:txBody>
+                  <a:tcPr marL="154116" marR="118551" marT="118551" marB="118551">
+                    <a:lnL w="19050" cap="flat" cmpd="sng" algn="ctr">
+                      <a:solidFill>
+                        <a:schemeClr val="tx1"/>
+                      </a:solidFill>
+                      <a:prstDash val="solid"/>
+                    </a:lnL>
+                    <a:lnR w="19050" cap="flat" cmpd="sng" algn="ctr">
+                      <a:solidFill>
+                        <a:schemeClr val="tx1"/>
+                      </a:solidFill>
+                      <a:prstDash val="solid"/>
+                    </a:lnR>
+                    <a:lnT w="19050" cap="flat" cmpd="sng" algn="ctr">
+                      <a:solidFill>
+                        <a:schemeClr val="tx1"/>
+                      </a:solidFill>
+                      <a:prstDash val="solid"/>
+                    </a:lnT>
+                    <a:lnB w="19050" cap="flat" cmpd="sng" algn="ctr">
+                      <a:solidFill>
+                        <a:schemeClr val="tx1"/>
+                      </a:solidFill>
+                      <a:prstDash val="solid"/>
+                    </a:lnB>
+                    <a:noFill/>
+                  </a:tcPr>
+                </a:tc>
+                <a:tc hMerge="1">
+                  <a:txBody>
+                    <a:bodyPr/>
+                    <a:lstStyle/>
+                    <a:p>
+                      <a:endParaRPr lang="en-US"/>
+                    </a:p>
+                  </a:txBody>
+                  <a:tcPr/>
+                </a:tc>
+                <a:extLst>
+                  <a:ext uri="{0D108BD9-81ED-4DB2-BD59-A6C34878D82A}">
+                    <a16:rowId xmlns:a16="http://schemas.microsoft.com/office/drawing/2014/main" val="3557304407"/>
+                  </a:ext>
+                </a:extLst>
+              </a:tr>
+              <a:tr h="561140">
+                <a:tc>
+                  <a:txBody>
+                    <a:bodyPr/>
+                    <a:lstStyle/>
+                    <a:p>
+                      <a:pPr algn="ctr" rtl="0" fontAlgn="base"/>
+                      <a:r>
+                        <a:rPr lang="en-US" sz="1800" b="0" i="0" cap="none" spc="0">
+                          <a:solidFill>
+                            <a:schemeClr val="tx1"/>
+                          </a:solidFill>
+                          <a:effectLst/>
+                          <a:latin typeface="Calibri" panose="020F0502020204030204" pitchFamily="34" charset="0"/>
+                        </a:rPr>
+                        <a:t>Inclusion Criteria: </a:t>
+                      </a:r>
+                      <a:endParaRPr lang="en-US" sz="1800" b="0" i="0" cap="none" spc="0">
+                        <a:solidFill>
+                          <a:schemeClr val="tx1"/>
+                        </a:solidFill>
+                        <a:effectLst/>
+                      </a:endParaRPr>
+                    </a:p>
+                  </a:txBody>
+                  <a:tcPr marL="154116" marR="118551" marT="118551" marB="118551">
+                    <a:lnL w="19050" cap="flat" cmpd="sng" algn="ctr">
+                      <a:solidFill>
+                        <a:schemeClr val="tx1"/>
+                      </a:solidFill>
+                      <a:prstDash val="solid"/>
+                    </a:lnL>
+                    <a:lnR w="6350" cap="flat" cmpd="sng" algn="ctr">
+                      <a:solidFill>
+                        <a:schemeClr val="tx1">
+                          <a:lumMod val="50000"/>
+                          <a:lumOff val="50000"/>
+                        </a:schemeClr>
+                      </a:solidFill>
+                      <a:prstDash val="solid"/>
+                    </a:lnR>
+                    <a:lnT w="19050" cap="flat" cmpd="sng" algn="ctr">
+                      <a:solidFill>
+                        <a:schemeClr val="tx1"/>
+                      </a:solidFill>
+                      <a:prstDash val="solid"/>
+                    </a:lnT>
+                    <a:lnB w="19050" cap="flat" cmpd="sng" algn="ctr">
+                      <a:solidFill>
+                        <a:schemeClr val="tx1"/>
+                      </a:solidFill>
+                      <a:prstDash val="solid"/>
+                    </a:lnB>
+                    <a:noFill/>
+                  </a:tcPr>
+                </a:tc>
+                <a:tc>
+                  <a:txBody>
+                    <a:bodyPr/>
+                    <a:lstStyle/>
+                    <a:p>
+                      <a:pPr algn="ctr" rtl="0" fontAlgn="base"/>
+                      <a:r>
+                        <a:rPr lang="en-US" sz="1800" b="0" i="0" cap="none" spc="0">
+                          <a:solidFill>
+                            <a:schemeClr val="tx1"/>
+                          </a:solidFill>
+                          <a:effectLst/>
+                          <a:latin typeface="Calibri" panose="020F0502020204030204" pitchFamily="34" charset="0"/>
+                        </a:rPr>
+                        <a:t>Exclusion Criteria: </a:t>
+                      </a:r>
+                      <a:endParaRPr lang="en-US" sz="1800" b="0" i="0" cap="none" spc="0">
+                        <a:solidFill>
+                          <a:schemeClr val="tx1"/>
+                        </a:solidFill>
+                        <a:effectLst/>
+                      </a:endParaRPr>
+                    </a:p>
+                  </a:txBody>
+                  <a:tcPr marL="154116" marR="118551" marT="118551" marB="118551">
+                    <a:lnL w="6350" cap="flat" cmpd="sng" algn="ctr">
+                      <a:solidFill>
+                        <a:schemeClr val="tx1">
+                          <a:lumMod val="50000"/>
+                          <a:lumOff val="50000"/>
+                        </a:schemeClr>
+                      </a:solidFill>
+                      <a:prstDash val="solid"/>
+                    </a:lnL>
+                    <a:lnR w="19050" cap="flat" cmpd="sng" algn="ctr">
+                      <a:solidFill>
+                        <a:schemeClr val="tx1"/>
+                      </a:solidFill>
+                      <a:prstDash val="solid"/>
+                    </a:lnR>
+                    <a:lnT w="19050" cap="flat" cmpd="sng" algn="ctr">
+                      <a:solidFill>
+                        <a:schemeClr val="tx1"/>
+                      </a:solidFill>
+                      <a:prstDash val="solid"/>
+                    </a:lnT>
+                    <a:lnB w="19050" cap="flat" cmpd="sng" algn="ctr">
+                      <a:solidFill>
+                        <a:schemeClr val="tx1"/>
+                      </a:solidFill>
+                      <a:prstDash val="solid"/>
+                    </a:lnB>
+                    <a:noFill/>
+                  </a:tcPr>
+                </a:tc>
+                <a:extLst>
+                  <a:ext uri="{0D108BD9-81ED-4DB2-BD59-A6C34878D82A}">
+                    <a16:rowId xmlns:a16="http://schemas.microsoft.com/office/drawing/2014/main" val="1044030576"/>
+                  </a:ext>
+                </a:extLst>
+              </a:tr>
+              <a:tr h="1944232">
+                <a:tc>
+                  <a:txBody>
+                    <a:bodyPr/>
+                    <a:lstStyle/>
+                    <a:p>
+                      <a:pPr algn="just" rtl="0" fontAlgn="base"/>
+                      <a:r>
+                        <a:rPr lang="en-US" sz="1800" b="0" i="1" cap="none" spc="0">
+                          <a:solidFill>
+                            <a:schemeClr val="tx1"/>
+                          </a:solidFill>
+                          <a:effectLst/>
+                          <a:latin typeface="Calibri" panose="020F0502020204030204" pitchFamily="34" charset="0"/>
+                        </a:rPr>
+                        <a:t>Studies with… </a:t>
+                      </a:r>
+                      <a:r>
+                        <a:rPr lang="en-US" sz="1800" b="0" i="0" cap="none" spc="0">
+                          <a:solidFill>
+                            <a:schemeClr val="tx1"/>
+                          </a:solidFill>
+                          <a:effectLst/>
+                          <a:latin typeface="Calibri" panose="020F0502020204030204" pitchFamily="34" charset="0"/>
+                        </a:rPr>
+                        <a:t> </a:t>
+                      </a:r>
+                      <a:endParaRPr lang="en-US" sz="1800" b="0" i="0" cap="none" spc="0">
+                        <a:solidFill>
+                          <a:schemeClr val="tx1"/>
+                        </a:solidFill>
+                        <a:effectLst/>
+                      </a:endParaRPr>
+                    </a:p>
+                    <a:p>
+                      <a:pPr algn="r" rtl="0" fontAlgn="base"/>
+                      <a:r>
+                        <a:rPr lang="en-US" sz="1800" b="0" i="0" cap="none" spc="0">
+                          <a:solidFill>
+                            <a:schemeClr val="tx1"/>
+                          </a:solidFill>
+                          <a:effectLst/>
+                          <a:latin typeface="Calibri" panose="020F0502020204030204" pitchFamily="34" charset="0"/>
+                        </a:rPr>
+                        <a:t>randomized/non-randomized control studies </a:t>
+                      </a:r>
+                      <a:endParaRPr lang="en-US" sz="1800" b="0" i="0" cap="none" spc="0">
+                        <a:solidFill>
+                          <a:schemeClr val="tx1"/>
+                        </a:solidFill>
+                        <a:effectLst/>
+                      </a:endParaRPr>
+                    </a:p>
+                    <a:p>
+                      <a:pPr algn="r" rtl="0" fontAlgn="base"/>
+                      <a:r>
+                        <a:rPr lang="en-US" sz="1800" b="0" i="0" cap="none" spc="0">
+                          <a:solidFill>
+                            <a:schemeClr val="tx1"/>
+                          </a:solidFill>
+                          <a:effectLst/>
+                          <a:latin typeface="Calibri" panose="020F0502020204030204" pitchFamily="34" charset="0"/>
+                        </a:rPr>
+                        <a:t>quasiexperimental studies with demographic/criminal history </a:t>
+                      </a:r>
+                      <a:endParaRPr lang="en-US" sz="1800" b="0" i="0" cap="none" spc="0">
+                        <a:solidFill>
+                          <a:schemeClr val="tx1"/>
+                        </a:solidFill>
+                        <a:effectLst/>
+                      </a:endParaRPr>
+                    </a:p>
+                    <a:p>
+                      <a:pPr algn="r" rtl="0" fontAlgn="base"/>
+                      <a:r>
+                        <a:rPr lang="en-US" sz="1800" b="0" i="0" cap="none" spc="0">
+                          <a:solidFill>
+                            <a:schemeClr val="tx1"/>
+                          </a:solidFill>
+                          <a:effectLst/>
+                          <a:latin typeface="Calibri" panose="020F0502020204030204" pitchFamily="34" charset="0"/>
+                        </a:rPr>
+                        <a:t>focus on crime-related outcomes </a:t>
+                      </a:r>
+                      <a:endParaRPr lang="en-US" sz="1800" b="0" i="0" cap="none" spc="0">
+                        <a:solidFill>
+                          <a:schemeClr val="tx1"/>
+                        </a:solidFill>
+                        <a:effectLst/>
+                      </a:endParaRPr>
+                    </a:p>
+                    <a:p>
+                      <a:pPr algn="r" rtl="0" fontAlgn="base"/>
+                      <a:r>
+                        <a:rPr lang="en-US" sz="1800" b="0" i="0" cap="none" spc="0">
+                          <a:solidFill>
+                            <a:schemeClr val="tx1"/>
+                          </a:solidFill>
+                          <a:effectLst/>
+                          <a:latin typeface="Calibri" panose="020F0502020204030204" pitchFamily="34" charset="0"/>
+                        </a:rPr>
+                        <a:t>information reported to calculate effect size </a:t>
+                      </a:r>
+                      <a:endParaRPr lang="en-US" sz="1800" b="0" i="0" cap="none" spc="0">
+                        <a:solidFill>
+                          <a:schemeClr val="tx1"/>
+                        </a:solidFill>
+                        <a:effectLst/>
+                      </a:endParaRPr>
+                    </a:p>
+                  </a:txBody>
+                  <a:tcPr marL="154116" marR="118551" marT="118551" marB="118551">
+                    <a:lnL w="19050" cap="flat" cmpd="sng" algn="ctr">
+                      <a:solidFill>
+                        <a:schemeClr val="tx1"/>
+                      </a:solidFill>
+                      <a:prstDash val="solid"/>
+                    </a:lnL>
+                    <a:lnR w="6350" cap="flat" cmpd="sng" algn="ctr">
+                      <a:solidFill>
+                        <a:schemeClr val="tx1">
+                          <a:lumMod val="50000"/>
+                          <a:lumOff val="50000"/>
+                        </a:schemeClr>
+                      </a:solidFill>
+                      <a:prstDash val="solid"/>
+                    </a:lnR>
+                    <a:lnT w="19050" cap="flat" cmpd="sng" algn="ctr">
+                      <a:solidFill>
+                        <a:schemeClr val="tx1"/>
+                      </a:solidFill>
+                      <a:prstDash val="solid"/>
+                    </a:lnT>
+                    <a:lnB w="19050" cap="flat" cmpd="sng" algn="ctr">
+                      <a:solidFill>
+                        <a:schemeClr val="tx1"/>
+                      </a:solidFill>
+                      <a:prstDash val="solid"/>
+                    </a:lnB>
+                    <a:noFill/>
+                  </a:tcPr>
+                </a:tc>
+                <a:tc>
+                  <a:txBody>
+                    <a:bodyPr/>
+                    <a:lstStyle/>
+                    <a:p>
+                      <a:pPr algn="l" rtl="0" fontAlgn="base"/>
+                      <a:r>
+                        <a:rPr lang="en-US" sz="1800" b="0" i="1" cap="none" spc="0">
+                          <a:solidFill>
+                            <a:schemeClr val="tx1"/>
+                          </a:solidFill>
+                          <a:effectLst/>
+                          <a:latin typeface="Calibri" panose="020F0502020204030204" pitchFamily="34" charset="0"/>
+                        </a:rPr>
+                        <a:t>Studies with… </a:t>
+                      </a:r>
+                      <a:r>
+                        <a:rPr lang="en-US" sz="1800" b="0" i="0" cap="none" spc="0">
+                          <a:solidFill>
+                            <a:schemeClr val="tx1"/>
+                          </a:solidFill>
+                          <a:effectLst/>
+                          <a:latin typeface="Calibri" panose="020F0502020204030204" pitchFamily="34" charset="0"/>
+                        </a:rPr>
+                        <a:t> </a:t>
+                      </a:r>
+                      <a:endParaRPr lang="en-US" sz="1800" b="0" i="0" cap="none" spc="0">
+                        <a:solidFill>
+                          <a:schemeClr val="tx1"/>
+                        </a:solidFill>
+                        <a:effectLst/>
+                      </a:endParaRPr>
+                    </a:p>
+                    <a:p>
+                      <a:pPr algn="r" rtl="0" fontAlgn="base"/>
+                      <a:r>
+                        <a:rPr lang="en-US" sz="1800" b="0" i="0" cap="none" spc="0">
+                          <a:solidFill>
+                            <a:schemeClr val="tx1"/>
+                          </a:solidFill>
+                          <a:effectLst/>
+                          <a:latin typeface="Calibri" panose="020F0502020204030204" pitchFamily="34" charset="0"/>
+                        </a:rPr>
+                        <a:t>pre-post testing </a:t>
+                      </a:r>
+                      <a:endParaRPr lang="en-US" sz="1800" b="0" i="0" cap="none" spc="0">
+                        <a:solidFill>
+                          <a:schemeClr val="tx1"/>
+                        </a:solidFill>
+                        <a:effectLst/>
+                      </a:endParaRPr>
+                    </a:p>
+                    <a:p>
+                      <a:pPr algn="r" rtl="0" fontAlgn="base"/>
+                      <a:r>
+                        <a:rPr lang="en-US" sz="1800" b="0" i="0" cap="none" spc="0">
+                          <a:solidFill>
+                            <a:schemeClr val="tx1"/>
+                          </a:solidFill>
+                          <a:effectLst/>
+                          <a:latin typeface="Calibri" panose="020F0502020204030204" pitchFamily="34" charset="0"/>
+                        </a:rPr>
+                        <a:t>single groups </a:t>
+                      </a:r>
+                      <a:endParaRPr lang="en-US" sz="1800" b="0" i="0" cap="none" spc="0">
+                        <a:solidFill>
+                          <a:schemeClr val="tx1"/>
+                        </a:solidFill>
+                        <a:effectLst/>
+                      </a:endParaRPr>
+                    </a:p>
+                    <a:p>
+                      <a:pPr algn="r" rtl="0" fontAlgn="base"/>
+                      <a:r>
+                        <a:rPr lang="en-US" sz="1800" b="0" i="0" cap="none" spc="0">
+                          <a:solidFill>
+                            <a:schemeClr val="tx1"/>
+                          </a:solidFill>
+                          <a:effectLst/>
+                          <a:latin typeface="Calibri" panose="020F0502020204030204" pitchFamily="34" charset="0"/>
+                        </a:rPr>
+                        <a:t>only participants that successfully completed the program </a:t>
+                      </a:r>
+                      <a:endParaRPr lang="en-US" sz="1800" b="0" i="0" cap="none" spc="0">
+                        <a:solidFill>
+                          <a:schemeClr val="tx1"/>
+                        </a:solidFill>
+                        <a:effectLst/>
+                      </a:endParaRPr>
+                    </a:p>
+                  </a:txBody>
+                  <a:tcPr marL="154116" marR="118551" marT="118551" marB="118551">
+                    <a:lnL w="6350" cap="flat" cmpd="sng" algn="ctr">
+                      <a:solidFill>
+                        <a:schemeClr val="tx1">
+                          <a:lumMod val="50000"/>
+                          <a:lumOff val="50000"/>
+                        </a:schemeClr>
+                      </a:solidFill>
+                      <a:prstDash val="solid"/>
+                    </a:lnL>
+                    <a:lnR w="19050" cap="flat" cmpd="sng" algn="ctr">
+                      <a:solidFill>
+                        <a:schemeClr val="tx1"/>
+                      </a:solidFill>
+                      <a:prstDash val="solid"/>
+                    </a:lnR>
+                    <a:lnT w="19050" cap="flat" cmpd="sng" algn="ctr">
+                      <a:solidFill>
+                        <a:schemeClr val="tx1"/>
+                      </a:solidFill>
+                      <a:prstDash val="solid"/>
+                    </a:lnT>
+                    <a:lnB w="19050" cap="flat" cmpd="sng" algn="ctr">
+                      <a:solidFill>
+                        <a:schemeClr val="tx1"/>
+                      </a:solidFill>
+                      <a:prstDash val="solid"/>
+                    </a:lnB>
+                    <a:noFill/>
+                  </a:tcPr>
+                </a:tc>
+                <a:extLst>
+                  <a:ext uri="{0D108BD9-81ED-4DB2-BD59-A6C34878D82A}">
+                    <a16:rowId xmlns:a16="http://schemas.microsoft.com/office/drawing/2014/main" val="3032353322"/>
+                  </a:ext>
+                </a:extLst>
+              </a:tr>
+            </a:tbl>
+          </a:graphicData>
+        </a:graphic>
+      </p:graphicFrame>
     </p:spTree>
     <p:extLst>
       <p:ext uri="{BB962C8B-B14F-4D97-AF65-F5344CB8AC3E}">
@@ -6062,6 +10105,139 @@
     <p:extLst>
       <p:ext uri="{BB962C8B-B14F-4D97-AF65-F5344CB8AC3E}">
         <p14:creationId xmlns:p14="http://schemas.microsoft.com/office/powerpoint/2010/main" val="135520569"/>
+      </p:ext>
+    </p:extLst>
+  </p:cSld>
+  <p:clrMapOvr>
+    <a:masterClrMapping/>
+  </p:clrMapOvr>
+</p:sld>
+</file>
+
+<file path=ppt/slides/slide3.xml><?xml version="1.0" encoding="utf-8"?>
+<p:sld xmlns:a="http://schemas.openxmlformats.org/drawingml/2006/main" xmlns:r="http://schemas.openxmlformats.org/officeDocument/2006/relationships" xmlns:p="http://schemas.openxmlformats.org/presentationml/2006/main">
+  <p:cSld>
+    <p:spTree>
+      <p:nvGrpSpPr>
+        <p:cNvPr id="1" name=""/>
+        <p:cNvGrpSpPr/>
+        <p:nvPr/>
+      </p:nvGrpSpPr>
+      <p:grpSpPr>
+        <a:xfrm>
+          <a:off x="0" y="0"/>
+          <a:ext cx="0" cy="0"/>
+          <a:chOff x="0" y="0"/>
+          <a:chExt cx="0" cy="0"/>
+        </a:xfrm>
+      </p:grpSpPr>
+      <p:graphicFrame>
+        <p:nvGraphicFramePr>
+          <p:cNvPr id="3" name="Diagram 2">
+            <a:extLst>
+              <a:ext uri="{FF2B5EF4-FFF2-40B4-BE49-F238E27FC236}">
+                <a16:creationId xmlns:a16="http://schemas.microsoft.com/office/drawing/2014/main" id="{48D31419-1419-B047-802B-CEB07A811A8B}"/>
+              </a:ext>
+            </a:extLst>
+          </p:cNvPr>
+          <p:cNvGraphicFramePr/>
+          <p:nvPr>
+            <p:extLst>
+              <p:ext uri="{D42A27DB-BD31-4B8C-83A1-F6EECF244321}">
+                <p14:modId xmlns:p14="http://schemas.microsoft.com/office/powerpoint/2010/main" val="453290126"/>
+              </p:ext>
+            </p:extLst>
+          </p:nvPr>
+        </p:nvGraphicFramePr>
+        <p:xfrm>
+          <a:off x="542925" y="671513"/>
+          <a:ext cx="11244263" cy="5700712"/>
+        </p:xfrm>
+        <a:graphic>
+          <a:graphicData uri="http://schemas.openxmlformats.org/drawingml/2006/diagram">
+            <dgm:relIds xmlns:dgm="http://schemas.openxmlformats.org/drawingml/2006/diagram" xmlns:r="http://schemas.openxmlformats.org/officeDocument/2006/relationships" r:dm="rId2" r:lo="rId3" r:qs="rId4" r:cs="rId5"/>
+          </a:graphicData>
+        </a:graphic>
+      </p:graphicFrame>
+      <p:sp>
+        <p:nvSpPr>
+          <p:cNvPr id="4" name="TextBox 3">
+            <a:extLst>
+              <a:ext uri="{FF2B5EF4-FFF2-40B4-BE49-F238E27FC236}">
+                <a16:creationId xmlns:a16="http://schemas.microsoft.com/office/drawing/2014/main" id="{E7418D67-1BD1-774C-B525-66B4C946150A}"/>
+              </a:ext>
+            </a:extLst>
+          </p:cNvPr>
+          <p:cNvSpPr txBox="1"/>
+          <p:nvPr/>
+        </p:nvSpPr>
+        <p:spPr>
+          <a:xfrm>
+            <a:off x="3914775" y="5486400"/>
+            <a:ext cx="4714875" cy="369332"/>
+          </a:xfrm>
+          <a:prstGeom prst="rect">
+            <a:avLst/>
+          </a:prstGeom>
+          <a:noFill/>
+        </p:spPr>
+        <p:txBody>
+          <a:bodyPr wrap="square" rtlCol="0">
+            <a:spAutoFit/>
+          </a:bodyPr>
+          <a:lstStyle/>
+          <a:p>
+            <a:pPr algn="ctr"/>
+            <a:r>
+              <a:rPr lang="en-US" dirty="0"/>
+              <a:t>5-Point Quality of Research Design Scale</a:t>
+            </a:r>
+          </a:p>
+        </p:txBody>
+      </p:sp>
+      <p:sp>
+        <p:nvSpPr>
+          <p:cNvPr id="5" name="TextBox 4">
+            <a:extLst>
+              <a:ext uri="{FF2B5EF4-FFF2-40B4-BE49-F238E27FC236}">
+                <a16:creationId xmlns:a16="http://schemas.microsoft.com/office/drawing/2014/main" id="{E98EA7EB-7591-BA4E-BA48-3A4DE99B8A21}"/>
+              </a:ext>
+            </a:extLst>
+          </p:cNvPr>
+          <p:cNvSpPr txBox="1"/>
+          <p:nvPr/>
+        </p:nvSpPr>
+        <p:spPr>
+          <a:xfrm>
+            <a:off x="4686300" y="155020"/>
+            <a:ext cx="4314825" cy="369332"/>
+          </a:xfrm>
+          <a:prstGeom prst="rect">
+            <a:avLst/>
+          </a:prstGeom>
+          <a:noFill/>
+        </p:spPr>
+        <p:txBody>
+          <a:bodyPr wrap="square" rtlCol="0">
+            <a:spAutoFit/>
+          </a:bodyPr>
+          <a:lstStyle/>
+          <a:p>
+            <a:r>
+              <a:rPr lang="en-US"/>
+              <a:t>Figure </a:t>
+            </a:r>
+            <a:r>
+              <a:rPr lang="en-US" dirty="0"/>
+              <a:t>1: Research Design Scale </a:t>
+            </a:r>
+          </a:p>
+        </p:txBody>
+      </p:sp>
+    </p:spTree>
+    <p:extLst>
+      <p:ext uri="{BB962C8B-B14F-4D97-AF65-F5344CB8AC3E}">
+        <p14:creationId xmlns:p14="http://schemas.microsoft.com/office/powerpoint/2010/main" val="2033176584"/>
       </p:ext>
     </p:extLst>
   </p:cSld>

--- a/Image.pptx
+++ b/Image.pptx
@@ -5,12 +5,13 @@
     <p:sldMasterId id="2147483648" r:id="rId1"/>
   </p:sldMasterIdLst>
   <p:notesMasterIdLst>
-    <p:notesMasterId r:id="rId5"/>
+    <p:notesMasterId r:id="rId6"/>
   </p:notesMasterIdLst>
   <p:sldIdLst>
     <p:sldId id="256" r:id="rId2"/>
     <p:sldId id="283" r:id="rId3"/>
     <p:sldId id="284" r:id="rId4"/>
+    <p:sldId id="285" r:id="rId5"/>
   </p:sldIdLst>
   <p:sldSz cx="12192000" cy="6858000"/>
   <p:notesSz cx="6858000" cy="9144000"/>
@@ -872,21 +873,27 @@
       <dgm:spPr/>
     </dgm:pt>
     <dgm:pt modelId="{8BD1798F-4BAC-F24D-B532-83D73B541E91}">
-      <dgm:prSet phldrT="[Text]"/>
+      <dgm:prSet phldrT="[Text]" custT="1"/>
       <dgm:spPr/>
       <dgm:t>
         <a:bodyPr/>
         <a:lstStyle/>
         <a:p>
           <a:r>
-            <a:rPr lang="en-US" dirty="0"/>
+            <a:rPr lang="en-US" sz="2000" dirty="0"/>
             <a:t>No comparison groups utilized</a:t>
           </a:r>
         </a:p>
         <a:p>
+          <a:endParaRPr lang="en-US" sz="2000" dirty="0"/>
+        </a:p>
+        <a:p>
+          <a:endParaRPr lang="en-US" sz="1400" dirty="0"/>
+        </a:p>
+        <a:p>
           <a:r>
-            <a:rPr lang="en-US" dirty="0"/>
-            <a:t>(Not included in Sample)</a:t>
+            <a:rPr lang="en-US" sz="1400" dirty="0"/>
+            <a:t>(Not included in sample)</a:t>
           </a:r>
         </a:p>
       </dgm:t>
@@ -914,20 +921,23 @@
       </dgm:t>
     </dgm:pt>
     <dgm:pt modelId="{591F1CCC-97BF-3A47-960A-F573D5C1E5BB}">
-      <dgm:prSet phldrT="[Text]"/>
+      <dgm:prSet phldrT="[Text]" custT="1"/>
       <dgm:spPr/>
       <dgm:t>
         <a:bodyPr/>
         <a:lstStyle/>
         <a:p>
           <a:r>
-            <a:rPr lang="en-US" dirty="0"/>
-            <a:t>Included program and matched comparison groups but lacked control measures</a:t>
+            <a:rPr lang="en-US" sz="1800" dirty="0"/>
+            <a:t>Program &amp; matched comparison groups with lacked control measures</a:t>
           </a:r>
         </a:p>
         <a:p>
+          <a:endParaRPr lang="en-US" sz="1400" dirty="0"/>
+        </a:p>
+        <a:p>
           <a:r>
-            <a:rPr lang="en-US" dirty="0"/>
+            <a:rPr lang="en-US" sz="1400" dirty="0"/>
             <a:t>(Not included in sample)</a:t>
           </a:r>
         </a:p>
@@ -1000,15 +1010,7 @@
         <a:p>
           <a:r>
             <a:rPr lang="en-US" dirty="0"/>
-            <a:t>Rigorous </a:t>
-          </a:r>
-          <a:r>
-            <a:rPr lang="en-US" dirty="0" err="1"/>
-            <a:t>quasiexperimental</a:t>
-          </a:r>
-          <a:r>
-            <a:rPr lang="en-US" dirty="0"/>
-            <a:t> design with matched comparison groups &amp; control measures</a:t>
+            <a:t>Rigorous quasiexperimental design with matched comparison groups &amp; control measures</a:t>
           </a:r>
         </a:p>
       </dgm:t>
@@ -1044,7 +1046,7 @@
         <a:p>
           <a:r>
             <a:rPr lang="en-US" dirty="0"/>
-            <a:t>Well-implemented randomized control comparting treatment and non-treatment groups</a:t>
+            <a:t>Well-implemented randomized control comparing treatment and non-treatment groups</a:t>
           </a:r>
         </a:p>
       </dgm:t>
@@ -1452,12 +1454,12 @@
         </a:fontRef>
       </dsp:style>
       <dsp:txBody>
-        <a:bodyPr spcFirstLastPara="0" vert="horz" wrap="square" lIns="135128" tIns="135128" rIns="135128" bIns="135128" numCol="1" spcCol="1270" anchor="ctr" anchorCtr="0">
+        <a:bodyPr spcFirstLastPara="0" vert="horz" wrap="square" lIns="142240" tIns="142240" rIns="142240" bIns="142240" numCol="1" spcCol="1270" anchor="ctr" anchorCtr="0">
           <a:noAutofit/>
         </a:bodyPr>
         <a:lstStyle/>
         <a:p>
-          <a:pPr marL="0" lvl="0" indent="0" algn="ctr" defTabSz="844550">
+          <a:pPr marL="0" lvl="0" indent="0" algn="ctr" defTabSz="889000">
             <a:lnSpc>
               <a:spcPct val="90000"/>
             </a:lnSpc>
@@ -1470,12 +1472,42 @@
             <a:buNone/>
           </a:pPr>
           <a:r>
-            <a:rPr lang="en-US" sz="1900" kern="1200" dirty="0"/>
+            <a:rPr lang="en-US" sz="2000" kern="1200" dirty="0"/>
             <a:t>No comparison groups utilized</a:t>
           </a:r>
         </a:p>
         <a:p>
-          <a:pPr marL="0" lvl="0" indent="0" algn="ctr" defTabSz="844550">
+          <a:pPr marL="0" lvl="0" indent="0" algn="ctr" defTabSz="889000">
+            <a:lnSpc>
+              <a:spcPct val="90000"/>
+            </a:lnSpc>
+            <a:spcBef>
+              <a:spcPct val="0"/>
+            </a:spcBef>
+            <a:spcAft>
+              <a:spcPct val="35000"/>
+            </a:spcAft>
+            <a:buNone/>
+          </a:pPr>
+          <a:endParaRPr lang="en-US" sz="2000" kern="1200" dirty="0"/>
+        </a:p>
+        <a:p>
+          <a:pPr marL="0" lvl="0" indent="0" algn="ctr" defTabSz="889000">
+            <a:lnSpc>
+              <a:spcPct val="90000"/>
+            </a:lnSpc>
+            <a:spcBef>
+              <a:spcPct val="0"/>
+            </a:spcBef>
+            <a:spcAft>
+              <a:spcPct val="35000"/>
+            </a:spcAft>
+            <a:buNone/>
+          </a:pPr>
+          <a:endParaRPr lang="en-US" sz="1400" kern="1200" dirty="0"/>
+        </a:p>
+        <a:p>
+          <a:pPr marL="0" lvl="0" indent="0" algn="ctr" defTabSz="889000">
             <a:lnSpc>
               <a:spcPct val="90000"/>
             </a:lnSpc>
@@ -1488,8 +1520,8 @@
             <a:buNone/>
           </a:pPr>
           <a:r>
-            <a:rPr lang="en-US" sz="1900" kern="1200" dirty="0"/>
-            <a:t>(Not included in Sample)</a:t>
+            <a:rPr lang="en-US" sz="1400" kern="1200" dirty="0"/>
+            <a:t>(Not included in sample)</a:t>
           </a:r>
         </a:p>
       </dsp:txBody>
@@ -1606,12 +1638,12 @@
         </a:fontRef>
       </dsp:style>
       <dsp:txBody>
-        <a:bodyPr spcFirstLastPara="0" vert="horz" wrap="square" lIns="135128" tIns="135128" rIns="135128" bIns="135128" numCol="1" spcCol="1270" anchor="ctr" anchorCtr="0">
+        <a:bodyPr spcFirstLastPara="0" vert="horz" wrap="square" lIns="128016" tIns="128016" rIns="128016" bIns="128016" numCol="1" spcCol="1270" anchor="ctr" anchorCtr="0">
           <a:noAutofit/>
         </a:bodyPr>
         <a:lstStyle/>
         <a:p>
-          <a:pPr marL="0" lvl="0" indent="0" algn="ctr" defTabSz="844550">
+          <a:pPr marL="0" lvl="0" indent="0" algn="ctr" defTabSz="800100">
             <a:lnSpc>
               <a:spcPct val="90000"/>
             </a:lnSpc>
@@ -1624,12 +1656,27 @@
             <a:buNone/>
           </a:pPr>
           <a:r>
-            <a:rPr lang="en-US" sz="1900" kern="1200" dirty="0"/>
-            <a:t>Included program and matched comparison groups but lacked control measures</a:t>
+            <a:rPr lang="en-US" sz="1800" kern="1200" dirty="0"/>
+            <a:t>Program &amp; matched comparison groups with lacked control measures</a:t>
           </a:r>
         </a:p>
         <a:p>
-          <a:pPr marL="0" lvl="0" indent="0" algn="ctr" defTabSz="844550">
+          <a:pPr marL="0" lvl="0" indent="0" algn="ctr" defTabSz="800100">
+            <a:lnSpc>
+              <a:spcPct val="90000"/>
+            </a:lnSpc>
+            <a:spcBef>
+              <a:spcPct val="0"/>
+            </a:spcBef>
+            <a:spcAft>
+              <a:spcPct val="35000"/>
+            </a:spcAft>
+            <a:buNone/>
+          </a:pPr>
+          <a:endParaRPr lang="en-US" sz="1400" kern="1200" dirty="0"/>
+        </a:p>
+        <a:p>
+          <a:pPr marL="0" lvl="0" indent="0" algn="ctr" defTabSz="800100">
             <a:lnSpc>
               <a:spcPct val="90000"/>
             </a:lnSpc>
@@ -1642,7 +1689,7 @@
             <a:buNone/>
           </a:pPr>
           <a:r>
-            <a:rPr lang="en-US" sz="1900" kern="1200" dirty="0"/>
+            <a:rPr lang="en-US" sz="1400" kern="1200" dirty="0"/>
             <a:t>(Not included in sample)</a:t>
           </a:r>
         </a:p>
@@ -1757,12 +1804,12 @@
         </a:fontRef>
       </dsp:style>
       <dsp:txBody>
-        <a:bodyPr spcFirstLastPara="0" vert="horz" wrap="square" lIns="135128" tIns="135128" rIns="135128" bIns="135128" numCol="1" spcCol="1270" anchor="ctr" anchorCtr="0">
+        <a:bodyPr spcFirstLastPara="0" vert="horz" wrap="square" lIns="142240" tIns="142240" rIns="142240" bIns="142240" numCol="1" spcCol="1270" anchor="ctr" anchorCtr="0">
           <a:noAutofit/>
         </a:bodyPr>
         <a:lstStyle/>
         <a:p>
-          <a:pPr marL="0" lvl="0" indent="0" algn="ctr" defTabSz="844550">
+          <a:pPr marL="0" lvl="0" indent="0" algn="ctr" defTabSz="889000">
             <a:lnSpc>
               <a:spcPct val="90000"/>
             </a:lnSpc>
@@ -1775,7 +1822,7 @@
             <a:buNone/>
           </a:pPr>
           <a:r>
-            <a:rPr lang="en-US" sz="1900" kern="1200" dirty="0"/>
+            <a:rPr lang="en-US" sz="2000" kern="1200" dirty="0"/>
             <a:t>Non-experimental design with reasonably well-matched comparison groups</a:t>
           </a:r>
         </a:p>
@@ -1890,12 +1937,12 @@
         </a:fontRef>
       </dsp:style>
       <dsp:txBody>
-        <a:bodyPr spcFirstLastPara="0" vert="horz" wrap="square" lIns="135128" tIns="135128" rIns="135128" bIns="135128" numCol="1" spcCol="1270" anchor="ctr" anchorCtr="0">
+        <a:bodyPr spcFirstLastPara="0" vert="horz" wrap="square" lIns="142240" tIns="142240" rIns="142240" bIns="142240" numCol="1" spcCol="1270" anchor="ctr" anchorCtr="0">
           <a:noAutofit/>
         </a:bodyPr>
         <a:lstStyle/>
         <a:p>
-          <a:pPr marL="0" lvl="0" indent="0" algn="ctr" defTabSz="844550">
+          <a:pPr marL="0" lvl="0" indent="0" algn="ctr" defTabSz="889000">
             <a:lnSpc>
               <a:spcPct val="90000"/>
             </a:lnSpc>
@@ -1908,16 +1955,8 @@
             <a:buNone/>
           </a:pPr>
           <a:r>
-            <a:rPr lang="en-US" sz="1900" kern="1200" dirty="0"/>
-            <a:t>Rigorous </a:t>
-          </a:r>
-          <a:r>
-            <a:rPr lang="en-US" sz="1900" kern="1200" dirty="0" err="1"/>
-            <a:t>quasiexperimental</a:t>
-          </a:r>
-          <a:r>
-            <a:rPr lang="en-US" sz="1900" kern="1200" dirty="0"/>
-            <a:t> design with matched comparison groups &amp; control measures</a:t>
+            <a:rPr lang="en-US" sz="2000" kern="1200" dirty="0"/>
+            <a:t>Rigorous quasiexperimental design with matched comparison groups &amp; control measures</a:t>
           </a:r>
         </a:p>
       </dsp:txBody>
@@ -2034,12 +2073,12 @@
         </a:fontRef>
       </dsp:style>
       <dsp:txBody>
-        <a:bodyPr spcFirstLastPara="0" vert="horz" wrap="square" lIns="135128" tIns="135128" rIns="135128" bIns="135128" numCol="1" spcCol="1270" anchor="ctr" anchorCtr="0">
+        <a:bodyPr spcFirstLastPara="0" vert="horz" wrap="square" lIns="142240" tIns="142240" rIns="142240" bIns="142240" numCol="1" spcCol="1270" anchor="ctr" anchorCtr="0">
           <a:noAutofit/>
         </a:bodyPr>
         <a:lstStyle/>
         <a:p>
-          <a:pPr marL="0" lvl="0" indent="0" algn="ctr" defTabSz="844550">
+          <a:pPr marL="0" lvl="0" indent="0" algn="ctr" defTabSz="889000">
             <a:lnSpc>
               <a:spcPct val="90000"/>
             </a:lnSpc>
@@ -2052,8 +2091,8 @@
             <a:buNone/>
           </a:pPr>
           <a:r>
-            <a:rPr lang="en-US" sz="1900" kern="1200" dirty="0"/>
-            <a:t>Well-implemented randomized control comparting treatment and non-treatment groups</a:t>
+            <a:rPr lang="en-US" sz="2000" kern="1200" dirty="0"/>
+            <a:t>Well-implemented randomized control comparing treatment and non-treatment groups</a:t>
           </a:r>
         </a:p>
       </dsp:txBody>
@@ -9162,14 +9201,14 @@
           <p:nvPr>
             <p:extLst>
               <p:ext uri="{D42A27DB-BD31-4B8C-83A1-F6EECF244321}">
-                <p14:modId xmlns:p14="http://schemas.microsoft.com/office/powerpoint/2010/main" val="630034782"/>
+                <p14:modId xmlns:p14="http://schemas.microsoft.com/office/powerpoint/2010/main" val="1826366815"/>
               </p:ext>
             </p:extLst>
           </p:nvPr>
         </p:nvGraphicFramePr>
         <p:xfrm>
           <a:off x="1263578" y="1668344"/>
-          <a:ext cx="9664847" cy="3343131"/>
+          <a:ext cx="9664847" cy="2967076"/>
         </p:xfrm>
         <a:graphic>
           <a:graphicData uri="http://schemas.openxmlformats.org/drawingml/2006/table">
@@ -9195,7 +9234,7 @@
                   </a:extLst>
                 </a:gridCol>
               </a:tblGrid>
-              <a:tr h="837759">
+              <a:tr h="446206">
                 <a:tc gridSpan="2">
                   <a:txBody>
                     <a:bodyPr/>
@@ -9203,7 +9242,7 @@
                     <a:p>
                       <a:pPr algn="ctr" rtl="0" fontAlgn="base"/>
                       <a:r>
-                        <a:rPr lang="en-US" sz="1800" b="0" i="1" cap="none" spc="0">
+                        <a:rPr lang="en-US" sz="1800" b="0" i="1" cap="none" spc="0" dirty="0">
                           <a:solidFill>
                             <a:schemeClr val="tx1"/>
                           </a:solidFill>
@@ -9213,7 +9252,7 @@
                         <a:t>Table 1: Selection Criteria</a:t>
                       </a:r>
                       <a:r>
-                        <a:rPr lang="en-US" sz="1800" b="0" i="0" cap="none" spc="0">
+                        <a:rPr lang="en-US" sz="1800" b="0" i="0" cap="none" spc="0" dirty="0">
                           <a:solidFill>
                             <a:schemeClr val="tx1"/>
                           </a:solidFill>
@@ -9222,26 +9261,7 @@
                         </a:rPr>
                         <a:t> </a:t>
                       </a:r>
-                      <a:endParaRPr lang="en-US" sz="1800" b="0" i="0" cap="none" spc="0">
-                        <a:solidFill>
-                          <a:schemeClr val="tx1"/>
-                        </a:solidFill>
-                        <a:effectLst/>
-                      </a:endParaRPr>
-                    </a:p>
-                    <a:p>
-                      <a:pPr algn="ctr" rtl="0" fontAlgn="base"/>
-                      <a:r>
-                        <a:rPr lang="en-US" sz="1800" b="0" i="0" cap="none" spc="0">
-                          <a:solidFill>
-                            <a:schemeClr val="tx1"/>
-                          </a:solidFill>
-                          <a:effectLst/>
-                          <a:latin typeface="Calibri" panose="020F0502020204030204" pitchFamily="34" charset="0"/>
-                        </a:rPr>
-                        <a:t> </a:t>
-                      </a:r>
-                      <a:endParaRPr lang="en-US" sz="1800" b="0" i="0" cap="none" spc="0">
+                      <a:endParaRPr lang="en-US" sz="1800" b="0" i="0" cap="none" spc="0" dirty="0">
                         <a:solidFill>
                           <a:schemeClr val="tx1"/>
                         </a:solidFill>
@@ -9293,7 +9313,7 @@
                   </a:ext>
                 </a:extLst>
               </a:tr>
-              <a:tr h="561140">
+              <a:tr h="377697">
                 <a:tc>
                   <a:txBody>
                     <a:bodyPr/>
@@ -9301,7 +9321,7 @@
                     <a:p>
                       <a:pPr algn="ctr" rtl="0" fontAlgn="base"/>
                       <a:r>
-                        <a:rPr lang="en-US" sz="1800" b="0" i="0" cap="none" spc="0">
+                        <a:rPr lang="en-US" sz="1800" b="0" i="0" cap="none" spc="0" dirty="0">
                           <a:solidFill>
                             <a:schemeClr val="tx1"/>
                           </a:solidFill>
@@ -9310,7 +9330,7 @@
                         </a:rPr>
                         <a:t>Inclusion Criteria: </a:t>
                       </a:r>
-                      <a:endParaRPr lang="en-US" sz="1800" b="0" i="0" cap="none" spc="0">
+                      <a:endParaRPr lang="en-US" sz="1800" b="0" i="0" cap="none" spc="0" dirty="0">
                         <a:solidFill>
                           <a:schemeClr val="tx1"/>
                         </a:solidFill>
@@ -9418,7 +9438,7 @@
                     <a:p>
                       <a:pPr algn="just" rtl="0" fontAlgn="base"/>
                       <a:r>
-                        <a:rPr lang="en-US" sz="1800" b="0" i="1" cap="none" spc="0">
+                        <a:rPr lang="en-US" sz="1800" b="0" i="1" cap="none" spc="0" dirty="0">
                           <a:solidFill>
                             <a:schemeClr val="tx1"/>
                           </a:solidFill>
@@ -9428,7 +9448,7 @@
                         <a:t>Studies with… </a:t>
                       </a:r>
                       <a:r>
-                        <a:rPr lang="en-US" sz="1800" b="0" i="0" cap="none" spc="0">
+                        <a:rPr lang="en-US" sz="1800" b="0" i="0" cap="none" spc="0" dirty="0">
                           <a:solidFill>
                             <a:schemeClr val="tx1"/>
                           </a:solidFill>
@@ -9437,7 +9457,7 @@
                         </a:rPr>
                         <a:t> </a:t>
                       </a:r>
-                      <a:endParaRPr lang="en-US" sz="1800" b="0" i="0" cap="none" spc="0">
+                      <a:endParaRPr lang="en-US" sz="1800" b="0" i="0" cap="none" spc="0" dirty="0">
                         <a:solidFill>
                           <a:schemeClr val="tx1"/>
                         </a:solidFill>
@@ -9447,7 +9467,7 @@
                     <a:p>
                       <a:pPr algn="r" rtl="0" fontAlgn="base"/>
                       <a:r>
-                        <a:rPr lang="en-US" sz="1800" b="0" i="0" cap="none" spc="0">
+                        <a:rPr lang="en-US" sz="1800" b="0" i="0" cap="none" spc="0" dirty="0">
                           <a:solidFill>
                             <a:schemeClr val="tx1"/>
                           </a:solidFill>
@@ -9456,7 +9476,7 @@
                         </a:rPr>
                         <a:t>randomized/non-randomized control studies </a:t>
                       </a:r>
-                      <a:endParaRPr lang="en-US" sz="1800" b="0" i="0" cap="none" spc="0">
+                      <a:endParaRPr lang="en-US" sz="1800" b="0" i="0" cap="none" spc="0" dirty="0">
                         <a:solidFill>
                           <a:schemeClr val="tx1"/>
                         </a:solidFill>
@@ -9466,7 +9486,7 @@
                     <a:p>
                       <a:pPr algn="r" rtl="0" fontAlgn="base"/>
                       <a:r>
-                        <a:rPr lang="en-US" sz="1800" b="0" i="0" cap="none" spc="0">
+                        <a:rPr lang="en-US" sz="1800" b="0" i="0" cap="none" spc="0" dirty="0">
                           <a:solidFill>
                             <a:schemeClr val="tx1"/>
                           </a:solidFill>
@@ -9475,7 +9495,7 @@
                         </a:rPr>
                         <a:t>quasiexperimental studies with demographic/criminal history </a:t>
                       </a:r>
-                      <a:endParaRPr lang="en-US" sz="1800" b="0" i="0" cap="none" spc="0">
+                      <a:endParaRPr lang="en-US" sz="1800" b="0" i="0" cap="none" spc="0" dirty="0">
                         <a:solidFill>
                           <a:schemeClr val="tx1"/>
                         </a:solidFill>
@@ -9485,7 +9505,7 @@
                     <a:p>
                       <a:pPr algn="r" rtl="0" fontAlgn="base"/>
                       <a:r>
-                        <a:rPr lang="en-US" sz="1800" b="0" i="0" cap="none" spc="0">
+                        <a:rPr lang="en-US" sz="1800" b="0" i="0" cap="none" spc="0" dirty="0">
                           <a:solidFill>
                             <a:schemeClr val="tx1"/>
                           </a:solidFill>
@@ -9494,7 +9514,7 @@
                         </a:rPr>
                         <a:t>focus on crime-related outcomes </a:t>
                       </a:r>
-                      <a:endParaRPr lang="en-US" sz="1800" b="0" i="0" cap="none" spc="0">
+                      <a:endParaRPr lang="en-US" sz="1800" b="0" i="0" cap="none" spc="0" dirty="0">
                         <a:solidFill>
                           <a:schemeClr val="tx1"/>
                         </a:solidFill>
@@ -9504,7 +9524,7 @@
                     <a:p>
                       <a:pPr algn="r" rtl="0" fontAlgn="base"/>
                       <a:r>
-                        <a:rPr lang="en-US" sz="1800" b="0" i="0" cap="none" spc="0">
+                        <a:rPr lang="en-US" sz="1800" b="0" i="0" cap="none" spc="0" dirty="0">
                           <a:solidFill>
                             <a:schemeClr val="tx1"/>
                           </a:solidFill>
@@ -9513,7 +9533,7 @@
                         </a:rPr>
                         <a:t>information reported to calculate effect size </a:t>
                       </a:r>
-                      <a:endParaRPr lang="en-US" sz="1800" b="0" i="0" cap="none" spc="0">
+                      <a:endParaRPr lang="en-US" sz="1800" b="0" i="0" cap="none" spc="0" dirty="0">
                         <a:solidFill>
                           <a:schemeClr val="tx1"/>
                         </a:solidFill>
@@ -9559,7 +9579,7 @@
                     <a:p>
                       <a:pPr algn="l" rtl="0" fontAlgn="base"/>
                       <a:r>
-                        <a:rPr lang="en-US" sz="1800" b="0" i="1" cap="none" spc="0">
+                        <a:rPr lang="en-US" sz="1800" b="0" i="1" cap="none" spc="0" dirty="0">
                           <a:solidFill>
                             <a:schemeClr val="tx1"/>
                           </a:solidFill>
@@ -9569,7 +9589,7 @@
                         <a:t>Studies with… </a:t>
                       </a:r>
                       <a:r>
-                        <a:rPr lang="en-US" sz="1800" b="0" i="0" cap="none" spc="0">
+                        <a:rPr lang="en-US" sz="1800" b="0" i="0" cap="none" spc="0" dirty="0">
                           <a:solidFill>
                             <a:schemeClr val="tx1"/>
                           </a:solidFill>
@@ -9578,7 +9598,7 @@
                         </a:rPr>
                         <a:t> </a:t>
                       </a:r>
-                      <a:endParaRPr lang="en-US" sz="1800" b="0" i="0" cap="none" spc="0">
+                      <a:endParaRPr lang="en-US" sz="1800" b="0" i="0" cap="none" spc="0" dirty="0">
                         <a:solidFill>
                           <a:schemeClr val="tx1"/>
                         </a:solidFill>
@@ -9588,7 +9608,7 @@
                     <a:p>
                       <a:pPr algn="r" rtl="0" fontAlgn="base"/>
                       <a:r>
-                        <a:rPr lang="en-US" sz="1800" b="0" i="0" cap="none" spc="0">
+                        <a:rPr lang="en-US" sz="1800" b="0" i="0" cap="none" spc="0" dirty="0">
                           <a:solidFill>
                             <a:schemeClr val="tx1"/>
                           </a:solidFill>
@@ -9597,7 +9617,7 @@
                         </a:rPr>
                         <a:t>pre-post testing </a:t>
                       </a:r>
-                      <a:endParaRPr lang="en-US" sz="1800" b="0" i="0" cap="none" spc="0">
+                      <a:endParaRPr lang="en-US" sz="1800" b="0" i="0" cap="none" spc="0" dirty="0">
                         <a:solidFill>
                           <a:schemeClr val="tx1"/>
                         </a:solidFill>
@@ -9607,7 +9627,7 @@
                     <a:p>
                       <a:pPr algn="r" rtl="0" fontAlgn="base"/>
                       <a:r>
-                        <a:rPr lang="en-US" sz="1800" b="0" i="0" cap="none" spc="0">
+                        <a:rPr lang="en-US" sz="1800" b="0" i="0" cap="none" spc="0" dirty="0">
                           <a:solidFill>
                             <a:schemeClr val="tx1"/>
                           </a:solidFill>
@@ -9616,7 +9636,7 @@
                         </a:rPr>
                         <a:t>single groups </a:t>
                       </a:r>
-                      <a:endParaRPr lang="en-US" sz="1800" b="0" i="0" cap="none" spc="0">
+                      <a:endParaRPr lang="en-US" sz="1800" b="0" i="0" cap="none" spc="0" dirty="0">
                         <a:solidFill>
                           <a:schemeClr val="tx1"/>
                         </a:solidFill>
@@ -9626,7 +9646,7 @@
                     <a:p>
                       <a:pPr algn="r" rtl="0" fontAlgn="base"/>
                       <a:r>
-                        <a:rPr lang="en-US" sz="1800" b="0" i="0" cap="none" spc="0">
+                        <a:rPr lang="en-US" sz="1800" b="0" i="0" cap="none" spc="0" dirty="0">
                           <a:solidFill>
                             <a:schemeClr val="tx1"/>
                           </a:solidFill>
@@ -9635,7 +9655,7 @@
                         </a:rPr>
                         <a:t>only participants that successfully completed the program </a:t>
                       </a:r>
-                      <a:endParaRPr lang="en-US" sz="1800" b="0" i="0" cap="none" spc="0">
+                      <a:endParaRPr lang="en-US" sz="1800" b="0" i="0" cap="none" spc="0" dirty="0">
                         <a:solidFill>
                           <a:schemeClr val="tx1"/>
                         </a:solidFill>
@@ -10023,27 +10043,7 @@
                 <a:latin typeface="Adobe Devanagari" panose="02040503050201020203" pitchFamily="18" charset="0"/>
                 <a:ea typeface="Times New Roman" panose="02020603050405020304" pitchFamily="18" charset="0"/>
               </a:rPr>
-              <a:t>by Elizabeth K. Drake, Steve </a:t>
-            </a:r>
-            <a:r>
-              <a:rPr lang="en-US" sz="1800" b="1" dirty="0" err="1">
-                <a:solidFill>
-                  <a:schemeClr val="bg1"/>
-                </a:solidFill>
-                <a:latin typeface="Adobe Devanagari" panose="02040503050201020203" pitchFamily="18" charset="0"/>
-                <a:ea typeface="Times New Roman" panose="02020603050405020304" pitchFamily="18" charset="0"/>
-              </a:rPr>
-              <a:t>Aos</a:t>
-            </a:r>
-            <a:r>
-              <a:rPr lang="en-US" sz="1800" b="1" dirty="0">
-                <a:solidFill>
-                  <a:schemeClr val="bg1"/>
-                </a:solidFill>
-                <a:latin typeface="Adobe Devanagari" panose="02040503050201020203" pitchFamily="18" charset="0"/>
-                <a:ea typeface="Times New Roman" panose="02020603050405020304" pitchFamily="18" charset="0"/>
-              </a:rPr>
-              <a:t>, &amp; Marna G. Miller</a:t>
+              <a:t>by Elizabeth K. Drake, Steve Aos, &amp; Marna G. Miller</a:t>
             </a:r>
             <a:endParaRPr lang="en-US" sz="1800" dirty="0">
               <a:solidFill>
@@ -10144,7 +10144,7 @@
           <p:nvPr>
             <p:extLst>
               <p:ext uri="{D42A27DB-BD31-4B8C-83A1-F6EECF244321}">
-                <p14:modId xmlns:p14="http://schemas.microsoft.com/office/powerpoint/2010/main" val="453290126"/>
+                <p14:modId xmlns:p14="http://schemas.microsoft.com/office/powerpoint/2010/main" val="1905902163"/>
               </p:ext>
             </p:extLst>
           </p:nvPr>
@@ -10224,12 +10224,8 @@
           <a:lstStyle/>
           <a:p>
             <a:r>
-              <a:rPr lang="en-US"/>
-              <a:t>Figure </a:t>
-            </a:r>
-            <a:r>
               <a:rPr lang="en-US" dirty="0"/>
-              <a:t>1: Research Design Scale </a:t>
+              <a:t>Figure 1: Research Design Scale </a:t>
             </a:r>
           </a:p>
         </p:txBody>
@@ -10238,6 +10234,66 @@
     <p:extLst>
       <p:ext uri="{BB962C8B-B14F-4D97-AF65-F5344CB8AC3E}">
         <p14:creationId xmlns:p14="http://schemas.microsoft.com/office/powerpoint/2010/main" val="2033176584"/>
+      </p:ext>
+    </p:extLst>
+  </p:cSld>
+  <p:clrMapOvr>
+    <a:masterClrMapping/>
+  </p:clrMapOvr>
+</p:sld>
+</file>
+
+<file path=ppt/slides/slide4.xml><?xml version="1.0" encoding="utf-8"?>
+<p:sld xmlns:a="http://schemas.openxmlformats.org/drawingml/2006/main" xmlns:r="http://schemas.openxmlformats.org/officeDocument/2006/relationships" xmlns:p="http://schemas.openxmlformats.org/presentationml/2006/main">
+  <p:cSld>
+    <p:spTree>
+      <p:nvGrpSpPr>
+        <p:cNvPr id="1" name=""/>
+        <p:cNvGrpSpPr/>
+        <p:nvPr/>
+      </p:nvGrpSpPr>
+      <p:grpSpPr>
+        <a:xfrm>
+          <a:off x="0" y="0"/>
+          <a:ext cx="0" cy="0"/>
+          <a:chOff x="0" y="0"/>
+          <a:chExt cx="0" cy="0"/>
+        </a:xfrm>
+      </p:grpSpPr>
+      <p:pic>
+        <p:nvPicPr>
+          <p:cNvPr id="4" name="Picture 3" descr="Table&#10;&#10;Description automatically generated with low confidence">
+            <a:extLst>
+              <a:ext uri="{FF2B5EF4-FFF2-40B4-BE49-F238E27FC236}">
+                <a16:creationId xmlns:a16="http://schemas.microsoft.com/office/drawing/2014/main" id="{013849BF-7E7B-4447-8B2F-0B90836B62BA}"/>
+              </a:ext>
+            </a:extLst>
+          </p:cNvPr>
+          <p:cNvPicPr>
+            <a:picLocks noChangeAspect="1"/>
+          </p:cNvPicPr>
+          <p:nvPr/>
+        </p:nvPicPr>
+        <p:blipFill>
+          <a:blip r:embed="rId2"/>
+          <a:stretch>
+            <a:fillRect/>
+          </a:stretch>
+        </p:blipFill>
+        <p:spPr>
+          <a:xfrm rot="5400000">
+            <a:off x="4403741" y="-1408129"/>
+            <a:ext cx="4041742" cy="6858000"/>
+          </a:xfrm>
+          <a:prstGeom prst="rect">
+            <a:avLst/>
+          </a:prstGeom>
+        </p:spPr>
+      </p:pic>
+    </p:spTree>
+    <p:extLst>
+      <p:ext uri="{BB962C8B-B14F-4D97-AF65-F5344CB8AC3E}">
+        <p14:creationId xmlns:p14="http://schemas.microsoft.com/office/powerpoint/2010/main" val="12891457"/>
       </p:ext>
     </p:extLst>
   </p:cSld>
